--- a/Vocabulary/MainConcepts_discussion.pptx
+++ b/Vocabulary/MainConcepts_discussion.pptx
@@ -6,13 +6,18 @@
   </p:sldMasterIdLst>
   <p:sldIdLst>
     <p:sldId id="256" r:id="rId2"/>
-    <p:sldId id="257" r:id="rId3"/>
-    <p:sldId id="258" r:id="rId4"/>
-    <p:sldId id="259" r:id="rId5"/>
-    <p:sldId id="260" r:id="rId6"/>
-    <p:sldId id="261" r:id="rId7"/>
-    <p:sldId id="262" r:id="rId8"/>
-    <p:sldId id="263" r:id="rId9"/>
+    <p:sldId id="267" r:id="rId3"/>
+    <p:sldId id="268" r:id="rId4"/>
+    <p:sldId id="266" r:id="rId5"/>
+    <p:sldId id="257" r:id="rId6"/>
+    <p:sldId id="258" r:id="rId7"/>
+    <p:sldId id="259" r:id="rId8"/>
+    <p:sldId id="260" r:id="rId9"/>
+    <p:sldId id="261" r:id="rId10"/>
+    <p:sldId id="262" r:id="rId11"/>
+    <p:sldId id="264" r:id="rId12"/>
+    <p:sldId id="263" r:id="rId13"/>
+    <p:sldId id="265" r:id="rId14"/>
   </p:sldIdLst>
   <p:sldSz cx="12192000" cy="6858000"/>
   <p:notesSz cx="6858000" cy="9144000"/>
@@ -250,7 +255,7 @@
           <a:p>
             <a:fld id="{FF8E9162-F77B-4F26-BB4B-3724DD8521CB}" type="datetimeFigureOut">
               <a:rPr lang="fr-FR" smtClean="0"/>
-              <a:t>30/04/2019</a:t>
+              <a:t>11/06/2019</a:t>
             </a:fld>
             <a:endParaRPr lang="fr-FR"/>
           </a:p>
@@ -420,7 +425,7 @@
           <a:p>
             <a:fld id="{FF8E9162-F77B-4F26-BB4B-3724DD8521CB}" type="datetimeFigureOut">
               <a:rPr lang="fr-FR" smtClean="0"/>
-              <a:t>30/04/2019</a:t>
+              <a:t>11/06/2019</a:t>
             </a:fld>
             <a:endParaRPr lang="fr-FR"/>
           </a:p>
@@ -600,7 +605,7 @@
           <a:p>
             <a:fld id="{FF8E9162-F77B-4F26-BB4B-3724DD8521CB}" type="datetimeFigureOut">
               <a:rPr lang="fr-FR" smtClean="0"/>
-              <a:t>30/04/2019</a:t>
+              <a:t>11/06/2019</a:t>
             </a:fld>
             <a:endParaRPr lang="fr-FR"/>
           </a:p>
@@ -770,7 +775,7 @@
           <a:p>
             <a:fld id="{FF8E9162-F77B-4F26-BB4B-3724DD8521CB}" type="datetimeFigureOut">
               <a:rPr lang="fr-FR" smtClean="0"/>
-              <a:t>30/04/2019</a:t>
+              <a:t>11/06/2019</a:t>
             </a:fld>
             <a:endParaRPr lang="fr-FR"/>
           </a:p>
@@ -1016,7 +1021,7 @@
           <a:p>
             <a:fld id="{FF8E9162-F77B-4F26-BB4B-3724DD8521CB}" type="datetimeFigureOut">
               <a:rPr lang="fr-FR" smtClean="0"/>
-              <a:t>30/04/2019</a:t>
+              <a:t>11/06/2019</a:t>
             </a:fld>
             <a:endParaRPr lang="fr-FR"/>
           </a:p>
@@ -1248,7 +1253,7 @@
           <a:p>
             <a:fld id="{FF8E9162-F77B-4F26-BB4B-3724DD8521CB}" type="datetimeFigureOut">
               <a:rPr lang="fr-FR" smtClean="0"/>
-              <a:t>30/04/2019</a:t>
+              <a:t>11/06/2019</a:t>
             </a:fld>
             <a:endParaRPr lang="fr-FR"/>
           </a:p>
@@ -1615,7 +1620,7 @@
           <a:p>
             <a:fld id="{FF8E9162-F77B-4F26-BB4B-3724DD8521CB}" type="datetimeFigureOut">
               <a:rPr lang="fr-FR" smtClean="0"/>
-              <a:t>30/04/2019</a:t>
+              <a:t>11/06/2019</a:t>
             </a:fld>
             <a:endParaRPr lang="fr-FR"/>
           </a:p>
@@ -1733,7 +1738,7 @@
           <a:p>
             <a:fld id="{FF8E9162-F77B-4F26-BB4B-3724DD8521CB}" type="datetimeFigureOut">
               <a:rPr lang="fr-FR" smtClean="0"/>
-              <a:t>30/04/2019</a:t>
+              <a:t>11/06/2019</a:t>
             </a:fld>
             <a:endParaRPr lang="fr-FR"/>
           </a:p>
@@ -1828,7 +1833,7 @@
           <a:p>
             <a:fld id="{FF8E9162-F77B-4F26-BB4B-3724DD8521CB}" type="datetimeFigureOut">
               <a:rPr lang="fr-FR" smtClean="0"/>
-              <a:t>30/04/2019</a:t>
+              <a:t>11/06/2019</a:t>
             </a:fld>
             <a:endParaRPr lang="fr-FR"/>
           </a:p>
@@ -2105,7 +2110,7 @@
           <a:p>
             <a:fld id="{FF8E9162-F77B-4F26-BB4B-3724DD8521CB}" type="datetimeFigureOut">
               <a:rPr lang="fr-FR" smtClean="0"/>
-              <a:t>30/04/2019</a:t>
+              <a:t>11/06/2019</a:t>
             </a:fld>
             <a:endParaRPr lang="fr-FR"/>
           </a:p>
@@ -2358,7 +2363,7 @@
           <a:p>
             <a:fld id="{FF8E9162-F77B-4F26-BB4B-3724DD8521CB}" type="datetimeFigureOut">
               <a:rPr lang="fr-FR" smtClean="0"/>
-              <a:t>30/04/2019</a:t>
+              <a:t>11/06/2019</a:t>
             </a:fld>
             <a:endParaRPr lang="fr-FR"/>
           </a:p>
@@ -2571,7 +2576,7 @@
           <a:p>
             <a:fld id="{FF8E9162-F77B-4F26-BB4B-3724DD8521CB}" type="datetimeFigureOut">
               <a:rPr lang="fr-FR" smtClean="0"/>
-              <a:t>30/04/2019</a:t>
+              <a:t>11/06/2019</a:t>
             </a:fld>
             <a:endParaRPr lang="fr-FR"/>
           </a:p>
@@ -3503,8 +3508,8 @@
         </p:nvSpPr>
         <p:spPr>
           <a:xfrm>
-            <a:off x="3716383" y="4652558"/>
-            <a:ext cx="1904999" cy="773973"/>
+            <a:off x="3716383" y="5249104"/>
+            <a:ext cx="1824449" cy="508722"/>
           </a:xfrm>
           <a:prstGeom prst="roundRect">
             <a:avLst/>
@@ -3543,19 +3548,7 @@
             </a:r>
             <a:r>
               <a:rPr lang="fr-FR" sz="1400" dirty="0" smtClean="0"/>
-              <a:t> – how to position </a:t>
-            </a:r>
-            <a:r>
-              <a:rPr lang="fr-FR" sz="1400" dirty="0" err="1" smtClean="0"/>
-              <a:t>stuff</a:t>
-            </a:r>
-            <a:r>
-              <a:rPr lang="fr-FR" sz="1400" dirty="0" smtClean="0"/>
-              <a:t> down the </a:t>
-            </a:r>
-            <a:r>
-              <a:rPr lang="fr-FR" sz="1400" dirty="0" err="1" smtClean="0"/>
-              <a:t>hole</a:t>
+              <a:t> </a:t>
             </a:r>
             <a:endParaRPr lang="fr-FR" sz="1400" dirty="0"/>
           </a:p>
@@ -3962,10 +3955,4000 @@
           </a:p>
         </p:txBody>
       </p:sp>
+      <p:sp>
+        <p:nvSpPr>
+          <p:cNvPr id="22" name="Rectangle à coins arrondis 21"/>
+          <p:cNvSpPr/>
+          <p:nvPr/>
+        </p:nvSpPr>
+        <p:spPr>
+          <a:xfrm>
+            <a:off x="3895882" y="2610680"/>
+            <a:ext cx="1861688" cy="515982"/>
+          </a:xfrm>
+          <a:prstGeom prst="roundRect">
+            <a:avLst/>
+          </a:prstGeom>
+          <a:solidFill>
+            <a:schemeClr val="tx1">
+              <a:lumMod val="75000"/>
+              <a:lumOff val="25000"/>
+            </a:schemeClr>
+          </a:solidFill>
+        </p:spPr>
+        <p:style>
+          <a:lnRef idx="2">
+            <a:schemeClr val="accent1">
+              <a:shade val="50000"/>
+            </a:schemeClr>
+          </a:lnRef>
+          <a:fillRef idx="1">
+            <a:schemeClr val="accent1"/>
+          </a:fillRef>
+          <a:effectRef idx="0">
+            <a:schemeClr val="accent1"/>
+          </a:effectRef>
+          <a:fontRef idx="minor">
+            <a:schemeClr val="lt1"/>
+          </a:fontRef>
+        </p:style>
+        <p:txBody>
+          <a:bodyPr rtlCol="0" anchor="ctr"/>
+          <a:lstStyle/>
+          <a:p>
+            <a:pPr algn="ctr"/>
+            <a:r>
+              <a:rPr lang="en-US" sz="1400" dirty="0" smtClean="0"/>
+              <a:t>How </a:t>
+            </a:r>
+            <a:r>
+              <a:rPr lang="en-US" sz="1400" dirty="0"/>
+              <a:t>to position things down the hole</a:t>
+            </a:r>
+            <a:endParaRPr lang="fr-FR" sz="1400" dirty="0"/>
+          </a:p>
+        </p:txBody>
+      </p:sp>
     </p:spTree>
     <p:extLst>
       <p:ext uri="{BB962C8B-B14F-4D97-AF65-F5344CB8AC3E}">
         <p14:creationId xmlns:p14="http://schemas.microsoft.com/office/powerpoint/2010/main" val="444844593"/>
+      </p:ext>
+    </p:extLst>
+  </p:cSld>
+  <p:clrMapOvr>
+    <a:masterClrMapping/>
+  </p:clrMapOvr>
+</p:sld>
+</file>
+
+<file path=ppt/slides/slide10.xml><?xml version="1.0" encoding="utf-8"?>
+<p:sld xmlns:a="http://schemas.openxmlformats.org/drawingml/2006/main" xmlns:r="http://schemas.openxmlformats.org/officeDocument/2006/relationships" xmlns:p="http://schemas.openxmlformats.org/presentationml/2006/main">
+  <p:cSld>
+    <p:spTree>
+      <p:nvGrpSpPr>
+        <p:cNvPr id="1" name=""/>
+        <p:cNvGrpSpPr/>
+        <p:nvPr/>
+      </p:nvGrpSpPr>
+      <p:grpSpPr>
+        <a:xfrm>
+          <a:off x="0" y="0"/>
+          <a:ext cx="0" cy="0"/>
+          <a:chOff x="0" y="0"/>
+          <a:chExt cx="0" cy="0"/>
+        </a:xfrm>
+      </p:grpSpPr>
+      <p:grpSp>
+        <p:nvGrpSpPr>
+          <p:cNvPr id="5" name="Groupe 72"/>
+          <p:cNvGrpSpPr>
+            <a:grpSpLocks/>
+          </p:cNvGrpSpPr>
+          <p:nvPr/>
+        </p:nvGrpSpPr>
+        <p:grpSpPr bwMode="auto">
+          <a:xfrm>
+            <a:off x="5313439" y="3740684"/>
+            <a:ext cx="234950" cy="2744788"/>
+            <a:chOff x="3727866" y="2133600"/>
+            <a:chExt cx="234534" cy="2744372"/>
+          </a:xfrm>
+        </p:grpSpPr>
+        <p:sp>
+          <p:nvSpPr>
+            <p:cNvPr id="6" name="Oval 3"/>
+            <p:cNvSpPr/>
+            <p:nvPr/>
+          </p:nvSpPr>
+          <p:spPr>
+            <a:xfrm>
+              <a:off x="3732628" y="2133600"/>
+              <a:ext cx="229772" cy="229772"/>
+            </a:xfrm>
+            <a:prstGeom prst="ellipse">
+              <a:avLst/>
+            </a:prstGeom>
+            <a:solidFill>
+              <a:srgbClr val="FF0000"/>
+            </a:solidFill>
+            <a:ln>
+              <a:noFill/>
+            </a:ln>
+            <a:effectLst>
+              <a:innerShdw blurRad="114300">
+                <a:prstClr val="black"/>
+              </a:innerShdw>
+            </a:effectLst>
+          </p:spPr>
+          <p:style>
+            <a:lnRef idx="2">
+              <a:schemeClr val="accent1">
+                <a:shade val="50000"/>
+              </a:schemeClr>
+            </a:lnRef>
+            <a:fillRef idx="1">
+              <a:schemeClr val="accent1"/>
+            </a:fillRef>
+            <a:effectRef idx="0">
+              <a:schemeClr val="accent1"/>
+            </a:effectRef>
+            <a:fontRef idx="minor">
+              <a:schemeClr val="lt1"/>
+            </a:fontRef>
+          </p:style>
+          <p:txBody>
+            <a:bodyPr anchor="ctr"/>
+            <a:lstStyle/>
+            <a:p>
+              <a:pPr algn="ctr">
+                <a:defRPr/>
+              </a:pPr>
+              <a:endParaRPr lang="fr-FR" b="1">
+                <a:solidFill>
+                  <a:srgbClr val="FFFFFF"/>
+                </a:solidFill>
+                <a:cs typeface="Arial" charset="0"/>
+              </a:endParaRPr>
+            </a:p>
+          </p:txBody>
+        </p:sp>
+        <p:sp>
+          <p:nvSpPr>
+            <p:cNvPr id="7" name="Oval 4"/>
+            <p:cNvSpPr/>
+            <p:nvPr/>
+          </p:nvSpPr>
+          <p:spPr>
+            <a:xfrm>
+              <a:off x="3727866" y="2971800"/>
+              <a:ext cx="233362" cy="229772"/>
+            </a:xfrm>
+            <a:prstGeom prst="ellipse">
+              <a:avLst/>
+            </a:prstGeom>
+            <a:solidFill>
+              <a:srgbClr val="FF0000"/>
+            </a:solidFill>
+            <a:ln>
+              <a:noFill/>
+            </a:ln>
+            <a:effectLst>
+              <a:innerShdw blurRad="114300">
+                <a:prstClr val="black"/>
+              </a:innerShdw>
+            </a:effectLst>
+          </p:spPr>
+          <p:style>
+            <a:lnRef idx="2">
+              <a:schemeClr val="accent1">
+                <a:shade val="50000"/>
+              </a:schemeClr>
+            </a:lnRef>
+            <a:fillRef idx="1">
+              <a:schemeClr val="accent1"/>
+            </a:fillRef>
+            <a:effectRef idx="0">
+              <a:schemeClr val="accent1"/>
+            </a:effectRef>
+            <a:fontRef idx="minor">
+              <a:schemeClr val="lt1"/>
+            </a:fontRef>
+          </p:style>
+          <p:txBody>
+            <a:bodyPr anchor="ctr"/>
+            <a:lstStyle/>
+            <a:p>
+              <a:pPr algn="ctr">
+                <a:defRPr/>
+              </a:pPr>
+              <a:endParaRPr lang="fr-FR" b="1">
+                <a:solidFill>
+                  <a:srgbClr val="FFFFFF"/>
+                </a:solidFill>
+                <a:cs typeface="Arial" charset="0"/>
+              </a:endParaRPr>
+            </a:p>
+          </p:txBody>
+        </p:sp>
+        <p:sp>
+          <p:nvSpPr>
+            <p:cNvPr id="8" name="Oval 5"/>
+            <p:cNvSpPr/>
+            <p:nvPr/>
+          </p:nvSpPr>
+          <p:spPr>
+            <a:xfrm>
+              <a:off x="3727866" y="3733800"/>
+              <a:ext cx="233362" cy="230481"/>
+            </a:xfrm>
+            <a:prstGeom prst="ellipse">
+              <a:avLst/>
+            </a:prstGeom>
+            <a:solidFill>
+              <a:srgbClr val="FF0000"/>
+            </a:solidFill>
+            <a:ln>
+              <a:noFill/>
+            </a:ln>
+            <a:effectLst>
+              <a:innerShdw blurRad="114300">
+                <a:prstClr val="black"/>
+              </a:innerShdw>
+            </a:effectLst>
+          </p:spPr>
+          <p:style>
+            <a:lnRef idx="2">
+              <a:schemeClr val="accent1">
+                <a:shade val="50000"/>
+              </a:schemeClr>
+            </a:lnRef>
+            <a:fillRef idx="1">
+              <a:schemeClr val="accent1"/>
+            </a:fillRef>
+            <a:effectRef idx="0">
+              <a:schemeClr val="accent1"/>
+            </a:effectRef>
+            <a:fontRef idx="minor">
+              <a:schemeClr val="lt1"/>
+            </a:fontRef>
+          </p:style>
+          <p:txBody>
+            <a:bodyPr anchor="ctr"/>
+            <a:lstStyle/>
+            <a:p>
+              <a:pPr algn="ctr">
+                <a:defRPr/>
+              </a:pPr>
+              <a:endParaRPr lang="fr-FR" b="1">
+                <a:solidFill>
+                  <a:srgbClr val="FFFFFF"/>
+                </a:solidFill>
+                <a:cs typeface="Arial" charset="0"/>
+              </a:endParaRPr>
+            </a:p>
+          </p:txBody>
+        </p:sp>
+        <p:sp>
+          <p:nvSpPr>
+            <p:cNvPr id="9" name="Oval 6"/>
+            <p:cNvSpPr/>
+            <p:nvPr/>
+          </p:nvSpPr>
+          <p:spPr>
+            <a:xfrm>
+              <a:off x="3727866" y="4648200"/>
+              <a:ext cx="233362" cy="229772"/>
+            </a:xfrm>
+            <a:prstGeom prst="ellipse">
+              <a:avLst/>
+            </a:prstGeom>
+            <a:solidFill>
+              <a:srgbClr val="FF0000"/>
+            </a:solidFill>
+            <a:ln>
+              <a:noFill/>
+            </a:ln>
+            <a:effectLst>
+              <a:innerShdw blurRad="114300">
+                <a:prstClr val="black"/>
+              </a:innerShdw>
+            </a:effectLst>
+          </p:spPr>
+          <p:style>
+            <a:lnRef idx="2">
+              <a:schemeClr val="accent1">
+                <a:shade val="50000"/>
+              </a:schemeClr>
+            </a:lnRef>
+            <a:fillRef idx="1">
+              <a:schemeClr val="accent1"/>
+            </a:fillRef>
+            <a:effectRef idx="0">
+              <a:schemeClr val="accent1"/>
+            </a:effectRef>
+            <a:fontRef idx="minor">
+              <a:schemeClr val="lt1"/>
+            </a:fontRef>
+          </p:style>
+          <p:txBody>
+            <a:bodyPr anchor="ctr"/>
+            <a:lstStyle/>
+            <a:p>
+              <a:pPr algn="ctr">
+                <a:defRPr/>
+              </a:pPr>
+              <a:endParaRPr lang="fr-FR" b="1" dirty="0">
+                <a:solidFill>
+                  <a:schemeClr val="accent6">
+                    <a:lumMod val="75000"/>
+                  </a:schemeClr>
+                </a:solidFill>
+                <a:cs typeface="Arial" charset="0"/>
+              </a:endParaRPr>
+            </a:p>
+          </p:txBody>
+        </p:sp>
+      </p:grpSp>
+      <p:sp>
+        <p:nvSpPr>
+          <p:cNvPr id="10" name="Right Brace 8"/>
+          <p:cNvSpPr/>
+          <p:nvPr/>
+        </p:nvSpPr>
+        <p:spPr>
+          <a:xfrm>
+            <a:off x="6209892" y="3914910"/>
+            <a:ext cx="195262" cy="762000"/>
+          </a:xfrm>
+          <a:prstGeom prst="rightBrace">
+            <a:avLst/>
+          </a:prstGeom>
+          <a:ln w="19050">
+            <a:solidFill>
+              <a:srgbClr val="FF0000"/>
+            </a:solidFill>
+          </a:ln>
+        </p:spPr>
+        <p:style>
+          <a:lnRef idx="1">
+            <a:schemeClr val="accent1"/>
+          </a:lnRef>
+          <a:fillRef idx="0">
+            <a:schemeClr val="accent1"/>
+          </a:fillRef>
+          <a:effectRef idx="0">
+            <a:schemeClr val="accent1"/>
+          </a:effectRef>
+          <a:fontRef idx="minor">
+            <a:schemeClr val="tx1"/>
+          </a:fontRef>
+        </p:style>
+        <p:txBody>
+          <a:bodyPr anchor="ctr"/>
+          <a:lstStyle/>
+          <a:p>
+            <a:pPr algn="ctr">
+              <a:defRPr/>
+            </a:pPr>
+            <a:endParaRPr lang="fr-FR">
+              <a:cs typeface="Arial" charset="0"/>
+            </a:endParaRPr>
+          </a:p>
+        </p:txBody>
+      </p:sp>
+      <p:sp>
+        <p:nvSpPr>
+          <p:cNvPr id="11" name="TextBox 9"/>
+          <p:cNvSpPr txBox="1">
+            <a:spLocks noChangeArrowheads="1"/>
+          </p:cNvSpPr>
+          <p:nvPr/>
+        </p:nvSpPr>
+        <p:spPr bwMode="auto">
+          <a:xfrm>
+            <a:off x="6410536" y="4156614"/>
+            <a:ext cx="1065213" cy="307975"/>
+          </a:xfrm>
+          <a:prstGeom prst="rect">
+            <a:avLst/>
+          </a:prstGeom>
+          <a:noFill/>
+          <a:ln w="9525">
+            <a:noFill/>
+            <a:miter lim="800000"/>
+            <a:headEnd/>
+            <a:tailEnd/>
+          </a:ln>
+        </p:spPr>
+        <p:txBody>
+          <a:bodyPr wrap="none">
+            <a:spAutoFit/>
+          </a:bodyPr>
+          <a:lstStyle/>
+          <a:p>
+            <a:r>
+              <a:rPr lang="en-US" sz="1400" b="1" dirty="0">
+                <a:solidFill>
+                  <a:srgbClr val="C00000"/>
+                </a:solidFill>
+              </a:rPr>
+              <a:t>INTERVAL</a:t>
+            </a:r>
+          </a:p>
+        </p:txBody>
+      </p:sp>
+      <p:sp>
+        <p:nvSpPr>
+          <p:cNvPr id="13" name="Rectangle à coins arrondis 12"/>
+          <p:cNvSpPr/>
+          <p:nvPr/>
+        </p:nvSpPr>
+        <p:spPr>
+          <a:xfrm>
+            <a:off x="2288058" y="2643550"/>
+            <a:ext cx="1201783" cy="515982"/>
+          </a:xfrm>
+          <a:prstGeom prst="roundRect">
+            <a:avLst/>
+          </a:prstGeom>
+          <a:solidFill>
+            <a:schemeClr val="tx1">
+              <a:lumMod val="75000"/>
+              <a:lumOff val="25000"/>
+            </a:schemeClr>
+          </a:solidFill>
+        </p:spPr>
+        <p:style>
+          <a:lnRef idx="2">
+            <a:schemeClr val="accent1">
+              <a:shade val="50000"/>
+            </a:schemeClr>
+          </a:lnRef>
+          <a:fillRef idx="1">
+            <a:schemeClr val="accent1"/>
+          </a:fillRef>
+          <a:effectRef idx="0">
+            <a:schemeClr val="accent1"/>
+          </a:effectRef>
+          <a:fontRef idx="minor">
+            <a:schemeClr val="lt1"/>
+          </a:fontRef>
+        </p:style>
+        <p:txBody>
+          <a:bodyPr rtlCol="0" anchor="ctr"/>
+          <a:lstStyle/>
+          <a:p>
+            <a:pPr algn="ctr"/>
+            <a:r>
+              <a:rPr lang="fr-FR" sz="1400" dirty="0" smtClean="0"/>
+              <a:t>Baseline</a:t>
+            </a:r>
+            <a:endParaRPr lang="fr-FR" sz="1400" dirty="0"/>
+          </a:p>
+        </p:txBody>
+      </p:sp>
+      <p:cxnSp>
+        <p:nvCxnSpPr>
+          <p:cNvPr id="14" name="Straight Connector 49"/>
+          <p:cNvCxnSpPr/>
+          <p:nvPr/>
+        </p:nvCxnSpPr>
+        <p:spPr>
+          <a:xfrm>
+            <a:off x="3519381" y="2901541"/>
+            <a:ext cx="1600200" cy="0"/>
+          </a:xfrm>
+          <a:prstGeom prst="line">
+            <a:avLst/>
+          </a:prstGeom>
+          <a:ln w="28575">
+            <a:solidFill>
+              <a:schemeClr val="tx1">
+                <a:lumMod val="95000"/>
+                <a:lumOff val="5000"/>
+              </a:schemeClr>
+            </a:solidFill>
+            <a:prstDash val="sysDash"/>
+            <a:headEnd type="arrow" w="med" len="med"/>
+            <a:tailEnd type="none" w="med" len="med"/>
+          </a:ln>
+          <a:effectLst>
+            <a:outerShdw blurRad="50800" dist="38100" dir="8100000" algn="tr" rotWithShape="0">
+              <a:prstClr val="black">
+                <a:alpha val="40000"/>
+              </a:prstClr>
+            </a:outerShdw>
+          </a:effectLst>
+        </p:spPr>
+        <p:style>
+          <a:lnRef idx="1">
+            <a:schemeClr val="accent1"/>
+          </a:lnRef>
+          <a:fillRef idx="0">
+            <a:schemeClr val="accent1"/>
+          </a:fillRef>
+          <a:effectRef idx="0">
+            <a:schemeClr val="accent1"/>
+          </a:effectRef>
+          <a:fontRef idx="minor">
+            <a:schemeClr val="tx1"/>
+          </a:fontRef>
+        </p:style>
+      </p:cxnSp>
+      <p:sp>
+        <p:nvSpPr>
+          <p:cNvPr id="15" name="Rectangle à coins arrondis 14"/>
+          <p:cNvSpPr/>
+          <p:nvPr/>
+        </p:nvSpPr>
+        <p:spPr>
+          <a:xfrm>
+            <a:off x="5203371" y="2612699"/>
+            <a:ext cx="1201783" cy="515982"/>
+          </a:xfrm>
+          <a:prstGeom prst="roundRect">
+            <a:avLst/>
+          </a:prstGeom>
+          <a:solidFill>
+            <a:schemeClr val="bg1">
+              <a:lumMod val="75000"/>
+            </a:schemeClr>
+          </a:solidFill>
+        </p:spPr>
+        <p:style>
+          <a:lnRef idx="2">
+            <a:schemeClr val="accent1">
+              <a:shade val="50000"/>
+            </a:schemeClr>
+          </a:lnRef>
+          <a:fillRef idx="1">
+            <a:schemeClr val="accent1"/>
+          </a:fillRef>
+          <a:effectRef idx="0">
+            <a:schemeClr val="accent1"/>
+          </a:effectRef>
+          <a:fontRef idx="minor">
+            <a:schemeClr val="lt1"/>
+          </a:fontRef>
+        </p:style>
+        <p:txBody>
+          <a:bodyPr rtlCol="0" anchor="ctr"/>
+          <a:lstStyle/>
+          <a:p>
+            <a:pPr algn="ctr"/>
+            <a:r>
+              <a:rPr lang="fr-FR" sz="1400" dirty="0" err="1" smtClean="0"/>
+              <a:t>connectionFeature</a:t>
+            </a:r>
+            <a:endParaRPr lang="fr-FR" sz="1400" dirty="0"/>
+          </a:p>
+        </p:txBody>
+      </p:sp>
+      <p:sp>
+        <p:nvSpPr>
+          <p:cNvPr id="16" name="Rectangle à coins arrondis 15"/>
+          <p:cNvSpPr/>
+          <p:nvPr/>
+        </p:nvSpPr>
+        <p:spPr>
+          <a:xfrm>
+            <a:off x="8225361" y="3477704"/>
+            <a:ext cx="2211862" cy="515982"/>
+          </a:xfrm>
+          <a:prstGeom prst="roundRect">
+            <a:avLst/>
+          </a:prstGeom>
+          <a:solidFill>
+            <a:schemeClr val="tx1">
+              <a:lumMod val="75000"/>
+              <a:lumOff val="25000"/>
+            </a:schemeClr>
+          </a:solidFill>
+        </p:spPr>
+        <p:style>
+          <a:lnRef idx="2">
+            <a:schemeClr val="accent1">
+              <a:shade val="50000"/>
+            </a:schemeClr>
+          </a:lnRef>
+          <a:fillRef idx="1">
+            <a:schemeClr val="accent1"/>
+          </a:fillRef>
+          <a:effectRef idx="0">
+            <a:schemeClr val="accent1"/>
+          </a:effectRef>
+          <a:fontRef idx="minor">
+            <a:schemeClr val="lt1"/>
+          </a:fontRef>
+        </p:style>
+        <p:txBody>
+          <a:bodyPr rtlCol="0" anchor="ctr"/>
+          <a:lstStyle/>
+          <a:p>
+            <a:pPr algn="ctr"/>
+            <a:r>
+              <a:rPr lang="fr-FR" sz="1400" dirty="0" err="1" smtClean="0"/>
+              <a:t>Borehole-Segment:samplingFeature</a:t>
+            </a:r>
+            <a:endParaRPr lang="fr-FR" sz="1400" dirty="0"/>
+          </a:p>
+        </p:txBody>
+      </p:sp>
+      <p:sp>
+        <p:nvSpPr>
+          <p:cNvPr id="17" name="Rectangle à coins arrondis 16"/>
+          <p:cNvSpPr/>
+          <p:nvPr/>
+        </p:nvSpPr>
+        <p:spPr>
+          <a:xfrm>
+            <a:off x="8118684" y="1422536"/>
+            <a:ext cx="2695189" cy="615442"/>
+          </a:xfrm>
+          <a:prstGeom prst="roundRect">
+            <a:avLst/>
+          </a:prstGeom>
+          <a:solidFill>
+            <a:schemeClr val="bg1">
+              <a:lumMod val="50000"/>
+            </a:schemeClr>
+          </a:solidFill>
+        </p:spPr>
+        <p:style>
+          <a:lnRef idx="2">
+            <a:schemeClr val="accent1">
+              <a:shade val="50000"/>
+            </a:schemeClr>
+          </a:lnRef>
+          <a:fillRef idx="1">
+            <a:schemeClr val="accent1"/>
+          </a:fillRef>
+          <a:effectRef idx="0">
+            <a:schemeClr val="accent1"/>
+          </a:effectRef>
+          <a:fontRef idx="minor">
+            <a:schemeClr val="lt1"/>
+          </a:fontRef>
+        </p:style>
+        <p:txBody>
+          <a:bodyPr rtlCol="0" anchor="ctr"/>
+          <a:lstStyle/>
+          <a:p>
+            <a:pPr algn="ctr"/>
+            <a:r>
+              <a:rPr lang="fr-FR" sz="1400" dirty="0" err="1" smtClean="0"/>
+              <a:t>constructionElement</a:t>
+            </a:r>
+            <a:r>
+              <a:rPr lang="fr-FR" sz="1400" dirty="0" smtClean="0"/>
+              <a:t>: ?</a:t>
+            </a:r>
+            <a:r>
+              <a:rPr lang="fr-FR" sz="1400" dirty="0" err="1" smtClean="0"/>
+              <a:t>bhConstruction</a:t>
+            </a:r>
+            <a:r>
+              <a:rPr lang="fr-FR" sz="1400" dirty="0" smtClean="0"/>
+              <a:t>?</a:t>
+            </a:r>
+            <a:endParaRPr lang="fr-FR" sz="1400" dirty="0"/>
+          </a:p>
+        </p:txBody>
+      </p:sp>
+      <p:sp>
+        <p:nvSpPr>
+          <p:cNvPr id="18" name="Rectangle à coins arrondis 17"/>
+          <p:cNvSpPr/>
+          <p:nvPr/>
+        </p:nvSpPr>
+        <p:spPr>
+          <a:xfrm>
+            <a:off x="8118684" y="2647609"/>
+            <a:ext cx="2508734" cy="515982"/>
+          </a:xfrm>
+          <a:prstGeom prst="roundRect">
+            <a:avLst/>
+          </a:prstGeom>
+          <a:solidFill>
+            <a:schemeClr val="accent6">
+              <a:lumMod val="60000"/>
+              <a:lumOff val="40000"/>
+            </a:schemeClr>
+          </a:solidFill>
+        </p:spPr>
+        <p:style>
+          <a:lnRef idx="2">
+            <a:schemeClr val="accent1">
+              <a:shade val="50000"/>
+            </a:schemeClr>
+          </a:lnRef>
+          <a:fillRef idx="1">
+            <a:schemeClr val="accent1"/>
+          </a:fillRef>
+          <a:effectRef idx="0">
+            <a:schemeClr val="accent1"/>
+          </a:effectRef>
+          <a:fontRef idx="minor">
+            <a:schemeClr val="lt1"/>
+          </a:fontRef>
+        </p:style>
+        <p:txBody>
+          <a:bodyPr rtlCol="0" anchor="ctr"/>
+          <a:lstStyle/>
+          <a:p>
+            <a:pPr algn="ctr"/>
+            <a:r>
+              <a:rPr lang="fr-FR" sz="1400" dirty="0" err="1" smtClean="0"/>
+              <a:t>logResultElement:Observation</a:t>
+            </a:r>
+            <a:endParaRPr lang="fr-FR" sz="1400" dirty="0"/>
+          </a:p>
+        </p:txBody>
+      </p:sp>
+      <p:sp>
+        <p:nvSpPr>
+          <p:cNvPr id="19" name="ZoneTexte 18"/>
+          <p:cNvSpPr txBox="1"/>
+          <p:nvPr/>
+        </p:nvSpPr>
+        <p:spPr>
+          <a:xfrm>
+            <a:off x="5203371" y="3089364"/>
+            <a:ext cx="1632883" cy="923330"/>
+          </a:xfrm>
+          <a:prstGeom prst="rect">
+            <a:avLst/>
+          </a:prstGeom>
+          <a:noFill/>
+        </p:spPr>
+        <p:txBody>
+          <a:bodyPr wrap="none" rtlCol="0">
+            <a:spAutoFit/>
+          </a:bodyPr>
+          <a:lstStyle/>
+          <a:p>
+            <a:r>
+              <a:rPr lang="fr-FR" dirty="0" smtClean="0"/>
+              <a:t>Pos° </a:t>
+            </a:r>
+          </a:p>
+          <a:p>
+            <a:r>
+              <a:rPr lang="fr-FR" dirty="0" smtClean="0"/>
+              <a:t>(pk VS </a:t>
+            </a:r>
+            <a:r>
+              <a:rPr lang="fr-FR" dirty="0" err="1" smtClean="0"/>
+              <a:t>from</a:t>
+            </a:r>
+            <a:r>
+              <a:rPr lang="fr-FR" dirty="0" smtClean="0"/>
+              <a:t>/to)</a:t>
+            </a:r>
+          </a:p>
+          <a:p>
+            <a:endParaRPr lang="fr-FR" dirty="0"/>
+          </a:p>
+        </p:txBody>
+      </p:sp>
+      <p:cxnSp>
+        <p:nvCxnSpPr>
+          <p:cNvPr id="20" name="Straight Connector 48"/>
+          <p:cNvCxnSpPr>
+            <a:endCxn id="15" idx="3"/>
+          </p:cNvCxnSpPr>
+          <p:nvPr/>
+        </p:nvCxnSpPr>
+        <p:spPr>
+          <a:xfrm flipH="1">
+            <a:off x="6405154" y="2101263"/>
+            <a:ext cx="2141190" cy="769427"/>
+          </a:xfrm>
+          <a:prstGeom prst="line">
+            <a:avLst/>
+          </a:prstGeom>
+          <a:ln w="28575">
+            <a:solidFill>
+              <a:schemeClr val="tx1">
+                <a:lumMod val="95000"/>
+                <a:lumOff val="5000"/>
+              </a:schemeClr>
+            </a:solidFill>
+            <a:prstDash val="sysDash"/>
+            <a:headEnd type="arrow" w="med" len="med"/>
+            <a:tailEnd type="arrow" w="med" len="med"/>
+          </a:ln>
+          <a:effectLst>
+            <a:outerShdw blurRad="50800" dist="38100" dir="8100000" algn="tr" rotWithShape="0">
+              <a:prstClr val="black">
+                <a:alpha val="40000"/>
+              </a:prstClr>
+            </a:outerShdw>
+          </a:effectLst>
+        </p:spPr>
+        <p:style>
+          <a:lnRef idx="1">
+            <a:schemeClr val="accent1"/>
+          </a:lnRef>
+          <a:fillRef idx="0">
+            <a:schemeClr val="accent1"/>
+          </a:fillRef>
+          <a:effectRef idx="0">
+            <a:schemeClr val="accent1"/>
+          </a:effectRef>
+          <a:fontRef idx="minor">
+            <a:schemeClr val="tx1"/>
+          </a:fontRef>
+        </p:style>
+      </p:cxnSp>
+      <p:sp>
+        <p:nvSpPr>
+          <p:cNvPr id="21" name="ZoneTexte 20"/>
+          <p:cNvSpPr txBox="1"/>
+          <p:nvPr/>
+        </p:nvSpPr>
+        <p:spPr>
+          <a:xfrm>
+            <a:off x="4062836" y="2601141"/>
+            <a:ext cx="1043876" cy="369332"/>
+          </a:xfrm>
+          <a:prstGeom prst="rect">
+            <a:avLst/>
+          </a:prstGeom>
+          <a:noFill/>
+        </p:spPr>
+        <p:txBody>
+          <a:bodyPr wrap="none" rtlCol="0">
+            <a:spAutoFit/>
+          </a:bodyPr>
+          <a:lstStyle/>
+          <a:p>
+            <a:r>
+              <a:rPr lang="fr-FR" dirty="0" smtClean="0"/>
+              <a:t>URI, type</a:t>
+            </a:r>
+          </a:p>
+        </p:txBody>
+      </p:sp>
+      <p:sp>
+        <p:nvSpPr>
+          <p:cNvPr id="22" name="ZoneTexte 21"/>
+          <p:cNvSpPr txBox="1"/>
+          <p:nvPr/>
+        </p:nvSpPr>
+        <p:spPr>
+          <a:xfrm rot="20394431">
+            <a:off x="6621267" y="2258088"/>
+            <a:ext cx="1043876" cy="369332"/>
+          </a:xfrm>
+          <a:prstGeom prst="rect">
+            <a:avLst/>
+          </a:prstGeom>
+          <a:noFill/>
+        </p:spPr>
+        <p:txBody>
+          <a:bodyPr wrap="none" rtlCol="0">
+            <a:spAutoFit/>
+          </a:bodyPr>
+          <a:lstStyle/>
+          <a:p>
+            <a:r>
+              <a:rPr lang="fr-FR" dirty="0" smtClean="0"/>
+              <a:t>URI, type</a:t>
+            </a:r>
+          </a:p>
+        </p:txBody>
+      </p:sp>
+      <p:cxnSp>
+        <p:nvCxnSpPr>
+          <p:cNvPr id="23" name="Straight Connector 48"/>
+          <p:cNvCxnSpPr>
+            <a:stCxn id="18" idx="1"/>
+            <a:endCxn id="15" idx="3"/>
+          </p:cNvCxnSpPr>
+          <p:nvPr/>
+        </p:nvCxnSpPr>
+        <p:spPr>
+          <a:xfrm flipH="1" flipV="1">
+            <a:off x="6405154" y="2870690"/>
+            <a:ext cx="1713530" cy="34910"/>
+          </a:xfrm>
+          <a:prstGeom prst="line">
+            <a:avLst/>
+          </a:prstGeom>
+          <a:ln w="28575">
+            <a:solidFill>
+              <a:schemeClr val="tx1">
+                <a:lumMod val="95000"/>
+                <a:lumOff val="5000"/>
+              </a:schemeClr>
+            </a:solidFill>
+            <a:prstDash val="sysDash"/>
+            <a:headEnd type="arrow" w="med" len="med"/>
+            <a:tailEnd type="arrow" w="med" len="med"/>
+          </a:ln>
+          <a:effectLst>
+            <a:outerShdw blurRad="50800" dist="38100" dir="8100000" algn="tr" rotWithShape="0">
+              <a:prstClr val="black">
+                <a:alpha val="40000"/>
+              </a:prstClr>
+            </a:outerShdw>
+          </a:effectLst>
+        </p:spPr>
+        <p:style>
+          <a:lnRef idx="1">
+            <a:schemeClr val="accent1"/>
+          </a:lnRef>
+          <a:fillRef idx="0">
+            <a:schemeClr val="accent1"/>
+          </a:fillRef>
+          <a:effectRef idx="0">
+            <a:schemeClr val="accent1"/>
+          </a:effectRef>
+          <a:fontRef idx="minor">
+            <a:schemeClr val="tx1"/>
+          </a:fontRef>
+        </p:style>
+      </p:cxnSp>
+      <p:cxnSp>
+        <p:nvCxnSpPr>
+          <p:cNvPr id="24" name="Straight Connector 48"/>
+          <p:cNvCxnSpPr>
+            <a:stCxn id="16" idx="1"/>
+            <a:endCxn id="15" idx="3"/>
+          </p:cNvCxnSpPr>
+          <p:nvPr/>
+        </p:nvCxnSpPr>
+        <p:spPr>
+          <a:xfrm flipH="1" flipV="1">
+            <a:off x="6405154" y="2870690"/>
+            <a:ext cx="1820207" cy="865005"/>
+          </a:xfrm>
+          <a:prstGeom prst="line">
+            <a:avLst/>
+          </a:prstGeom>
+          <a:ln w="28575">
+            <a:solidFill>
+              <a:schemeClr val="tx1">
+                <a:lumMod val="95000"/>
+                <a:lumOff val="5000"/>
+              </a:schemeClr>
+            </a:solidFill>
+            <a:prstDash val="sysDash"/>
+            <a:headEnd type="arrow" w="med" len="med"/>
+            <a:tailEnd type="arrow" w="med" len="med"/>
+          </a:ln>
+          <a:effectLst>
+            <a:outerShdw blurRad="50800" dist="38100" dir="8100000" algn="tr" rotWithShape="0">
+              <a:prstClr val="black">
+                <a:alpha val="40000"/>
+              </a:prstClr>
+            </a:outerShdw>
+          </a:effectLst>
+        </p:spPr>
+        <p:style>
+          <a:lnRef idx="1">
+            <a:schemeClr val="accent1"/>
+          </a:lnRef>
+          <a:fillRef idx="0">
+            <a:schemeClr val="accent1"/>
+          </a:fillRef>
+          <a:effectRef idx="0">
+            <a:schemeClr val="accent1"/>
+          </a:effectRef>
+          <a:fontRef idx="minor">
+            <a:schemeClr val="tx1"/>
+          </a:fontRef>
+        </p:style>
+      </p:cxnSp>
+      <p:sp>
+        <p:nvSpPr>
+          <p:cNvPr id="25" name="Rectangle à coins arrondis 24"/>
+          <p:cNvSpPr/>
+          <p:nvPr/>
+        </p:nvSpPr>
+        <p:spPr>
+          <a:xfrm>
+            <a:off x="185657" y="1753246"/>
+            <a:ext cx="1216613" cy="383497"/>
+          </a:xfrm>
+          <a:prstGeom prst="roundRect">
+            <a:avLst/>
+          </a:prstGeom>
+          <a:solidFill>
+            <a:schemeClr val="accent2">
+              <a:lumMod val="60000"/>
+              <a:lumOff val="40000"/>
+            </a:schemeClr>
+          </a:solidFill>
+        </p:spPr>
+        <p:style>
+          <a:lnRef idx="2">
+            <a:schemeClr val="accent1">
+              <a:shade val="50000"/>
+            </a:schemeClr>
+          </a:lnRef>
+          <a:fillRef idx="1">
+            <a:schemeClr val="accent1"/>
+          </a:fillRef>
+          <a:effectRef idx="0">
+            <a:schemeClr val="accent1"/>
+          </a:effectRef>
+          <a:fontRef idx="minor">
+            <a:schemeClr val="lt1"/>
+          </a:fontRef>
+        </p:style>
+        <p:txBody>
+          <a:bodyPr rtlCol="0" anchor="ctr"/>
+          <a:lstStyle/>
+          <a:p>
+            <a:pPr algn="ctr"/>
+            <a:r>
+              <a:rPr lang="fr-FR" sz="1400" dirty="0" err="1" smtClean="0"/>
+              <a:t>Borehole</a:t>
+            </a:r>
+            <a:endParaRPr lang="fr-FR" sz="1400" dirty="0" smtClean="0"/>
+          </a:p>
+          <a:p>
+            <a:pPr algn="ctr"/>
+            <a:r>
+              <a:rPr lang="fr-FR" sz="1400" dirty="0" err="1" smtClean="0"/>
+              <a:t>Trajectory</a:t>
+            </a:r>
+            <a:endParaRPr lang="fr-FR" sz="1400" dirty="0"/>
+          </a:p>
+        </p:txBody>
+      </p:sp>
+      <p:cxnSp>
+        <p:nvCxnSpPr>
+          <p:cNvPr id="28" name="Straight Connector 48"/>
+          <p:cNvCxnSpPr>
+            <a:endCxn id="13" idx="1"/>
+          </p:cNvCxnSpPr>
+          <p:nvPr/>
+        </p:nvCxnSpPr>
+        <p:spPr>
+          <a:xfrm>
+            <a:off x="677683" y="2202986"/>
+            <a:ext cx="1610375" cy="698555"/>
+          </a:xfrm>
+          <a:prstGeom prst="line">
+            <a:avLst/>
+          </a:prstGeom>
+          <a:ln w="28575">
+            <a:solidFill>
+              <a:schemeClr val="tx1">
+                <a:lumMod val="95000"/>
+                <a:lumOff val="5000"/>
+              </a:schemeClr>
+            </a:solidFill>
+            <a:prstDash val="sysDash"/>
+            <a:headEnd type="arrow" w="med" len="med"/>
+            <a:tailEnd type="none" w="med" len="med"/>
+          </a:ln>
+          <a:effectLst>
+            <a:outerShdw blurRad="50800" dist="38100" dir="8100000" algn="tr" rotWithShape="0">
+              <a:prstClr val="black">
+                <a:alpha val="40000"/>
+              </a:prstClr>
+            </a:outerShdw>
+          </a:effectLst>
+        </p:spPr>
+        <p:style>
+          <a:lnRef idx="1">
+            <a:schemeClr val="accent1"/>
+          </a:lnRef>
+          <a:fillRef idx="0">
+            <a:schemeClr val="accent1"/>
+          </a:fillRef>
+          <a:effectRef idx="0">
+            <a:schemeClr val="accent1"/>
+          </a:effectRef>
+          <a:fontRef idx="minor">
+            <a:schemeClr val="tx1"/>
+          </a:fontRef>
+        </p:style>
+      </p:cxnSp>
+      <p:sp>
+        <p:nvSpPr>
+          <p:cNvPr id="30" name="ZoneTexte 29"/>
+          <p:cNvSpPr txBox="1"/>
+          <p:nvPr/>
+        </p:nvSpPr>
+        <p:spPr>
+          <a:xfrm rot="1576541">
+            <a:off x="1067473" y="2260159"/>
+            <a:ext cx="1089978" cy="369332"/>
+          </a:xfrm>
+          <a:prstGeom prst="rect">
+            <a:avLst/>
+          </a:prstGeom>
+          <a:noFill/>
+        </p:spPr>
+        <p:txBody>
+          <a:bodyPr wrap="none" rtlCol="0">
+            <a:spAutoFit/>
+          </a:bodyPr>
+          <a:lstStyle/>
+          <a:p>
+            <a:r>
+              <a:rPr lang="fr-FR" dirty="0" err="1" smtClean="0"/>
+              <a:t>geometry</a:t>
+            </a:r>
+            <a:endParaRPr lang="fr-FR" dirty="0" smtClean="0"/>
+          </a:p>
+        </p:txBody>
+      </p:sp>
+      <p:sp>
+        <p:nvSpPr>
+          <p:cNvPr id="31" name="ZoneTexte 30"/>
+          <p:cNvSpPr txBox="1"/>
+          <p:nvPr/>
+        </p:nvSpPr>
+        <p:spPr>
+          <a:xfrm>
+            <a:off x="568685" y="1421221"/>
+            <a:ext cx="444352" cy="369332"/>
+          </a:xfrm>
+          <a:prstGeom prst="rect">
+            <a:avLst/>
+          </a:prstGeom>
+          <a:noFill/>
+        </p:spPr>
+        <p:txBody>
+          <a:bodyPr wrap="none" rtlCol="0">
+            <a:spAutoFit/>
+          </a:bodyPr>
+          <a:lstStyle/>
+          <a:p>
+            <a:r>
+              <a:rPr lang="fr-FR" dirty="0" smtClean="0"/>
+              <a:t>3D</a:t>
+            </a:r>
+          </a:p>
+        </p:txBody>
+      </p:sp>
+      <p:sp>
+        <p:nvSpPr>
+          <p:cNvPr id="32" name="ZoneTexte 31"/>
+          <p:cNvSpPr txBox="1"/>
+          <p:nvPr/>
+        </p:nvSpPr>
+        <p:spPr>
+          <a:xfrm>
+            <a:off x="5073090" y="2186668"/>
+            <a:ext cx="1390445" cy="369332"/>
+          </a:xfrm>
+          <a:prstGeom prst="rect">
+            <a:avLst/>
+          </a:prstGeom>
+          <a:noFill/>
+        </p:spPr>
+        <p:txBody>
+          <a:bodyPr wrap="none" rtlCol="0">
+            <a:spAutoFit/>
+          </a:bodyPr>
+          <a:lstStyle/>
+          <a:p>
+            <a:r>
+              <a:rPr lang="fr-FR" dirty="0" smtClean="0"/>
+              <a:t>1D:LinearRef</a:t>
+            </a:r>
+          </a:p>
+        </p:txBody>
+      </p:sp>
+      <p:sp>
+        <p:nvSpPr>
+          <p:cNvPr id="34" name="ZoneTexte 33"/>
+          <p:cNvSpPr txBox="1"/>
+          <p:nvPr/>
+        </p:nvSpPr>
+        <p:spPr>
+          <a:xfrm>
+            <a:off x="2182890" y="969535"/>
+            <a:ext cx="2428299" cy="1077218"/>
+          </a:xfrm>
+          <a:prstGeom prst="rect">
+            <a:avLst/>
+          </a:prstGeom>
+          <a:noFill/>
+        </p:spPr>
+        <p:txBody>
+          <a:bodyPr wrap="square" rtlCol="0">
+            <a:spAutoFit/>
+          </a:bodyPr>
+          <a:lstStyle/>
+          <a:p>
+            <a:r>
+              <a:rPr lang="fr-FR" sz="1600" dirty="0" smtClean="0"/>
+              <a:t>1D local ? engineering? </a:t>
+            </a:r>
+            <a:endParaRPr lang="fr-FR" sz="1600" dirty="0"/>
+          </a:p>
+          <a:p>
+            <a:r>
+              <a:rPr lang="fr-FR" sz="1600" dirty="0" err="1" smtClean="0"/>
+              <a:t>Coord</a:t>
+            </a:r>
+            <a:r>
+              <a:rPr lang="fr-FR" sz="1600" dirty="0" smtClean="0"/>
+              <a:t> System </a:t>
+            </a:r>
+          </a:p>
+          <a:p>
+            <a:r>
+              <a:rPr lang="fr-FR" sz="1600" dirty="0" smtClean="0"/>
+              <a:t>-&gt; check ISO 19107</a:t>
+            </a:r>
+          </a:p>
+          <a:p>
+            <a:r>
+              <a:rPr lang="fr-FR" sz="1600" dirty="0" smtClean="0"/>
+              <a:t>-&gt; check ISO 19148 </a:t>
+            </a:r>
+          </a:p>
+        </p:txBody>
+      </p:sp>
+      <p:sp>
+        <p:nvSpPr>
+          <p:cNvPr id="2" name="ZoneTexte 1"/>
+          <p:cNvSpPr txBox="1"/>
+          <p:nvPr/>
+        </p:nvSpPr>
+        <p:spPr>
+          <a:xfrm rot="19493980">
+            <a:off x="-88450" y="269777"/>
+            <a:ext cx="1314271" cy="369332"/>
+          </a:xfrm>
+          <a:prstGeom prst="rect">
+            <a:avLst/>
+          </a:prstGeom>
+          <a:noFill/>
+        </p:spPr>
+        <p:txBody>
+          <a:bodyPr wrap="none" rtlCol="0">
+            <a:spAutoFit/>
+          </a:bodyPr>
+          <a:lstStyle/>
+          <a:p>
+            <a:r>
+              <a:rPr lang="fr-FR" dirty="0" err="1" smtClean="0"/>
+              <a:t>Webconf</a:t>
+            </a:r>
+            <a:r>
+              <a:rPr lang="fr-FR" dirty="0" smtClean="0"/>
+              <a:t> 18</a:t>
+            </a:r>
+            <a:endParaRPr lang="fr-FR" dirty="0"/>
+          </a:p>
+        </p:txBody>
+      </p:sp>
+      <p:sp>
+        <p:nvSpPr>
+          <p:cNvPr id="29" name="ZoneTexte 28"/>
+          <p:cNvSpPr txBox="1"/>
+          <p:nvPr/>
+        </p:nvSpPr>
+        <p:spPr>
+          <a:xfrm rot="19893143">
+            <a:off x="-161229" y="1251145"/>
+            <a:ext cx="1904176" cy="369332"/>
+          </a:xfrm>
+          <a:prstGeom prst="rect">
+            <a:avLst/>
+          </a:prstGeom>
+          <a:noFill/>
+        </p:spPr>
+        <p:txBody>
+          <a:bodyPr wrap="none" rtlCol="0">
+            <a:spAutoFit/>
+          </a:bodyPr>
+          <a:lstStyle/>
+          <a:p>
+            <a:r>
+              <a:rPr lang="fr-FR" b="1" dirty="0" err="1" smtClean="0">
+                <a:solidFill>
+                  <a:schemeClr val="accent1">
+                    <a:lumMod val="75000"/>
+                  </a:schemeClr>
+                </a:solidFill>
+              </a:rPr>
+              <a:t>LR_LinearElement</a:t>
+            </a:r>
+            <a:endParaRPr lang="fr-FR" b="1" dirty="0">
+              <a:solidFill>
+                <a:schemeClr val="accent1">
+                  <a:lumMod val="75000"/>
+                </a:schemeClr>
+              </a:solidFill>
+            </a:endParaRPr>
+          </a:p>
+        </p:txBody>
+      </p:sp>
+      <p:sp>
+        <p:nvSpPr>
+          <p:cNvPr id="36" name="ZoneTexte 35"/>
+          <p:cNvSpPr txBox="1"/>
+          <p:nvPr/>
+        </p:nvSpPr>
+        <p:spPr>
+          <a:xfrm rot="19893143">
+            <a:off x="2129648" y="3253450"/>
+            <a:ext cx="1651414" cy="369332"/>
+          </a:xfrm>
+          <a:prstGeom prst="rect">
+            <a:avLst/>
+          </a:prstGeom>
+          <a:noFill/>
+        </p:spPr>
+        <p:txBody>
+          <a:bodyPr wrap="none" rtlCol="0">
+            <a:spAutoFit/>
+          </a:bodyPr>
+          <a:lstStyle/>
+          <a:p>
+            <a:r>
+              <a:rPr lang="fr-FR" b="1" dirty="0" err="1" smtClean="0">
+                <a:solidFill>
+                  <a:schemeClr val="accent1">
+                    <a:lumMod val="75000"/>
+                  </a:schemeClr>
+                </a:solidFill>
+              </a:rPr>
+              <a:t>Don’t</a:t>
+            </a:r>
+            <a:r>
+              <a:rPr lang="fr-FR" b="1" dirty="0" smtClean="0">
+                <a:solidFill>
+                  <a:schemeClr val="accent1">
+                    <a:lumMod val="75000"/>
+                  </a:schemeClr>
+                </a:solidFill>
+              </a:rPr>
+              <a:t> </a:t>
+            </a:r>
+            <a:r>
+              <a:rPr lang="fr-FR" b="1" dirty="0" err="1" smtClean="0">
+                <a:solidFill>
+                  <a:schemeClr val="accent1">
+                    <a:lumMod val="75000"/>
+                  </a:schemeClr>
+                </a:solidFill>
+              </a:rPr>
+              <a:t>need</a:t>
+            </a:r>
+            <a:r>
+              <a:rPr lang="fr-FR" b="1" dirty="0" smtClean="0">
+                <a:solidFill>
+                  <a:schemeClr val="accent1">
+                    <a:lumMod val="75000"/>
+                  </a:schemeClr>
+                </a:solidFill>
+              </a:rPr>
+              <a:t> </a:t>
+            </a:r>
+            <a:r>
+              <a:rPr lang="fr-FR" b="1" dirty="0" err="1" smtClean="0">
+                <a:solidFill>
+                  <a:schemeClr val="accent1">
+                    <a:lumMod val="75000"/>
+                  </a:schemeClr>
+                </a:solidFill>
+              </a:rPr>
+              <a:t>this</a:t>
+            </a:r>
+            <a:endParaRPr lang="fr-FR" b="1" dirty="0">
+              <a:solidFill>
+                <a:schemeClr val="accent1">
+                  <a:lumMod val="75000"/>
+                </a:schemeClr>
+              </a:solidFill>
+            </a:endParaRPr>
+          </a:p>
+        </p:txBody>
+      </p:sp>
+      <p:sp>
+        <p:nvSpPr>
+          <p:cNvPr id="37" name="ZoneTexte 36"/>
+          <p:cNvSpPr txBox="1"/>
+          <p:nvPr/>
+        </p:nvSpPr>
+        <p:spPr>
+          <a:xfrm rot="19893143">
+            <a:off x="3917094" y="4011792"/>
+            <a:ext cx="1850956" cy="369332"/>
+          </a:xfrm>
+          <a:prstGeom prst="rect">
+            <a:avLst/>
+          </a:prstGeom>
+          <a:noFill/>
+        </p:spPr>
+        <p:txBody>
+          <a:bodyPr wrap="none" rtlCol="0">
+            <a:spAutoFit/>
+          </a:bodyPr>
+          <a:lstStyle/>
+          <a:p>
+            <a:r>
+              <a:rPr lang="fr-FR" b="1" dirty="0" err="1" smtClean="0">
+                <a:solidFill>
+                  <a:schemeClr val="accent1">
+                    <a:lumMod val="75000"/>
+                  </a:schemeClr>
+                </a:solidFill>
+              </a:rPr>
+              <a:t>LE_EventLocation</a:t>
+            </a:r>
+            <a:endParaRPr lang="fr-FR" b="1" dirty="0">
+              <a:solidFill>
+                <a:schemeClr val="accent1">
+                  <a:lumMod val="75000"/>
+                </a:schemeClr>
+              </a:solidFill>
+            </a:endParaRPr>
+          </a:p>
+        </p:txBody>
+      </p:sp>
+      <p:sp>
+        <p:nvSpPr>
+          <p:cNvPr id="39" name="ZoneTexte 38"/>
+          <p:cNvSpPr txBox="1"/>
+          <p:nvPr/>
+        </p:nvSpPr>
+        <p:spPr>
+          <a:xfrm rot="19893143">
+            <a:off x="10717925" y="3122758"/>
+            <a:ext cx="1040093" cy="369332"/>
+          </a:xfrm>
+          <a:prstGeom prst="rect">
+            <a:avLst/>
+          </a:prstGeom>
+          <a:noFill/>
+        </p:spPr>
+        <p:txBody>
+          <a:bodyPr wrap="none" rtlCol="0">
+            <a:spAutoFit/>
+          </a:bodyPr>
+          <a:lstStyle/>
+          <a:p>
+            <a:r>
+              <a:rPr lang="fr-FR" b="1" dirty="0" err="1" smtClean="0">
+                <a:solidFill>
+                  <a:schemeClr val="accent1">
+                    <a:lumMod val="75000"/>
+                  </a:schemeClr>
+                </a:solidFill>
+              </a:rPr>
+              <a:t>LE_Event</a:t>
+            </a:r>
+            <a:endParaRPr lang="fr-FR" b="1" dirty="0">
+              <a:solidFill>
+                <a:schemeClr val="accent1">
+                  <a:lumMod val="75000"/>
+                </a:schemeClr>
+              </a:solidFill>
+            </a:endParaRPr>
+          </a:p>
+        </p:txBody>
+      </p:sp>
+      <p:sp>
+        <p:nvSpPr>
+          <p:cNvPr id="40" name="ZoneTexte 39"/>
+          <p:cNvSpPr txBox="1"/>
+          <p:nvPr/>
+        </p:nvSpPr>
+        <p:spPr>
+          <a:xfrm rot="19893143">
+            <a:off x="10628607" y="2289908"/>
+            <a:ext cx="1040093" cy="369332"/>
+          </a:xfrm>
+          <a:prstGeom prst="rect">
+            <a:avLst/>
+          </a:prstGeom>
+          <a:noFill/>
+        </p:spPr>
+        <p:txBody>
+          <a:bodyPr wrap="none" rtlCol="0">
+            <a:spAutoFit/>
+          </a:bodyPr>
+          <a:lstStyle/>
+          <a:p>
+            <a:r>
+              <a:rPr lang="fr-FR" b="1" dirty="0" err="1" smtClean="0">
+                <a:solidFill>
+                  <a:schemeClr val="accent1">
+                    <a:lumMod val="75000"/>
+                  </a:schemeClr>
+                </a:solidFill>
+              </a:rPr>
+              <a:t>LE_Event</a:t>
+            </a:r>
+            <a:endParaRPr lang="fr-FR" b="1" dirty="0">
+              <a:solidFill>
+                <a:schemeClr val="accent1">
+                  <a:lumMod val="75000"/>
+                </a:schemeClr>
+              </a:solidFill>
+            </a:endParaRPr>
+          </a:p>
+        </p:txBody>
+      </p:sp>
+      <p:sp>
+        <p:nvSpPr>
+          <p:cNvPr id="41" name="ZoneTexte 40"/>
+          <p:cNvSpPr txBox="1"/>
+          <p:nvPr/>
+        </p:nvSpPr>
+        <p:spPr>
+          <a:xfrm rot="19893143">
+            <a:off x="10683749" y="1605886"/>
+            <a:ext cx="1040093" cy="369332"/>
+          </a:xfrm>
+          <a:prstGeom prst="rect">
+            <a:avLst/>
+          </a:prstGeom>
+          <a:noFill/>
+        </p:spPr>
+        <p:txBody>
+          <a:bodyPr wrap="none" rtlCol="0">
+            <a:spAutoFit/>
+          </a:bodyPr>
+          <a:lstStyle/>
+          <a:p>
+            <a:r>
+              <a:rPr lang="fr-FR" b="1" dirty="0" err="1" smtClean="0">
+                <a:solidFill>
+                  <a:schemeClr val="accent1">
+                    <a:lumMod val="75000"/>
+                  </a:schemeClr>
+                </a:solidFill>
+              </a:rPr>
+              <a:t>LE_Event</a:t>
+            </a:r>
+            <a:endParaRPr lang="fr-FR" b="1" dirty="0">
+              <a:solidFill>
+                <a:schemeClr val="accent1">
+                  <a:lumMod val="75000"/>
+                </a:schemeClr>
+              </a:solidFill>
+            </a:endParaRPr>
+          </a:p>
+        </p:txBody>
+      </p:sp>
+      <p:cxnSp>
+        <p:nvCxnSpPr>
+          <p:cNvPr id="43" name="Straight Connector 48"/>
+          <p:cNvCxnSpPr/>
+          <p:nvPr/>
+        </p:nvCxnSpPr>
+        <p:spPr>
+          <a:xfrm flipH="1">
+            <a:off x="1665719" y="6128806"/>
+            <a:ext cx="8157098" cy="45500"/>
+          </a:xfrm>
+          <a:prstGeom prst="line">
+            <a:avLst/>
+          </a:prstGeom>
+          <a:ln w="28575">
+            <a:solidFill>
+              <a:schemeClr val="tx1">
+                <a:lumMod val="95000"/>
+                <a:lumOff val="5000"/>
+              </a:schemeClr>
+            </a:solidFill>
+            <a:prstDash val="sysDash"/>
+            <a:headEnd type="arrow" w="med" len="med"/>
+            <a:tailEnd type="none" w="med" len="med"/>
+          </a:ln>
+          <a:effectLst>
+            <a:outerShdw blurRad="50800" dist="38100" dir="8100000" algn="tr" rotWithShape="0">
+              <a:prstClr val="black">
+                <a:alpha val="40000"/>
+              </a:prstClr>
+            </a:outerShdw>
+          </a:effectLst>
+        </p:spPr>
+        <p:style>
+          <a:lnRef idx="1">
+            <a:schemeClr val="accent1"/>
+          </a:lnRef>
+          <a:fillRef idx="0">
+            <a:schemeClr val="accent1"/>
+          </a:fillRef>
+          <a:effectRef idx="0">
+            <a:schemeClr val="accent1"/>
+          </a:effectRef>
+          <a:fontRef idx="minor">
+            <a:schemeClr val="tx1"/>
+          </a:fontRef>
+        </p:style>
+      </p:cxnSp>
+      <p:sp>
+        <p:nvSpPr>
+          <p:cNvPr id="45" name="ZoneTexte 44"/>
+          <p:cNvSpPr txBox="1"/>
+          <p:nvPr/>
+        </p:nvSpPr>
+        <p:spPr>
+          <a:xfrm>
+            <a:off x="6209892" y="5482347"/>
+            <a:ext cx="5941691" cy="646331"/>
+          </a:xfrm>
+          <a:prstGeom prst="rect">
+            <a:avLst/>
+          </a:prstGeom>
+          <a:noFill/>
+        </p:spPr>
+        <p:txBody>
+          <a:bodyPr wrap="none" rtlCol="0">
+            <a:spAutoFit/>
+          </a:bodyPr>
+          <a:lstStyle/>
+          <a:p>
+            <a:r>
+              <a:rPr lang="fr-FR" dirty="0" err="1" smtClean="0"/>
+              <a:t>Left</a:t>
+            </a:r>
+            <a:r>
+              <a:rPr lang="fr-FR" dirty="0" smtClean="0"/>
+              <a:t> to right navigation not </a:t>
+            </a:r>
+            <a:r>
+              <a:rPr lang="fr-FR" dirty="0" err="1" smtClean="0"/>
+              <a:t>feasible</a:t>
+            </a:r>
+            <a:r>
+              <a:rPr lang="fr-FR" dirty="0" smtClean="0"/>
+              <a:t> in </a:t>
+            </a:r>
+            <a:r>
+              <a:rPr lang="fr-FR" dirty="0" err="1" smtClean="0"/>
+              <a:t>this</a:t>
+            </a:r>
+            <a:r>
+              <a:rPr lang="fr-FR" dirty="0" smtClean="0"/>
+              <a:t> model </a:t>
+            </a:r>
+          </a:p>
+          <a:p>
+            <a:r>
+              <a:rPr lang="fr-FR" dirty="0" smtClean="0"/>
+              <a:t>(</a:t>
+            </a:r>
+            <a:r>
+              <a:rPr lang="fr-FR" dirty="0" err="1" smtClean="0"/>
+              <a:t>should</a:t>
+            </a:r>
+            <a:r>
+              <a:rPr lang="fr-FR" dirty="0" smtClean="0"/>
+              <a:t> </a:t>
+            </a:r>
+            <a:r>
+              <a:rPr lang="fr-FR" dirty="0" err="1" smtClean="0"/>
+              <a:t>take</a:t>
+            </a:r>
+            <a:r>
+              <a:rPr lang="fr-FR" dirty="0" smtClean="0"/>
+              <a:t> </a:t>
+            </a:r>
+            <a:r>
+              <a:rPr lang="fr-FR" dirty="0" err="1" smtClean="0"/>
+              <a:t>other</a:t>
+            </a:r>
+            <a:r>
+              <a:rPr lang="fr-FR" dirty="0" smtClean="0"/>
+              <a:t> routes </a:t>
+            </a:r>
+            <a:r>
+              <a:rPr lang="fr-FR" dirty="0" err="1" smtClean="0"/>
+              <a:t>through</a:t>
+            </a:r>
+            <a:r>
+              <a:rPr lang="fr-FR" dirty="0" smtClean="0"/>
+              <a:t> </a:t>
+            </a:r>
+            <a:r>
+              <a:rPr lang="fr-FR" dirty="0" err="1" smtClean="0"/>
+              <a:t>other</a:t>
+            </a:r>
+            <a:r>
+              <a:rPr lang="fr-FR" dirty="0" smtClean="0"/>
+              <a:t> classes in the model)</a:t>
+            </a:r>
+          </a:p>
+        </p:txBody>
+      </p:sp>
+      <p:cxnSp>
+        <p:nvCxnSpPr>
+          <p:cNvPr id="46" name="Straight Connector 48"/>
+          <p:cNvCxnSpPr/>
+          <p:nvPr/>
+        </p:nvCxnSpPr>
+        <p:spPr>
+          <a:xfrm flipV="1">
+            <a:off x="1658625" y="6566831"/>
+            <a:ext cx="8164192" cy="21195"/>
+          </a:xfrm>
+          <a:prstGeom prst="line">
+            <a:avLst/>
+          </a:prstGeom>
+          <a:ln w="28575">
+            <a:solidFill>
+              <a:schemeClr val="tx1">
+                <a:lumMod val="95000"/>
+                <a:lumOff val="5000"/>
+              </a:schemeClr>
+            </a:solidFill>
+            <a:prstDash val="sysDash"/>
+            <a:headEnd type="arrow" w="med" len="med"/>
+            <a:tailEnd type="none" w="med" len="med"/>
+          </a:ln>
+          <a:effectLst>
+            <a:outerShdw blurRad="50800" dist="38100" dir="8100000" algn="tr" rotWithShape="0">
+              <a:prstClr val="black">
+                <a:alpha val="40000"/>
+              </a:prstClr>
+            </a:outerShdw>
+          </a:effectLst>
+        </p:spPr>
+        <p:style>
+          <a:lnRef idx="1">
+            <a:schemeClr val="accent1"/>
+          </a:lnRef>
+          <a:fillRef idx="0">
+            <a:schemeClr val="accent1"/>
+          </a:fillRef>
+          <a:effectRef idx="0">
+            <a:schemeClr val="accent1"/>
+          </a:effectRef>
+          <a:fontRef idx="minor">
+            <a:schemeClr val="tx1"/>
+          </a:fontRef>
+        </p:style>
+      </p:cxnSp>
+      <p:sp>
+        <p:nvSpPr>
+          <p:cNvPr id="47" name="ZoneTexte 46"/>
+          <p:cNvSpPr txBox="1"/>
+          <p:nvPr/>
+        </p:nvSpPr>
+        <p:spPr>
+          <a:xfrm>
+            <a:off x="6307523" y="6546803"/>
+            <a:ext cx="5176610" cy="369332"/>
+          </a:xfrm>
+          <a:prstGeom prst="rect">
+            <a:avLst/>
+          </a:prstGeom>
+          <a:noFill/>
+        </p:spPr>
+        <p:txBody>
+          <a:bodyPr wrap="none" rtlCol="0">
+            <a:spAutoFit/>
+          </a:bodyPr>
+          <a:lstStyle/>
+          <a:p>
+            <a:r>
+              <a:rPr lang="fr-FR" dirty="0" smtClean="0"/>
+              <a:t>Right to </a:t>
+            </a:r>
+            <a:r>
+              <a:rPr lang="fr-FR" dirty="0" err="1" smtClean="0"/>
+              <a:t>left</a:t>
+            </a:r>
+            <a:r>
+              <a:rPr lang="fr-FR" dirty="0" smtClean="0"/>
+              <a:t> navigation </a:t>
+            </a:r>
+            <a:r>
+              <a:rPr lang="fr-FR" dirty="0" err="1" smtClean="0"/>
+              <a:t>is</a:t>
+            </a:r>
+            <a:r>
+              <a:rPr lang="fr-FR" dirty="0" smtClean="0"/>
+              <a:t> </a:t>
+            </a:r>
+            <a:r>
+              <a:rPr lang="fr-FR" dirty="0" err="1" smtClean="0"/>
+              <a:t>granted</a:t>
+            </a:r>
+            <a:r>
+              <a:rPr lang="fr-FR" dirty="0" smtClean="0"/>
+              <a:t> : </a:t>
+            </a:r>
+            <a:r>
+              <a:rPr lang="fr-FR" dirty="0" err="1" smtClean="0"/>
+              <a:t>linear</a:t>
+            </a:r>
+            <a:r>
+              <a:rPr lang="fr-FR" dirty="0" smtClean="0"/>
+              <a:t> </a:t>
+            </a:r>
+            <a:r>
+              <a:rPr lang="fr-FR" dirty="0" err="1" smtClean="0"/>
+              <a:t>referencing</a:t>
+            </a:r>
+            <a:r>
+              <a:rPr lang="fr-FR" dirty="0" smtClean="0"/>
+              <a:t>)</a:t>
+            </a:r>
+          </a:p>
+        </p:txBody>
+      </p:sp>
+      <p:sp>
+        <p:nvSpPr>
+          <p:cNvPr id="48" name="ZoneTexte 47"/>
+          <p:cNvSpPr txBox="1"/>
+          <p:nvPr/>
+        </p:nvSpPr>
+        <p:spPr>
+          <a:xfrm rot="19893143">
+            <a:off x="3660210" y="1204843"/>
+            <a:ext cx="984693" cy="369332"/>
+          </a:xfrm>
+          <a:prstGeom prst="rect">
+            <a:avLst/>
+          </a:prstGeom>
+          <a:noFill/>
+        </p:spPr>
+        <p:txBody>
+          <a:bodyPr wrap="none" rtlCol="0">
+            <a:spAutoFit/>
+          </a:bodyPr>
+          <a:lstStyle/>
+          <a:p>
+            <a:r>
+              <a:rPr lang="fr-FR" b="1" dirty="0" err="1" smtClean="0">
+                <a:solidFill>
+                  <a:schemeClr val="accent1">
+                    <a:lumMod val="75000"/>
+                  </a:schemeClr>
+                </a:solidFill>
+              </a:rPr>
+              <a:t>Checked</a:t>
+            </a:r>
+            <a:endParaRPr lang="fr-FR" b="1" dirty="0">
+              <a:solidFill>
+                <a:schemeClr val="accent1">
+                  <a:lumMod val="75000"/>
+                </a:schemeClr>
+              </a:solidFill>
+            </a:endParaRPr>
+          </a:p>
+        </p:txBody>
+      </p:sp>
+    </p:spTree>
+    <p:extLst>
+      <p:ext uri="{BB962C8B-B14F-4D97-AF65-F5344CB8AC3E}">
+        <p14:creationId xmlns:p14="http://schemas.microsoft.com/office/powerpoint/2010/main" val="920087473"/>
+      </p:ext>
+    </p:extLst>
+  </p:cSld>
+  <p:clrMapOvr>
+    <a:masterClrMapping/>
+  </p:clrMapOvr>
+</p:sld>
+</file>
+
+<file path=ppt/slides/slide11.xml><?xml version="1.0" encoding="utf-8"?>
+<p:sld xmlns:a="http://schemas.openxmlformats.org/drawingml/2006/main" xmlns:r="http://schemas.openxmlformats.org/officeDocument/2006/relationships" xmlns:p="http://schemas.openxmlformats.org/presentationml/2006/main">
+  <p:cSld>
+    <p:spTree>
+      <p:nvGrpSpPr>
+        <p:cNvPr id="1" name=""/>
+        <p:cNvGrpSpPr/>
+        <p:nvPr/>
+      </p:nvGrpSpPr>
+      <p:grpSpPr>
+        <a:xfrm>
+          <a:off x="0" y="0"/>
+          <a:ext cx="0" cy="0"/>
+          <a:chOff x="0" y="0"/>
+          <a:chExt cx="0" cy="0"/>
+        </a:xfrm>
+      </p:grpSpPr>
+      <p:grpSp>
+        <p:nvGrpSpPr>
+          <p:cNvPr id="5" name="Groupe 72"/>
+          <p:cNvGrpSpPr>
+            <a:grpSpLocks/>
+          </p:cNvGrpSpPr>
+          <p:nvPr/>
+        </p:nvGrpSpPr>
+        <p:grpSpPr bwMode="auto">
+          <a:xfrm>
+            <a:off x="5313439" y="3740684"/>
+            <a:ext cx="234950" cy="2744788"/>
+            <a:chOff x="3727866" y="2133600"/>
+            <a:chExt cx="234534" cy="2744372"/>
+          </a:xfrm>
+        </p:grpSpPr>
+        <p:sp>
+          <p:nvSpPr>
+            <p:cNvPr id="6" name="Oval 3"/>
+            <p:cNvSpPr/>
+            <p:nvPr/>
+          </p:nvSpPr>
+          <p:spPr>
+            <a:xfrm>
+              <a:off x="3732628" y="2133600"/>
+              <a:ext cx="229772" cy="229772"/>
+            </a:xfrm>
+            <a:prstGeom prst="ellipse">
+              <a:avLst/>
+            </a:prstGeom>
+            <a:solidFill>
+              <a:srgbClr val="FF0000"/>
+            </a:solidFill>
+            <a:ln>
+              <a:noFill/>
+            </a:ln>
+            <a:effectLst>
+              <a:innerShdw blurRad="114300">
+                <a:prstClr val="black"/>
+              </a:innerShdw>
+            </a:effectLst>
+          </p:spPr>
+          <p:style>
+            <a:lnRef idx="2">
+              <a:schemeClr val="accent1">
+                <a:shade val="50000"/>
+              </a:schemeClr>
+            </a:lnRef>
+            <a:fillRef idx="1">
+              <a:schemeClr val="accent1"/>
+            </a:fillRef>
+            <a:effectRef idx="0">
+              <a:schemeClr val="accent1"/>
+            </a:effectRef>
+            <a:fontRef idx="minor">
+              <a:schemeClr val="lt1"/>
+            </a:fontRef>
+          </p:style>
+          <p:txBody>
+            <a:bodyPr anchor="ctr"/>
+            <a:lstStyle/>
+            <a:p>
+              <a:pPr algn="ctr">
+                <a:defRPr/>
+              </a:pPr>
+              <a:endParaRPr lang="fr-FR" b="1">
+                <a:solidFill>
+                  <a:srgbClr val="FFFFFF"/>
+                </a:solidFill>
+                <a:cs typeface="Arial" charset="0"/>
+              </a:endParaRPr>
+            </a:p>
+          </p:txBody>
+        </p:sp>
+        <p:sp>
+          <p:nvSpPr>
+            <p:cNvPr id="7" name="Oval 4"/>
+            <p:cNvSpPr/>
+            <p:nvPr/>
+          </p:nvSpPr>
+          <p:spPr>
+            <a:xfrm>
+              <a:off x="3727866" y="2971800"/>
+              <a:ext cx="233362" cy="229772"/>
+            </a:xfrm>
+            <a:prstGeom prst="ellipse">
+              <a:avLst/>
+            </a:prstGeom>
+            <a:solidFill>
+              <a:srgbClr val="FF0000"/>
+            </a:solidFill>
+            <a:ln>
+              <a:noFill/>
+            </a:ln>
+            <a:effectLst>
+              <a:innerShdw blurRad="114300">
+                <a:prstClr val="black"/>
+              </a:innerShdw>
+            </a:effectLst>
+          </p:spPr>
+          <p:style>
+            <a:lnRef idx="2">
+              <a:schemeClr val="accent1">
+                <a:shade val="50000"/>
+              </a:schemeClr>
+            </a:lnRef>
+            <a:fillRef idx="1">
+              <a:schemeClr val="accent1"/>
+            </a:fillRef>
+            <a:effectRef idx="0">
+              <a:schemeClr val="accent1"/>
+            </a:effectRef>
+            <a:fontRef idx="minor">
+              <a:schemeClr val="lt1"/>
+            </a:fontRef>
+          </p:style>
+          <p:txBody>
+            <a:bodyPr anchor="ctr"/>
+            <a:lstStyle/>
+            <a:p>
+              <a:pPr algn="ctr">
+                <a:defRPr/>
+              </a:pPr>
+              <a:endParaRPr lang="fr-FR" b="1">
+                <a:solidFill>
+                  <a:srgbClr val="FFFFFF"/>
+                </a:solidFill>
+                <a:cs typeface="Arial" charset="0"/>
+              </a:endParaRPr>
+            </a:p>
+          </p:txBody>
+        </p:sp>
+        <p:sp>
+          <p:nvSpPr>
+            <p:cNvPr id="8" name="Oval 5"/>
+            <p:cNvSpPr/>
+            <p:nvPr/>
+          </p:nvSpPr>
+          <p:spPr>
+            <a:xfrm>
+              <a:off x="3727866" y="3733800"/>
+              <a:ext cx="233362" cy="230481"/>
+            </a:xfrm>
+            <a:prstGeom prst="ellipse">
+              <a:avLst/>
+            </a:prstGeom>
+            <a:solidFill>
+              <a:srgbClr val="FF0000"/>
+            </a:solidFill>
+            <a:ln>
+              <a:noFill/>
+            </a:ln>
+            <a:effectLst>
+              <a:innerShdw blurRad="114300">
+                <a:prstClr val="black"/>
+              </a:innerShdw>
+            </a:effectLst>
+          </p:spPr>
+          <p:style>
+            <a:lnRef idx="2">
+              <a:schemeClr val="accent1">
+                <a:shade val="50000"/>
+              </a:schemeClr>
+            </a:lnRef>
+            <a:fillRef idx="1">
+              <a:schemeClr val="accent1"/>
+            </a:fillRef>
+            <a:effectRef idx="0">
+              <a:schemeClr val="accent1"/>
+            </a:effectRef>
+            <a:fontRef idx="minor">
+              <a:schemeClr val="lt1"/>
+            </a:fontRef>
+          </p:style>
+          <p:txBody>
+            <a:bodyPr anchor="ctr"/>
+            <a:lstStyle/>
+            <a:p>
+              <a:pPr algn="ctr">
+                <a:defRPr/>
+              </a:pPr>
+              <a:endParaRPr lang="fr-FR" b="1">
+                <a:solidFill>
+                  <a:srgbClr val="FFFFFF"/>
+                </a:solidFill>
+                <a:cs typeface="Arial" charset="0"/>
+              </a:endParaRPr>
+            </a:p>
+          </p:txBody>
+        </p:sp>
+        <p:sp>
+          <p:nvSpPr>
+            <p:cNvPr id="9" name="Oval 6"/>
+            <p:cNvSpPr/>
+            <p:nvPr/>
+          </p:nvSpPr>
+          <p:spPr>
+            <a:xfrm>
+              <a:off x="3727866" y="4648200"/>
+              <a:ext cx="233362" cy="229772"/>
+            </a:xfrm>
+            <a:prstGeom prst="ellipse">
+              <a:avLst/>
+            </a:prstGeom>
+            <a:solidFill>
+              <a:srgbClr val="FF0000"/>
+            </a:solidFill>
+            <a:ln>
+              <a:noFill/>
+            </a:ln>
+            <a:effectLst>
+              <a:innerShdw blurRad="114300">
+                <a:prstClr val="black"/>
+              </a:innerShdw>
+            </a:effectLst>
+          </p:spPr>
+          <p:style>
+            <a:lnRef idx="2">
+              <a:schemeClr val="accent1">
+                <a:shade val="50000"/>
+              </a:schemeClr>
+            </a:lnRef>
+            <a:fillRef idx="1">
+              <a:schemeClr val="accent1"/>
+            </a:fillRef>
+            <a:effectRef idx="0">
+              <a:schemeClr val="accent1"/>
+            </a:effectRef>
+            <a:fontRef idx="minor">
+              <a:schemeClr val="lt1"/>
+            </a:fontRef>
+          </p:style>
+          <p:txBody>
+            <a:bodyPr anchor="ctr"/>
+            <a:lstStyle/>
+            <a:p>
+              <a:pPr algn="ctr">
+                <a:defRPr/>
+              </a:pPr>
+              <a:endParaRPr lang="fr-FR" b="1" dirty="0">
+                <a:solidFill>
+                  <a:schemeClr val="accent6">
+                    <a:lumMod val="75000"/>
+                  </a:schemeClr>
+                </a:solidFill>
+                <a:cs typeface="Arial" charset="0"/>
+              </a:endParaRPr>
+            </a:p>
+          </p:txBody>
+        </p:sp>
+      </p:grpSp>
+      <p:sp>
+        <p:nvSpPr>
+          <p:cNvPr id="10" name="Right Brace 8"/>
+          <p:cNvSpPr/>
+          <p:nvPr/>
+        </p:nvSpPr>
+        <p:spPr>
+          <a:xfrm>
+            <a:off x="6209892" y="3914910"/>
+            <a:ext cx="195262" cy="762000"/>
+          </a:xfrm>
+          <a:prstGeom prst="rightBrace">
+            <a:avLst/>
+          </a:prstGeom>
+          <a:ln w="19050">
+            <a:solidFill>
+              <a:srgbClr val="FF0000"/>
+            </a:solidFill>
+          </a:ln>
+        </p:spPr>
+        <p:style>
+          <a:lnRef idx="1">
+            <a:schemeClr val="accent1"/>
+          </a:lnRef>
+          <a:fillRef idx="0">
+            <a:schemeClr val="accent1"/>
+          </a:fillRef>
+          <a:effectRef idx="0">
+            <a:schemeClr val="accent1"/>
+          </a:effectRef>
+          <a:fontRef idx="minor">
+            <a:schemeClr val="tx1"/>
+          </a:fontRef>
+        </p:style>
+        <p:txBody>
+          <a:bodyPr anchor="ctr"/>
+          <a:lstStyle/>
+          <a:p>
+            <a:pPr algn="ctr">
+              <a:defRPr/>
+            </a:pPr>
+            <a:endParaRPr lang="fr-FR">
+              <a:cs typeface="Arial" charset="0"/>
+            </a:endParaRPr>
+          </a:p>
+        </p:txBody>
+      </p:sp>
+      <p:sp>
+        <p:nvSpPr>
+          <p:cNvPr id="11" name="TextBox 9"/>
+          <p:cNvSpPr txBox="1">
+            <a:spLocks noChangeArrowheads="1"/>
+          </p:cNvSpPr>
+          <p:nvPr/>
+        </p:nvSpPr>
+        <p:spPr bwMode="auto">
+          <a:xfrm>
+            <a:off x="6410536" y="4156614"/>
+            <a:ext cx="1065213" cy="307975"/>
+          </a:xfrm>
+          <a:prstGeom prst="rect">
+            <a:avLst/>
+          </a:prstGeom>
+          <a:noFill/>
+          <a:ln w="9525">
+            <a:noFill/>
+            <a:miter lim="800000"/>
+            <a:headEnd/>
+            <a:tailEnd/>
+          </a:ln>
+        </p:spPr>
+        <p:txBody>
+          <a:bodyPr wrap="none">
+            <a:spAutoFit/>
+          </a:bodyPr>
+          <a:lstStyle/>
+          <a:p>
+            <a:r>
+              <a:rPr lang="en-US" sz="1400" b="1" dirty="0">
+                <a:solidFill>
+                  <a:srgbClr val="C00000"/>
+                </a:solidFill>
+              </a:rPr>
+              <a:t>INTERVAL</a:t>
+            </a:r>
+          </a:p>
+        </p:txBody>
+      </p:sp>
+      <p:sp>
+        <p:nvSpPr>
+          <p:cNvPr id="13" name="Rectangle à coins arrondis 12"/>
+          <p:cNvSpPr/>
+          <p:nvPr/>
+        </p:nvSpPr>
+        <p:spPr>
+          <a:xfrm>
+            <a:off x="2288058" y="2643550"/>
+            <a:ext cx="1201783" cy="515982"/>
+          </a:xfrm>
+          <a:prstGeom prst="roundRect">
+            <a:avLst/>
+          </a:prstGeom>
+          <a:solidFill>
+            <a:schemeClr val="tx1">
+              <a:lumMod val="75000"/>
+              <a:lumOff val="25000"/>
+            </a:schemeClr>
+          </a:solidFill>
+        </p:spPr>
+        <p:style>
+          <a:lnRef idx="2">
+            <a:schemeClr val="accent1">
+              <a:shade val="50000"/>
+            </a:schemeClr>
+          </a:lnRef>
+          <a:fillRef idx="1">
+            <a:schemeClr val="accent1"/>
+          </a:fillRef>
+          <a:effectRef idx="0">
+            <a:schemeClr val="accent1"/>
+          </a:effectRef>
+          <a:fontRef idx="minor">
+            <a:schemeClr val="lt1"/>
+          </a:fontRef>
+        </p:style>
+        <p:txBody>
+          <a:bodyPr rtlCol="0" anchor="ctr"/>
+          <a:lstStyle/>
+          <a:p>
+            <a:pPr algn="ctr"/>
+            <a:r>
+              <a:rPr lang="fr-FR" sz="1400" dirty="0" smtClean="0"/>
+              <a:t>Baseline</a:t>
+            </a:r>
+            <a:endParaRPr lang="fr-FR" sz="1400" dirty="0"/>
+          </a:p>
+        </p:txBody>
+      </p:sp>
+      <p:cxnSp>
+        <p:nvCxnSpPr>
+          <p:cNvPr id="14" name="Straight Connector 49"/>
+          <p:cNvCxnSpPr/>
+          <p:nvPr/>
+        </p:nvCxnSpPr>
+        <p:spPr>
+          <a:xfrm>
+            <a:off x="3519381" y="2901541"/>
+            <a:ext cx="1600200" cy="0"/>
+          </a:xfrm>
+          <a:prstGeom prst="line">
+            <a:avLst/>
+          </a:prstGeom>
+          <a:ln w="28575">
+            <a:solidFill>
+              <a:schemeClr val="tx1">
+                <a:lumMod val="95000"/>
+                <a:lumOff val="5000"/>
+              </a:schemeClr>
+            </a:solidFill>
+            <a:prstDash val="sysDash"/>
+            <a:headEnd type="arrow" w="med" len="med"/>
+            <a:tailEnd type="none" w="med" len="med"/>
+          </a:ln>
+          <a:effectLst>
+            <a:outerShdw blurRad="50800" dist="38100" dir="8100000" algn="tr" rotWithShape="0">
+              <a:prstClr val="black">
+                <a:alpha val="40000"/>
+              </a:prstClr>
+            </a:outerShdw>
+          </a:effectLst>
+        </p:spPr>
+        <p:style>
+          <a:lnRef idx="1">
+            <a:schemeClr val="accent1"/>
+          </a:lnRef>
+          <a:fillRef idx="0">
+            <a:schemeClr val="accent1"/>
+          </a:fillRef>
+          <a:effectRef idx="0">
+            <a:schemeClr val="accent1"/>
+          </a:effectRef>
+          <a:fontRef idx="minor">
+            <a:schemeClr val="tx1"/>
+          </a:fontRef>
+        </p:style>
+      </p:cxnSp>
+      <p:sp>
+        <p:nvSpPr>
+          <p:cNvPr id="15" name="Rectangle à coins arrondis 14"/>
+          <p:cNvSpPr/>
+          <p:nvPr/>
+        </p:nvSpPr>
+        <p:spPr>
+          <a:xfrm>
+            <a:off x="5203371" y="2612699"/>
+            <a:ext cx="1201783" cy="515982"/>
+          </a:xfrm>
+          <a:prstGeom prst="roundRect">
+            <a:avLst/>
+          </a:prstGeom>
+          <a:solidFill>
+            <a:schemeClr val="bg1">
+              <a:lumMod val="75000"/>
+            </a:schemeClr>
+          </a:solidFill>
+        </p:spPr>
+        <p:style>
+          <a:lnRef idx="2">
+            <a:schemeClr val="accent1">
+              <a:shade val="50000"/>
+            </a:schemeClr>
+          </a:lnRef>
+          <a:fillRef idx="1">
+            <a:schemeClr val="accent1"/>
+          </a:fillRef>
+          <a:effectRef idx="0">
+            <a:schemeClr val="accent1"/>
+          </a:effectRef>
+          <a:fontRef idx="minor">
+            <a:schemeClr val="lt1"/>
+          </a:fontRef>
+        </p:style>
+        <p:txBody>
+          <a:bodyPr rtlCol="0" anchor="ctr"/>
+          <a:lstStyle/>
+          <a:p>
+            <a:pPr algn="ctr"/>
+            <a:r>
+              <a:rPr lang="fr-FR" sz="1400" dirty="0" err="1" smtClean="0"/>
+              <a:t>connectionFeature</a:t>
+            </a:r>
+            <a:endParaRPr lang="fr-FR" sz="1400" dirty="0"/>
+          </a:p>
+        </p:txBody>
+      </p:sp>
+      <p:sp>
+        <p:nvSpPr>
+          <p:cNvPr id="16" name="Rectangle à coins arrondis 15"/>
+          <p:cNvSpPr/>
+          <p:nvPr/>
+        </p:nvSpPr>
+        <p:spPr>
+          <a:xfrm>
+            <a:off x="8225361" y="3477704"/>
+            <a:ext cx="2211862" cy="515982"/>
+          </a:xfrm>
+          <a:prstGeom prst="roundRect">
+            <a:avLst/>
+          </a:prstGeom>
+          <a:solidFill>
+            <a:schemeClr val="tx1">
+              <a:lumMod val="75000"/>
+              <a:lumOff val="25000"/>
+            </a:schemeClr>
+          </a:solidFill>
+        </p:spPr>
+        <p:style>
+          <a:lnRef idx="2">
+            <a:schemeClr val="accent1">
+              <a:shade val="50000"/>
+            </a:schemeClr>
+          </a:lnRef>
+          <a:fillRef idx="1">
+            <a:schemeClr val="accent1"/>
+          </a:fillRef>
+          <a:effectRef idx="0">
+            <a:schemeClr val="accent1"/>
+          </a:effectRef>
+          <a:fontRef idx="minor">
+            <a:schemeClr val="lt1"/>
+          </a:fontRef>
+        </p:style>
+        <p:txBody>
+          <a:bodyPr rtlCol="0" anchor="ctr"/>
+          <a:lstStyle/>
+          <a:p>
+            <a:pPr algn="ctr"/>
+            <a:r>
+              <a:rPr lang="fr-FR" sz="1400" dirty="0" err="1" smtClean="0"/>
+              <a:t>Borehole-Segment:samplingFeature</a:t>
+            </a:r>
+            <a:endParaRPr lang="fr-FR" sz="1400" dirty="0"/>
+          </a:p>
+        </p:txBody>
+      </p:sp>
+      <p:sp>
+        <p:nvSpPr>
+          <p:cNvPr id="17" name="Rectangle à coins arrondis 16"/>
+          <p:cNvSpPr/>
+          <p:nvPr/>
+        </p:nvSpPr>
+        <p:spPr>
+          <a:xfrm>
+            <a:off x="8118684" y="1422536"/>
+            <a:ext cx="2695189" cy="615442"/>
+          </a:xfrm>
+          <a:prstGeom prst="roundRect">
+            <a:avLst/>
+          </a:prstGeom>
+          <a:solidFill>
+            <a:schemeClr val="bg1">
+              <a:lumMod val="50000"/>
+            </a:schemeClr>
+          </a:solidFill>
+        </p:spPr>
+        <p:style>
+          <a:lnRef idx="2">
+            <a:schemeClr val="accent1">
+              <a:shade val="50000"/>
+            </a:schemeClr>
+          </a:lnRef>
+          <a:fillRef idx="1">
+            <a:schemeClr val="accent1"/>
+          </a:fillRef>
+          <a:effectRef idx="0">
+            <a:schemeClr val="accent1"/>
+          </a:effectRef>
+          <a:fontRef idx="minor">
+            <a:schemeClr val="lt1"/>
+          </a:fontRef>
+        </p:style>
+        <p:txBody>
+          <a:bodyPr rtlCol="0" anchor="ctr"/>
+          <a:lstStyle/>
+          <a:p>
+            <a:pPr algn="ctr"/>
+            <a:r>
+              <a:rPr lang="fr-FR" sz="1400" dirty="0" err="1" smtClean="0"/>
+              <a:t>constructionElement</a:t>
+            </a:r>
+            <a:r>
+              <a:rPr lang="fr-FR" sz="1400" dirty="0" smtClean="0"/>
+              <a:t>: ?</a:t>
+            </a:r>
+            <a:r>
+              <a:rPr lang="fr-FR" sz="1400" dirty="0" err="1" smtClean="0"/>
+              <a:t>bhConstruction</a:t>
+            </a:r>
+            <a:r>
+              <a:rPr lang="fr-FR" sz="1400" dirty="0" smtClean="0"/>
+              <a:t>?</a:t>
+            </a:r>
+            <a:endParaRPr lang="fr-FR" sz="1400" dirty="0"/>
+          </a:p>
+        </p:txBody>
+      </p:sp>
+      <p:sp>
+        <p:nvSpPr>
+          <p:cNvPr id="18" name="Rectangle à coins arrondis 17"/>
+          <p:cNvSpPr/>
+          <p:nvPr/>
+        </p:nvSpPr>
+        <p:spPr>
+          <a:xfrm>
+            <a:off x="8118684" y="2647609"/>
+            <a:ext cx="2508734" cy="515982"/>
+          </a:xfrm>
+          <a:prstGeom prst="roundRect">
+            <a:avLst/>
+          </a:prstGeom>
+          <a:solidFill>
+            <a:schemeClr val="accent6">
+              <a:lumMod val="60000"/>
+              <a:lumOff val="40000"/>
+            </a:schemeClr>
+          </a:solidFill>
+        </p:spPr>
+        <p:style>
+          <a:lnRef idx="2">
+            <a:schemeClr val="accent1">
+              <a:shade val="50000"/>
+            </a:schemeClr>
+          </a:lnRef>
+          <a:fillRef idx="1">
+            <a:schemeClr val="accent1"/>
+          </a:fillRef>
+          <a:effectRef idx="0">
+            <a:schemeClr val="accent1"/>
+          </a:effectRef>
+          <a:fontRef idx="minor">
+            <a:schemeClr val="lt1"/>
+          </a:fontRef>
+        </p:style>
+        <p:txBody>
+          <a:bodyPr rtlCol="0" anchor="ctr"/>
+          <a:lstStyle/>
+          <a:p>
+            <a:pPr algn="ctr"/>
+            <a:r>
+              <a:rPr lang="fr-FR" sz="1400" dirty="0" err="1" smtClean="0"/>
+              <a:t>logResultElement:Observation</a:t>
+            </a:r>
+            <a:endParaRPr lang="fr-FR" sz="1400" dirty="0"/>
+          </a:p>
+        </p:txBody>
+      </p:sp>
+      <p:sp>
+        <p:nvSpPr>
+          <p:cNvPr id="19" name="ZoneTexte 18"/>
+          <p:cNvSpPr txBox="1"/>
+          <p:nvPr/>
+        </p:nvSpPr>
+        <p:spPr>
+          <a:xfrm>
+            <a:off x="5203371" y="3089364"/>
+            <a:ext cx="1632883" cy="923330"/>
+          </a:xfrm>
+          <a:prstGeom prst="rect">
+            <a:avLst/>
+          </a:prstGeom>
+          <a:noFill/>
+        </p:spPr>
+        <p:txBody>
+          <a:bodyPr wrap="none" rtlCol="0">
+            <a:spAutoFit/>
+          </a:bodyPr>
+          <a:lstStyle/>
+          <a:p>
+            <a:r>
+              <a:rPr lang="fr-FR" dirty="0" smtClean="0"/>
+              <a:t>Pos° </a:t>
+            </a:r>
+          </a:p>
+          <a:p>
+            <a:r>
+              <a:rPr lang="fr-FR" dirty="0" smtClean="0"/>
+              <a:t>(pk VS </a:t>
+            </a:r>
+            <a:r>
+              <a:rPr lang="fr-FR" dirty="0" err="1" smtClean="0"/>
+              <a:t>from</a:t>
+            </a:r>
+            <a:r>
+              <a:rPr lang="fr-FR" dirty="0" smtClean="0"/>
+              <a:t>/to)</a:t>
+            </a:r>
+          </a:p>
+          <a:p>
+            <a:endParaRPr lang="fr-FR" dirty="0"/>
+          </a:p>
+        </p:txBody>
+      </p:sp>
+      <p:cxnSp>
+        <p:nvCxnSpPr>
+          <p:cNvPr id="20" name="Straight Connector 48"/>
+          <p:cNvCxnSpPr>
+            <a:endCxn id="15" idx="3"/>
+          </p:cNvCxnSpPr>
+          <p:nvPr/>
+        </p:nvCxnSpPr>
+        <p:spPr>
+          <a:xfrm flipH="1">
+            <a:off x="6405154" y="2101263"/>
+            <a:ext cx="2141190" cy="769427"/>
+          </a:xfrm>
+          <a:prstGeom prst="line">
+            <a:avLst/>
+          </a:prstGeom>
+          <a:ln w="28575">
+            <a:solidFill>
+              <a:schemeClr val="tx1">
+                <a:lumMod val="95000"/>
+                <a:lumOff val="5000"/>
+              </a:schemeClr>
+            </a:solidFill>
+            <a:prstDash val="sysDash"/>
+            <a:headEnd type="arrow" w="med" len="med"/>
+            <a:tailEnd type="arrow" w="med" len="med"/>
+          </a:ln>
+          <a:effectLst>
+            <a:outerShdw blurRad="50800" dist="38100" dir="8100000" algn="tr" rotWithShape="0">
+              <a:prstClr val="black">
+                <a:alpha val="40000"/>
+              </a:prstClr>
+            </a:outerShdw>
+          </a:effectLst>
+        </p:spPr>
+        <p:style>
+          <a:lnRef idx="1">
+            <a:schemeClr val="accent1"/>
+          </a:lnRef>
+          <a:fillRef idx="0">
+            <a:schemeClr val="accent1"/>
+          </a:fillRef>
+          <a:effectRef idx="0">
+            <a:schemeClr val="accent1"/>
+          </a:effectRef>
+          <a:fontRef idx="minor">
+            <a:schemeClr val="tx1"/>
+          </a:fontRef>
+        </p:style>
+      </p:cxnSp>
+      <p:sp>
+        <p:nvSpPr>
+          <p:cNvPr id="21" name="ZoneTexte 20"/>
+          <p:cNvSpPr txBox="1"/>
+          <p:nvPr/>
+        </p:nvSpPr>
+        <p:spPr>
+          <a:xfrm>
+            <a:off x="4087594" y="2612699"/>
+            <a:ext cx="1043876" cy="369332"/>
+          </a:xfrm>
+          <a:prstGeom prst="rect">
+            <a:avLst/>
+          </a:prstGeom>
+          <a:noFill/>
+        </p:spPr>
+        <p:txBody>
+          <a:bodyPr wrap="none" rtlCol="0">
+            <a:spAutoFit/>
+          </a:bodyPr>
+          <a:lstStyle/>
+          <a:p>
+            <a:r>
+              <a:rPr lang="fr-FR" dirty="0" smtClean="0"/>
+              <a:t>URI, type</a:t>
+            </a:r>
+          </a:p>
+        </p:txBody>
+      </p:sp>
+      <p:sp>
+        <p:nvSpPr>
+          <p:cNvPr id="22" name="ZoneTexte 21"/>
+          <p:cNvSpPr txBox="1"/>
+          <p:nvPr/>
+        </p:nvSpPr>
+        <p:spPr>
+          <a:xfrm rot="20394431">
+            <a:off x="6621267" y="2258088"/>
+            <a:ext cx="1043876" cy="369332"/>
+          </a:xfrm>
+          <a:prstGeom prst="rect">
+            <a:avLst/>
+          </a:prstGeom>
+          <a:noFill/>
+        </p:spPr>
+        <p:txBody>
+          <a:bodyPr wrap="none" rtlCol="0">
+            <a:spAutoFit/>
+          </a:bodyPr>
+          <a:lstStyle/>
+          <a:p>
+            <a:r>
+              <a:rPr lang="fr-FR" dirty="0" smtClean="0"/>
+              <a:t>URI, type</a:t>
+            </a:r>
+          </a:p>
+        </p:txBody>
+      </p:sp>
+      <p:cxnSp>
+        <p:nvCxnSpPr>
+          <p:cNvPr id="23" name="Straight Connector 48"/>
+          <p:cNvCxnSpPr>
+            <a:stCxn id="18" idx="1"/>
+            <a:endCxn id="15" idx="3"/>
+          </p:cNvCxnSpPr>
+          <p:nvPr/>
+        </p:nvCxnSpPr>
+        <p:spPr>
+          <a:xfrm flipH="1" flipV="1">
+            <a:off x="6405154" y="2870690"/>
+            <a:ext cx="1713530" cy="34910"/>
+          </a:xfrm>
+          <a:prstGeom prst="line">
+            <a:avLst/>
+          </a:prstGeom>
+          <a:ln w="28575">
+            <a:solidFill>
+              <a:schemeClr val="tx1">
+                <a:lumMod val="95000"/>
+                <a:lumOff val="5000"/>
+              </a:schemeClr>
+            </a:solidFill>
+            <a:prstDash val="sysDash"/>
+            <a:headEnd type="arrow" w="med" len="med"/>
+            <a:tailEnd type="arrow" w="med" len="med"/>
+          </a:ln>
+          <a:effectLst>
+            <a:outerShdw blurRad="50800" dist="38100" dir="8100000" algn="tr" rotWithShape="0">
+              <a:prstClr val="black">
+                <a:alpha val="40000"/>
+              </a:prstClr>
+            </a:outerShdw>
+          </a:effectLst>
+        </p:spPr>
+        <p:style>
+          <a:lnRef idx="1">
+            <a:schemeClr val="accent1"/>
+          </a:lnRef>
+          <a:fillRef idx="0">
+            <a:schemeClr val="accent1"/>
+          </a:fillRef>
+          <a:effectRef idx="0">
+            <a:schemeClr val="accent1"/>
+          </a:effectRef>
+          <a:fontRef idx="minor">
+            <a:schemeClr val="tx1"/>
+          </a:fontRef>
+        </p:style>
+      </p:cxnSp>
+      <p:cxnSp>
+        <p:nvCxnSpPr>
+          <p:cNvPr id="24" name="Straight Connector 48"/>
+          <p:cNvCxnSpPr>
+            <a:stCxn id="16" idx="1"/>
+            <a:endCxn id="15" idx="3"/>
+          </p:cNvCxnSpPr>
+          <p:nvPr/>
+        </p:nvCxnSpPr>
+        <p:spPr>
+          <a:xfrm flipH="1" flipV="1">
+            <a:off x="6405154" y="2870690"/>
+            <a:ext cx="1820207" cy="865005"/>
+          </a:xfrm>
+          <a:prstGeom prst="line">
+            <a:avLst/>
+          </a:prstGeom>
+          <a:ln w="28575">
+            <a:solidFill>
+              <a:schemeClr val="tx1">
+                <a:lumMod val="95000"/>
+                <a:lumOff val="5000"/>
+              </a:schemeClr>
+            </a:solidFill>
+            <a:prstDash val="sysDash"/>
+            <a:headEnd type="arrow" w="med" len="med"/>
+            <a:tailEnd type="arrow" w="med" len="med"/>
+          </a:ln>
+          <a:effectLst>
+            <a:outerShdw blurRad="50800" dist="38100" dir="8100000" algn="tr" rotWithShape="0">
+              <a:prstClr val="black">
+                <a:alpha val="40000"/>
+              </a:prstClr>
+            </a:outerShdw>
+          </a:effectLst>
+        </p:spPr>
+        <p:style>
+          <a:lnRef idx="1">
+            <a:schemeClr val="accent1"/>
+          </a:lnRef>
+          <a:fillRef idx="0">
+            <a:schemeClr val="accent1"/>
+          </a:fillRef>
+          <a:effectRef idx="0">
+            <a:schemeClr val="accent1"/>
+          </a:effectRef>
+          <a:fontRef idx="minor">
+            <a:schemeClr val="tx1"/>
+          </a:fontRef>
+        </p:style>
+      </p:cxnSp>
+      <p:sp>
+        <p:nvSpPr>
+          <p:cNvPr id="25" name="Rectangle à coins arrondis 24"/>
+          <p:cNvSpPr/>
+          <p:nvPr/>
+        </p:nvSpPr>
+        <p:spPr>
+          <a:xfrm>
+            <a:off x="185657" y="1753246"/>
+            <a:ext cx="1216613" cy="383497"/>
+          </a:xfrm>
+          <a:prstGeom prst="roundRect">
+            <a:avLst/>
+          </a:prstGeom>
+          <a:solidFill>
+            <a:schemeClr val="accent2">
+              <a:lumMod val="60000"/>
+              <a:lumOff val="40000"/>
+            </a:schemeClr>
+          </a:solidFill>
+        </p:spPr>
+        <p:style>
+          <a:lnRef idx="2">
+            <a:schemeClr val="accent1">
+              <a:shade val="50000"/>
+            </a:schemeClr>
+          </a:lnRef>
+          <a:fillRef idx="1">
+            <a:schemeClr val="accent1"/>
+          </a:fillRef>
+          <a:effectRef idx="0">
+            <a:schemeClr val="accent1"/>
+          </a:effectRef>
+          <a:fontRef idx="minor">
+            <a:schemeClr val="lt1"/>
+          </a:fontRef>
+        </p:style>
+        <p:txBody>
+          <a:bodyPr rtlCol="0" anchor="ctr"/>
+          <a:lstStyle/>
+          <a:p>
+            <a:pPr algn="ctr"/>
+            <a:r>
+              <a:rPr lang="fr-FR" sz="1400" dirty="0" err="1" smtClean="0"/>
+              <a:t>Borehole</a:t>
+            </a:r>
+            <a:endParaRPr lang="fr-FR" sz="1400" dirty="0" smtClean="0"/>
+          </a:p>
+          <a:p>
+            <a:pPr algn="ctr"/>
+            <a:r>
+              <a:rPr lang="fr-FR" sz="1400" dirty="0" err="1" smtClean="0"/>
+              <a:t>Trajectory</a:t>
+            </a:r>
+            <a:endParaRPr lang="fr-FR" sz="1400" dirty="0"/>
+          </a:p>
+        </p:txBody>
+      </p:sp>
+      <p:cxnSp>
+        <p:nvCxnSpPr>
+          <p:cNvPr id="28" name="Straight Connector 48"/>
+          <p:cNvCxnSpPr>
+            <a:endCxn id="13" idx="1"/>
+          </p:cNvCxnSpPr>
+          <p:nvPr/>
+        </p:nvCxnSpPr>
+        <p:spPr>
+          <a:xfrm>
+            <a:off x="677683" y="2202986"/>
+            <a:ext cx="1610375" cy="698555"/>
+          </a:xfrm>
+          <a:prstGeom prst="line">
+            <a:avLst/>
+          </a:prstGeom>
+          <a:ln w="28575">
+            <a:solidFill>
+              <a:schemeClr val="tx1">
+                <a:lumMod val="95000"/>
+                <a:lumOff val="5000"/>
+              </a:schemeClr>
+            </a:solidFill>
+            <a:prstDash val="sysDash"/>
+            <a:headEnd type="arrow" w="med" len="med"/>
+            <a:tailEnd type="none" w="med" len="med"/>
+          </a:ln>
+          <a:effectLst>
+            <a:outerShdw blurRad="50800" dist="38100" dir="8100000" algn="tr" rotWithShape="0">
+              <a:prstClr val="black">
+                <a:alpha val="40000"/>
+              </a:prstClr>
+            </a:outerShdw>
+          </a:effectLst>
+        </p:spPr>
+        <p:style>
+          <a:lnRef idx="1">
+            <a:schemeClr val="accent1"/>
+          </a:lnRef>
+          <a:fillRef idx="0">
+            <a:schemeClr val="accent1"/>
+          </a:fillRef>
+          <a:effectRef idx="0">
+            <a:schemeClr val="accent1"/>
+          </a:effectRef>
+          <a:fontRef idx="minor">
+            <a:schemeClr val="tx1"/>
+          </a:fontRef>
+        </p:style>
+      </p:cxnSp>
+      <p:sp>
+        <p:nvSpPr>
+          <p:cNvPr id="30" name="ZoneTexte 29"/>
+          <p:cNvSpPr txBox="1"/>
+          <p:nvPr/>
+        </p:nvSpPr>
+        <p:spPr>
+          <a:xfrm rot="1576541">
+            <a:off x="1067473" y="2260159"/>
+            <a:ext cx="1089978" cy="369332"/>
+          </a:xfrm>
+          <a:prstGeom prst="rect">
+            <a:avLst/>
+          </a:prstGeom>
+          <a:noFill/>
+        </p:spPr>
+        <p:txBody>
+          <a:bodyPr wrap="none" rtlCol="0">
+            <a:spAutoFit/>
+          </a:bodyPr>
+          <a:lstStyle/>
+          <a:p>
+            <a:r>
+              <a:rPr lang="fr-FR" dirty="0" err="1" smtClean="0"/>
+              <a:t>geometry</a:t>
+            </a:r>
+            <a:endParaRPr lang="fr-FR" dirty="0" smtClean="0"/>
+          </a:p>
+        </p:txBody>
+      </p:sp>
+      <p:sp>
+        <p:nvSpPr>
+          <p:cNvPr id="31" name="ZoneTexte 30"/>
+          <p:cNvSpPr txBox="1"/>
+          <p:nvPr/>
+        </p:nvSpPr>
+        <p:spPr>
+          <a:xfrm>
+            <a:off x="568685" y="1421221"/>
+            <a:ext cx="444352" cy="369332"/>
+          </a:xfrm>
+          <a:prstGeom prst="rect">
+            <a:avLst/>
+          </a:prstGeom>
+          <a:noFill/>
+        </p:spPr>
+        <p:txBody>
+          <a:bodyPr wrap="none" rtlCol="0">
+            <a:spAutoFit/>
+          </a:bodyPr>
+          <a:lstStyle/>
+          <a:p>
+            <a:r>
+              <a:rPr lang="fr-FR" dirty="0" smtClean="0"/>
+              <a:t>3D</a:t>
+            </a:r>
+          </a:p>
+        </p:txBody>
+      </p:sp>
+      <p:sp>
+        <p:nvSpPr>
+          <p:cNvPr id="32" name="ZoneTexte 31"/>
+          <p:cNvSpPr txBox="1"/>
+          <p:nvPr/>
+        </p:nvSpPr>
+        <p:spPr>
+          <a:xfrm>
+            <a:off x="5073090" y="2186668"/>
+            <a:ext cx="1390445" cy="369332"/>
+          </a:xfrm>
+          <a:prstGeom prst="rect">
+            <a:avLst/>
+          </a:prstGeom>
+          <a:noFill/>
+        </p:spPr>
+        <p:txBody>
+          <a:bodyPr wrap="none" rtlCol="0">
+            <a:spAutoFit/>
+          </a:bodyPr>
+          <a:lstStyle/>
+          <a:p>
+            <a:r>
+              <a:rPr lang="fr-FR" dirty="0" smtClean="0"/>
+              <a:t>1D:LinearRef</a:t>
+            </a:r>
+          </a:p>
+        </p:txBody>
+      </p:sp>
+      <p:sp>
+        <p:nvSpPr>
+          <p:cNvPr id="34" name="ZoneTexte 33"/>
+          <p:cNvSpPr txBox="1"/>
+          <p:nvPr/>
+        </p:nvSpPr>
+        <p:spPr>
+          <a:xfrm>
+            <a:off x="2182890" y="969535"/>
+            <a:ext cx="2428299" cy="1077218"/>
+          </a:xfrm>
+          <a:prstGeom prst="rect">
+            <a:avLst/>
+          </a:prstGeom>
+          <a:noFill/>
+        </p:spPr>
+        <p:txBody>
+          <a:bodyPr wrap="square" rtlCol="0">
+            <a:spAutoFit/>
+          </a:bodyPr>
+          <a:lstStyle/>
+          <a:p>
+            <a:r>
+              <a:rPr lang="fr-FR" sz="1600" dirty="0" smtClean="0"/>
+              <a:t>1D local ? engineering? </a:t>
+            </a:r>
+            <a:endParaRPr lang="fr-FR" sz="1600" dirty="0"/>
+          </a:p>
+          <a:p>
+            <a:r>
+              <a:rPr lang="fr-FR" sz="1600" dirty="0" err="1" smtClean="0"/>
+              <a:t>Coord</a:t>
+            </a:r>
+            <a:r>
+              <a:rPr lang="fr-FR" sz="1600" dirty="0" smtClean="0"/>
+              <a:t> System </a:t>
+            </a:r>
+          </a:p>
+          <a:p>
+            <a:r>
+              <a:rPr lang="fr-FR" sz="1600" dirty="0" smtClean="0"/>
+              <a:t>-&gt; check ISO 19107</a:t>
+            </a:r>
+          </a:p>
+          <a:p>
+            <a:r>
+              <a:rPr lang="fr-FR" sz="1600" dirty="0" smtClean="0"/>
+              <a:t>-&gt; check ISO 19148 </a:t>
+            </a:r>
+          </a:p>
+        </p:txBody>
+      </p:sp>
+      <p:sp>
+        <p:nvSpPr>
+          <p:cNvPr id="29" name="ZoneTexte 28"/>
+          <p:cNvSpPr txBox="1"/>
+          <p:nvPr/>
+        </p:nvSpPr>
+        <p:spPr>
+          <a:xfrm rot="19493980">
+            <a:off x="-152192" y="255926"/>
+            <a:ext cx="1314271" cy="369332"/>
+          </a:xfrm>
+          <a:prstGeom prst="rect">
+            <a:avLst/>
+          </a:prstGeom>
+          <a:noFill/>
+        </p:spPr>
+        <p:txBody>
+          <a:bodyPr wrap="none" rtlCol="0">
+            <a:spAutoFit/>
+          </a:bodyPr>
+          <a:lstStyle/>
+          <a:p>
+            <a:r>
+              <a:rPr lang="fr-FR" dirty="0" err="1" smtClean="0"/>
+              <a:t>Webconf</a:t>
+            </a:r>
+            <a:r>
+              <a:rPr lang="fr-FR" dirty="0" smtClean="0"/>
+              <a:t> 17</a:t>
+            </a:r>
+            <a:endParaRPr lang="fr-FR" dirty="0"/>
+          </a:p>
+        </p:txBody>
+      </p:sp>
+    </p:spTree>
+    <p:extLst>
+      <p:ext uri="{BB962C8B-B14F-4D97-AF65-F5344CB8AC3E}">
+        <p14:creationId xmlns:p14="http://schemas.microsoft.com/office/powerpoint/2010/main" val="377639334"/>
+      </p:ext>
+    </p:extLst>
+  </p:cSld>
+  <p:clrMapOvr>
+    <a:masterClrMapping/>
+  </p:clrMapOvr>
+</p:sld>
+</file>
+
+<file path=ppt/slides/slide12.xml><?xml version="1.0" encoding="utf-8"?>
+<p:sld xmlns:a="http://schemas.openxmlformats.org/drawingml/2006/main" xmlns:r="http://schemas.openxmlformats.org/officeDocument/2006/relationships" xmlns:p="http://schemas.openxmlformats.org/presentationml/2006/main">
+  <p:cSld>
+    <p:spTree>
+      <p:nvGrpSpPr>
+        <p:cNvPr id="1" name=""/>
+        <p:cNvGrpSpPr/>
+        <p:nvPr/>
+      </p:nvGrpSpPr>
+      <p:grpSpPr>
+        <a:xfrm>
+          <a:off x="0" y="0"/>
+          <a:ext cx="0" cy="0"/>
+          <a:chOff x="0" y="0"/>
+          <a:chExt cx="0" cy="0"/>
+        </a:xfrm>
+      </p:grpSpPr>
+      <p:sp>
+        <p:nvSpPr>
+          <p:cNvPr id="3" name="Espace réservé du contenu 2"/>
+          <p:cNvSpPr>
+            <a:spLocks noGrp="1"/>
+          </p:cNvSpPr>
+          <p:nvPr>
+            <p:ph idx="1"/>
+          </p:nvPr>
+        </p:nvSpPr>
+        <p:spPr>
+          <a:xfrm>
+            <a:off x="476620" y="764178"/>
+            <a:ext cx="10903131" cy="5726294"/>
+          </a:xfrm>
+        </p:spPr>
+        <p:txBody>
+          <a:bodyPr>
+            <a:normAutofit fontScale="85000" lnSpcReduction="20000"/>
+          </a:bodyPr>
+          <a:lstStyle/>
+          <a:p>
+            <a:endParaRPr lang="en-US" dirty="0"/>
+          </a:p>
+          <a:p>
+            <a:pPr lvl="1" fontAlgn="base"/>
+            <a:r>
+              <a:rPr lang="en-US" dirty="0"/>
+              <a:t>Refine </a:t>
+            </a:r>
+            <a:r>
+              <a:rPr lang="en-US" dirty="0" err="1"/>
+              <a:t>BaseLine</a:t>
+            </a:r>
+            <a:r>
+              <a:rPr lang="en-US" dirty="0"/>
+              <a:t> model</a:t>
+            </a:r>
+          </a:p>
+          <a:p>
+            <a:pPr lvl="2" fontAlgn="base"/>
+            <a:r>
+              <a:rPr lang="en-US" dirty="0"/>
+              <a:t>1D local ?engineering?  / </a:t>
+            </a:r>
+            <a:r>
+              <a:rPr lang="en-US" dirty="0" err="1"/>
+              <a:t>Coord</a:t>
+            </a:r>
+            <a:r>
+              <a:rPr lang="en-US" dirty="0"/>
+              <a:t> System / -&gt; check ISO 19107 terms</a:t>
+            </a:r>
+          </a:p>
+          <a:p>
+            <a:pPr lvl="2" fontAlgn="base"/>
+            <a:r>
+              <a:rPr lang="en-US" dirty="0"/>
+              <a:t>+ ISO 19148 terminology</a:t>
+            </a:r>
+          </a:p>
+          <a:p>
+            <a:pPr lvl="2" fontAlgn="base"/>
+            <a:r>
+              <a:rPr lang="en-US" dirty="0"/>
+              <a:t>Is the baseline a </a:t>
+            </a:r>
+            <a:r>
+              <a:rPr lang="en-US" dirty="0" err="1"/>
+              <a:t>FeatureType</a:t>
+            </a:r>
+            <a:r>
+              <a:rPr lang="en-US" dirty="0"/>
+              <a:t> ? a SRS ?</a:t>
+            </a:r>
+          </a:p>
+          <a:p>
+            <a:pPr lvl="2"/>
+            <a:r>
+              <a:rPr lang="en-US" dirty="0"/>
+              <a:t>=&gt; do we really need to create a specific concept or aren’t the Trajectory, ISO 19148 method and the ‘connected’ object sufficient ?</a:t>
+            </a:r>
+          </a:p>
+          <a:p>
+            <a:pPr lvl="1" fontAlgn="base"/>
+            <a:r>
+              <a:rPr lang="en-US" dirty="0" smtClean="0"/>
+              <a:t>‘Topology’ </a:t>
+            </a:r>
+            <a:r>
+              <a:rPr lang="en-US" dirty="0"/>
+              <a:t>needed ? </a:t>
+            </a:r>
+          </a:p>
+          <a:p>
+            <a:pPr lvl="2" fontAlgn="base"/>
+            <a:r>
+              <a:rPr lang="en-US" dirty="0"/>
+              <a:t>read “with its own constraints” = if you move a node then it has impacts...</a:t>
+            </a:r>
+          </a:p>
+          <a:p>
+            <a:pPr lvl="2" fontAlgn="base"/>
+            <a:r>
+              <a:rPr lang="en-US" dirty="0"/>
+              <a:t>can node can have properties ?</a:t>
+            </a:r>
+          </a:p>
+          <a:p>
+            <a:pPr lvl="1" fontAlgn="base"/>
+            <a:r>
+              <a:rPr lang="en-US" dirty="0"/>
+              <a:t>Bi-</a:t>
+            </a:r>
+            <a:r>
+              <a:rPr lang="en-US" dirty="0" err="1"/>
+              <a:t>directionnality</a:t>
+            </a:r>
+            <a:r>
+              <a:rPr lang="en-US" dirty="0"/>
+              <a:t> ?</a:t>
+            </a:r>
+          </a:p>
+          <a:p>
+            <a:pPr lvl="2" fontAlgn="base"/>
+            <a:r>
+              <a:rPr lang="en-US" dirty="0"/>
+              <a:t>Elements connected to the baseline know it.</a:t>
+            </a:r>
+          </a:p>
+          <a:p>
+            <a:pPr lvl="2" fontAlgn="base"/>
+            <a:r>
+              <a:rPr lang="en-US" dirty="0"/>
+              <a:t>BUT, should the baseline know all points and intervals that are attached to it ?</a:t>
+            </a:r>
+          </a:p>
+          <a:p>
+            <a:pPr lvl="1" fontAlgn="base"/>
+            <a:r>
+              <a:rPr lang="en-US" dirty="0"/>
+              <a:t>Look at </a:t>
+            </a:r>
+            <a:r>
+              <a:rPr lang="en-US" dirty="0" err="1"/>
+              <a:t>NrCan</a:t>
+            </a:r>
+            <a:r>
+              <a:rPr lang="en-US" dirty="0"/>
+              <a:t> 1998 contribution (</a:t>
+            </a:r>
+            <a:r>
+              <a:rPr lang="en-US" u="sng" dirty="0">
+                <a:hlinkClick r:id="rId2"/>
+              </a:rPr>
+              <a:t>https://geoscan.nrcan.gc.ca/starweb/geoscan/servlet.starweb?path=geoscan/fulle.web&amp;search1=R=209958</a:t>
+            </a:r>
+            <a:r>
+              <a:rPr lang="en-US" dirty="0"/>
+              <a:t>)</a:t>
+            </a:r>
+          </a:p>
+          <a:p>
+            <a:pPr lvl="1" fontAlgn="base"/>
+            <a:r>
+              <a:rPr lang="en-US" dirty="0"/>
+              <a:t>Baseline VS Trajectory</a:t>
+            </a:r>
+          </a:p>
+          <a:p>
+            <a:pPr lvl="1" fontAlgn="base"/>
+            <a:r>
+              <a:rPr lang="en-US" dirty="0"/>
+              <a:t>How when non discrete data  ?</a:t>
+            </a:r>
+          </a:p>
+          <a:p>
+            <a:pPr lvl="1" fontAlgn="base"/>
+            <a:r>
+              <a:rPr lang="en-US" dirty="0"/>
+              <a:t>All relations bi-</a:t>
+            </a:r>
+            <a:r>
+              <a:rPr lang="en-US" dirty="0" err="1"/>
+              <a:t>directionnal</a:t>
+            </a:r>
+            <a:r>
+              <a:rPr lang="en-US" dirty="0"/>
+              <a:t> ?</a:t>
+            </a:r>
+          </a:p>
+          <a:p>
+            <a:pPr lvl="1" fontAlgn="base"/>
+            <a:r>
+              <a:rPr lang="en-US" dirty="0"/>
+              <a:t>From Baseline to connectors? (is the baseline aware of all the things plugged to it ) ?</a:t>
+            </a:r>
+          </a:p>
+          <a:p>
+            <a:pPr lvl="1" fontAlgn="base"/>
+            <a:r>
+              <a:rPr lang="en-US" dirty="0"/>
+              <a:t>Open segmentation</a:t>
+            </a:r>
+          </a:p>
+          <a:p>
+            <a:endParaRPr lang="fr-FR" dirty="0" smtClean="0"/>
+          </a:p>
+          <a:p>
+            <a:pPr marL="0" indent="0">
+              <a:buNone/>
+            </a:pPr>
+            <a:endParaRPr lang="fr-FR" dirty="0"/>
+          </a:p>
+        </p:txBody>
+      </p:sp>
+      <p:sp>
+        <p:nvSpPr>
+          <p:cNvPr id="5" name="ZoneTexte 4"/>
+          <p:cNvSpPr txBox="1"/>
+          <p:nvPr/>
+        </p:nvSpPr>
+        <p:spPr>
+          <a:xfrm>
+            <a:off x="4269719" y="0"/>
+            <a:ext cx="1658467" cy="369332"/>
+          </a:xfrm>
+          <a:prstGeom prst="rect">
+            <a:avLst/>
+          </a:prstGeom>
+          <a:noFill/>
+        </p:spPr>
+        <p:txBody>
+          <a:bodyPr wrap="none" rtlCol="0">
+            <a:spAutoFit/>
+          </a:bodyPr>
+          <a:lstStyle/>
+          <a:p>
+            <a:r>
+              <a:rPr lang="fr-FR" dirty="0" smtClean="0"/>
+              <a:t>Open questions</a:t>
+            </a:r>
+          </a:p>
+        </p:txBody>
+      </p:sp>
+      <p:sp>
+        <p:nvSpPr>
+          <p:cNvPr id="6" name="ZoneTexte 5"/>
+          <p:cNvSpPr txBox="1"/>
+          <p:nvPr/>
+        </p:nvSpPr>
+        <p:spPr>
+          <a:xfrm rot="19493980">
+            <a:off x="-88450" y="269777"/>
+            <a:ext cx="1314271" cy="369332"/>
+          </a:xfrm>
+          <a:prstGeom prst="rect">
+            <a:avLst/>
+          </a:prstGeom>
+          <a:noFill/>
+        </p:spPr>
+        <p:txBody>
+          <a:bodyPr wrap="none" rtlCol="0">
+            <a:spAutoFit/>
+          </a:bodyPr>
+          <a:lstStyle/>
+          <a:p>
+            <a:r>
+              <a:rPr lang="fr-FR" dirty="0" err="1" smtClean="0"/>
+              <a:t>Webconf</a:t>
+            </a:r>
+            <a:r>
+              <a:rPr lang="fr-FR" dirty="0" smtClean="0"/>
+              <a:t> 18</a:t>
+            </a:r>
+            <a:endParaRPr lang="fr-FR" dirty="0"/>
+          </a:p>
+        </p:txBody>
+      </p:sp>
+      <p:sp>
+        <p:nvSpPr>
+          <p:cNvPr id="7" name="ZoneTexte 6"/>
+          <p:cNvSpPr txBox="1"/>
+          <p:nvPr/>
+        </p:nvSpPr>
+        <p:spPr>
+          <a:xfrm>
+            <a:off x="89160" y="1011934"/>
+            <a:ext cx="959045" cy="369332"/>
+          </a:xfrm>
+          <a:prstGeom prst="rect">
+            <a:avLst/>
+          </a:prstGeom>
+          <a:noFill/>
+        </p:spPr>
+        <p:txBody>
+          <a:bodyPr wrap="none" rtlCol="0">
+            <a:spAutoFit/>
+          </a:bodyPr>
+          <a:lstStyle/>
+          <a:p>
+            <a:r>
+              <a:rPr lang="fr-FR" b="1" dirty="0" err="1" smtClean="0">
+                <a:solidFill>
+                  <a:schemeClr val="accent1">
+                    <a:lumMod val="75000"/>
+                  </a:schemeClr>
+                </a:solidFill>
+              </a:rPr>
+              <a:t>checked</a:t>
+            </a:r>
+            <a:endParaRPr lang="fr-FR" b="1" dirty="0">
+              <a:solidFill>
+                <a:schemeClr val="accent1">
+                  <a:lumMod val="75000"/>
+                </a:schemeClr>
+              </a:solidFill>
+            </a:endParaRPr>
+          </a:p>
+        </p:txBody>
+      </p:sp>
+      <p:sp>
+        <p:nvSpPr>
+          <p:cNvPr id="10" name="ZoneTexte 9"/>
+          <p:cNvSpPr txBox="1"/>
+          <p:nvPr/>
+        </p:nvSpPr>
+        <p:spPr>
+          <a:xfrm>
+            <a:off x="119227" y="4657227"/>
+            <a:ext cx="959045" cy="369332"/>
+          </a:xfrm>
+          <a:prstGeom prst="rect">
+            <a:avLst/>
+          </a:prstGeom>
+          <a:noFill/>
+        </p:spPr>
+        <p:txBody>
+          <a:bodyPr wrap="none" rtlCol="0">
+            <a:spAutoFit/>
+          </a:bodyPr>
+          <a:lstStyle/>
+          <a:p>
+            <a:r>
+              <a:rPr lang="fr-FR" b="1" dirty="0" err="1" smtClean="0">
+                <a:solidFill>
+                  <a:schemeClr val="accent1">
+                    <a:lumMod val="75000"/>
+                  </a:schemeClr>
+                </a:solidFill>
+              </a:rPr>
+              <a:t>checked</a:t>
+            </a:r>
+            <a:endParaRPr lang="fr-FR" b="1" dirty="0">
+              <a:solidFill>
+                <a:schemeClr val="accent1">
+                  <a:lumMod val="75000"/>
+                </a:schemeClr>
+              </a:solidFill>
+            </a:endParaRPr>
+          </a:p>
+        </p:txBody>
+      </p:sp>
+      <p:sp>
+        <p:nvSpPr>
+          <p:cNvPr id="11" name="ZoneTexte 10"/>
+          <p:cNvSpPr txBox="1"/>
+          <p:nvPr/>
+        </p:nvSpPr>
+        <p:spPr>
+          <a:xfrm>
+            <a:off x="119227" y="3257993"/>
+            <a:ext cx="959045" cy="369332"/>
+          </a:xfrm>
+          <a:prstGeom prst="rect">
+            <a:avLst/>
+          </a:prstGeom>
+          <a:noFill/>
+        </p:spPr>
+        <p:txBody>
+          <a:bodyPr wrap="none" rtlCol="0">
+            <a:spAutoFit/>
+          </a:bodyPr>
+          <a:lstStyle/>
+          <a:p>
+            <a:r>
+              <a:rPr lang="fr-FR" b="1" dirty="0" err="1" smtClean="0">
+                <a:solidFill>
+                  <a:schemeClr val="accent1">
+                    <a:lumMod val="75000"/>
+                  </a:schemeClr>
+                </a:solidFill>
+              </a:rPr>
+              <a:t>checked</a:t>
+            </a:r>
+            <a:endParaRPr lang="fr-FR" b="1" dirty="0">
+              <a:solidFill>
+                <a:schemeClr val="accent1">
+                  <a:lumMod val="75000"/>
+                </a:schemeClr>
+              </a:solidFill>
+            </a:endParaRPr>
+          </a:p>
+        </p:txBody>
+      </p:sp>
+      <p:sp>
+        <p:nvSpPr>
+          <p:cNvPr id="12" name="ZoneTexte 11"/>
+          <p:cNvSpPr txBox="1"/>
+          <p:nvPr/>
+        </p:nvSpPr>
+        <p:spPr>
+          <a:xfrm>
+            <a:off x="101577" y="2541448"/>
+            <a:ext cx="959045" cy="369332"/>
+          </a:xfrm>
+          <a:prstGeom prst="rect">
+            <a:avLst/>
+          </a:prstGeom>
+          <a:noFill/>
+        </p:spPr>
+        <p:txBody>
+          <a:bodyPr wrap="none" rtlCol="0">
+            <a:spAutoFit/>
+          </a:bodyPr>
+          <a:lstStyle/>
+          <a:p>
+            <a:r>
+              <a:rPr lang="fr-FR" b="1" dirty="0" err="1" smtClean="0">
+                <a:solidFill>
+                  <a:schemeClr val="accent1">
+                    <a:lumMod val="75000"/>
+                  </a:schemeClr>
+                </a:solidFill>
+              </a:rPr>
+              <a:t>checked</a:t>
+            </a:r>
+            <a:endParaRPr lang="fr-FR" b="1" dirty="0">
+              <a:solidFill>
+                <a:schemeClr val="accent1">
+                  <a:lumMod val="75000"/>
+                </a:schemeClr>
+              </a:solidFill>
+            </a:endParaRPr>
+          </a:p>
+        </p:txBody>
+      </p:sp>
+      <p:sp>
+        <p:nvSpPr>
+          <p:cNvPr id="13" name="ZoneTexte 12"/>
+          <p:cNvSpPr txBox="1"/>
+          <p:nvPr/>
+        </p:nvSpPr>
+        <p:spPr>
+          <a:xfrm>
+            <a:off x="119227" y="5000720"/>
+            <a:ext cx="959045" cy="369332"/>
+          </a:xfrm>
+          <a:prstGeom prst="rect">
+            <a:avLst/>
+          </a:prstGeom>
+          <a:noFill/>
+        </p:spPr>
+        <p:txBody>
+          <a:bodyPr wrap="none" rtlCol="0">
+            <a:spAutoFit/>
+          </a:bodyPr>
+          <a:lstStyle/>
+          <a:p>
+            <a:r>
+              <a:rPr lang="fr-FR" b="1" dirty="0" err="1" smtClean="0">
+                <a:solidFill>
+                  <a:schemeClr val="accent1">
+                    <a:lumMod val="75000"/>
+                  </a:schemeClr>
+                </a:solidFill>
+              </a:rPr>
+              <a:t>checked</a:t>
+            </a:r>
+            <a:endParaRPr lang="fr-FR" b="1" dirty="0">
+              <a:solidFill>
+                <a:schemeClr val="accent1">
+                  <a:lumMod val="75000"/>
+                </a:schemeClr>
+              </a:solidFill>
+            </a:endParaRPr>
+          </a:p>
+        </p:txBody>
+      </p:sp>
+      <p:sp>
+        <p:nvSpPr>
+          <p:cNvPr id="14" name="ZoneTexte 13"/>
+          <p:cNvSpPr txBox="1"/>
+          <p:nvPr/>
+        </p:nvSpPr>
+        <p:spPr>
+          <a:xfrm>
+            <a:off x="119227" y="5289044"/>
+            <a:ext cx="959045" cy="369332"/>
+          </a:xfrm>
+          <a:prstGeom prst="rect">
+            <a:avLst/>
+          </a:prstGeom>
+          <a:noFill/>
+        </p:spPr>
+        <p:txBody>
+          <a:bodyPr wrap="none" rtlCol="0">
+            <a:spAutoFit/>
+          </a:bodyPr>
+          <a:lstStyle/>
+          <a:p>
+            <a:r>
+              <a:rPr lang="fr-FR" b="1" dirty="0" err="1" smtClean="0">
+                <a:solidFill>
+                  <a:schemeClr val="accent1">
+                    <a:lumMod val="75000"/>
+                  </a:schemeClr>
+                </a:solidFill>
+              </a:rPr>
+              <a:t>checked</a:t>
+            </a:r>
+            <a:endParaRPr lang="fr-FR" b="1" dirty="0">
+              <a:solidFill>
+                <a:schemeClr val="accent1">
+                  <a:lumMod val="75000"/>
+                </a:schemeClr>
+              </a:solidFill>
+            </a:endParaRPr>
+          </a:p>
+        </p:txBody>
+      </p:sp>
+      <p:sp>
+        <p:nvSpPr>
+          <p:cNvPr id="15" name="ZoneTexte 14"/>
+          <p:cNvSpPr txBox="1"/>
+          <p:nvPr/>
+        </p:nvSpPr>
+        <p:spPr>
+          <a:xfrm>
+            <a:off x="119227" y="5551529"/>
+            <a:ext cx="959045" cy="369332"/>
+          </a:xfrm>
+          <a:prstGeom prst="rect">
+            <a:avLst/>
+          </a:prstGeom>
+          <a:noFill/>
+        </p:spPr>
+        <p:txBody>
+          <a:bodyPr wrap="none" rtlCol="0">
+            <a:spAutoFit/>
+          </a:bodyPr>
+          <a:lstStyle/>
+          <a:p>
+            <a:r>
+              <a:rPr lang="fr-FR" b="1" dirty="0" err="1" smtClean="0">
+                <a:solidFill>
+                  <a:schemeClr val="accent1">
+                    <a:lumMod val="75000"/>
+                  </a:schemeClr>
+                </a:solidFill>
+              </a:rPr>
+              <a:t>checked</a:t>
+            </a:r>
+            <a:endParaRPr lang="fr-FR" b="1" dirty="0">
+              <a:solidFill>
+                <a:schemeClr val="accent1">
+                  <a:lumMod val="75000"/>
+                </a:schemeClr>
+              </a:solidFill>
+            </a:endParaRPr>
+          </a:p>
+        </p:txBody>
+      </p:sp>
+    </p:spTree>
+    <p:extLst>
+      <p:ext uri="{BB962C8B-B14F-4D97-AF65-F5344CB8AC3E}">
+        <p14:creationId xmlns:p14="http://schemas.microsoft.com/office/powerpoint/2010/main" val="1038657087"/>
+      </p:ext>
+    </p:extLst>
+  </p:cSld>
+  <p:clrMapOvr>
+    <a:masterClrMapping/>
+  </p:clrMapOvr>
+</p:sld>
+</file>
+
+<file path=ppt/slides/slide13.xml><?xml version="1.0" encoding="utf-8"?>
+<p:sld xmlns:a="http://schemas.openxmlformats.org/drawingml/2006/main" xmlns:r="http://schemas.openxmlformats.org/officeDocument/2006/relationships" xmlns:p="http://schemas.openxmlformats.org/presentationml/2006/main">
+  <p:cSld>
+    <p:spTree>
+      <p:nvGrpSpPr>
+        <p:cNvPr id="1" name=""/>
+        <p:cNvGrpSpPr/>
+        <p:nvPr/>
+      </p:nvGrpSpPr>
+      <p:grpSpPr>
+        <a:xfrm>
+          <a:off x="0" y="0"/>
+          <a:ext cx="0" cy="0"/>
+          <a:chOff x="0" y="0"/>
+          <a:chExt cx="0" cy="0"/>
+        </a:xfrm>
+      </p:grpSpPr>
+      <p:sp>
+        <p:nvSpPr>
+          <p:cNvPr id="3" name="Espace réservé du contenu 2"/>
+          <p:cNvSpPr>
+            <a:spLocks noGrp="1"/>
+          </p:cNvSpPr>
+          <p:nvPr>
+            <p:ph idx="1"/>
+          </p:nvPr>
+        </p:nvSpPr>
+        <p:spPr>
+          <a:xfrm>
+            <a:off x="476620" y="764178"/>
+            <a:ext cx="10903131" cy="5726294"/>
+          </a:xfrm>
+        </p:spPr>
+        <p:txBody>
+          <a:bodyPr>
+            <a:normAutofit fontScale="85000" lnSpcReduction="20000"/>
+          </a:bodyPr>
+          <a:lstStyle/>
+          <a:p>
+            <a:endParaRPr lang="en-US" dirty="0"/>
+          </a:p>
+          <a:p>
+            <a:pPr lvl="1" fontAlgn="base"/>
+            <a:r>
+              <a:rPr lang="en-US" dirty="0"/>
+              <a:t>Refine </a:t>
+            </a:r>
+            <a:r>
+              <a:rPr lang="en-US" dirty="0" err="1"/>
+              <a:t>BaseLine</a:t>
+            </a:r>
+            <a:r>
+              <a:rPr lang="en-US" dirty="0"/>
+              <a:t> model</a:t>
+            </a:r>
+          </a:p>
+          <a:p>
+            <a:pPr lvl="2" fontAlgn="base"/>
+            <a:r>
+              <a:rPr lang="en-US" dirty="0"/>
+              <a:t>1D local ?engineering?  / </a:t>
+            </a:r>
+            <a:r>
+              <a:rPr lang="en-US" dirty="0" err="1"/>
+              <a:t>Coord</a:t>
+            </a:r>
+            <a:r>
+              <a:rPr lang="en-US" dirty="0"/>
+              <a:t> System / -&gt; check ISO 19107 terms</a:t>
+            </a:r>
+          </a:p>
+          <a:p>
+            <a:pPr lvl="2" fontAlgn="base"/>
+            <a:r>
+              <a:rPr lang="en-US" dirty="0"/>
+              <a:t>+ ISO 19148 terminology</a:t>
+            </a:r>
+          </a:p>
+          <a:p>
+            <a:pPr lvl="2" fontAlgn="base"/>
+            <a:r>
+              <a:rPr lang="en-US" dirty="0"/>
+              <a:t>Is the baseline a </a:t>
+            </a:r>
+            <a:r>
+              <a:rPr lang="en-US" dirty="0" err="1"/>
+              <a:t>FeatureType</a:t>
+            </a:r>
+            <a:r>
+              <a:rPr lang="en-US" dirty="0"/>
+              <a:t> ? a SRS ?</a:t>
+            </a:r>
+          </a:p>
+          <a:p>
+            <a:pPr lvl="2"/>
+            <a:r>
+              <a:rPr lang="en-US" dirty="0"/>
+              <a:t>=&gt; do we really need to create a specific concept or aren’t the Trajectory, ISO 19148 method and the ‘connected’ object sufficient ?</a:t>
+            </a:r>
+          </a:p>
+          <a:p>
+            <a:pPr lvl="1" fontAlgn="base"/>
+            <a:r>
+              <a:rPr lang="en-US" dirty="0" smtClean="0"/>
+              <a:t>Topology </a:t>
+            </a:r>
+            <a:r>
+              <a:rPr lang="en-US" dirty="0"/>
+              <a:t>needed ? </a:t>
+            </a:r>
+          </a:p>
+          <a:p>
+            <a:pPr lvl="2" fontAlgn="base"/>
+            <a:r>
+              <a:rPr lang="en-US" dirty="0"/>
+              <a:t>read “with its own constraints” = if you move a node then it has impacts...</a:t>
+            </a:r>
+          </a:p>
+          <a:p>
+            <a:pPr lvl="2" fontAlgn="base"/>
+            <a:r>
+              <a:rPr lang="en-US" dirty="0"/>
+              <a:t>can node can have properties ?</a:t>
+            </a:r>
+          </a:p>
+          <a:p>
+            <a:pPr lvl="1" fontAlgn="base"/>
+            <a:r>
+              <a:rPr lang="en-US" dirty="0"/>
+              <a:t>Bi-</a:t>
+            </a:r>
+            <a:r>
+              <a:rPr lang="en-US" dirty="0" err="1"/>
+              <a:t>directionnality</a:t>
+            </a:r>
+            <a:r>
+              <a:rPr lang="en-US" dirty="0"/>
+              <a:t> ?</a:t>
+            </a:r>
+          </a:p>
+          <a:p>
+            <a:pPr lvl="2" fontAlgn="base"/>
+            <a:r>
+              <a:rPr lang="en-US" dirty="0"/>
+              <a:t>Elements connected to the baseline know it.</a:t>
+            </a:r>
+          </a:p>
+          <a:p>
+            <a:pPr lvl="2" fontAlgn="base"/>
+            <a:r>
+              <a:rPr lang="en-US" dirty="0"/>
+              <a:t>BUT, should the baseline know all points and intervals that are attached to it ?</a:t>
+            </a:r>
+          </a:p>
+          <a:p>
+            <a:pPr lvl="1" fontAlgn="base"/>
+            <a:r>
+              <a:rPr lang="en-US" dirty="0"/>
+              <a:t>Look at </a:t>
+            </a:r>
+            <a:r>
+              <a:rPr lang="en-US" dirty="0" err="1"/>
+              <a:t>NrCan</a:t>
+            </a:r>
+            <a:r>
+              <a:rPr lang="en-US" dirty="0"/>
+              <a:t> 1998 contribution (</a:t>
+            </a:r>
+            <a:r>
+              <a:rPr lang="en-US" u="sng" dirty="0">
+                <a:hlinkClick r:id="rId2"/>
+              </a:rPr>
+              <a:t>https://geoscan.nrcan.gc.ca/starweb/geoscan/servlet.starweb?path=geoscan/fulle.web&amp;search1=R=209958</a:t>
+            </a:r>
+            <a:r>
+              <a:rPr lang="en-US" dirty="0"/>
+              <a:t>)</a:t>
+            </a:r>
+          </a:p>
+          <a:p>
+            <a:pPr lvl="1" fontAlgn="base"/>
+            <a:r>
+              <a:rPr lang="en-US" dirty="0"/>
+              <a:t>Baseline VS Trajectory</a:t>
+            </a:r>
+          </a:p>
+          <a:p>
+            <a:pPr lvl="1" fontAlgn="base"/>
+            <a:r>
+              <a:rPr lang="en-US" dirty="0"/>
+              <a:t>How when non discrete data  ?</a:t>
+            </a:r>
+          </a:p>
+          <a:p>
+            <a:pPr lvl="1" fontAlgn="base"/>
+            <a:r>
+              <a:rPr lang="en-US" dirty="0"/>
+              <a:t>All relations bi-</a:t>
+            </a:r>
+            <a:r>
+              <a:rPr lang="en-US" dirty="0" err="1"/>
+              <a:t>directionnal</a:t>
+            </a:r>
+            <a:r>
+              <a:rPr lang="en-US" dirty="0"/>
+              <a:t> ?</a:t>
+            </a:r>
+          </a:p>
+          <a:p>
+            <a:pPr lvl="1" fontAlgn="base"/>
+            <a:r>
+              <a:rPr lang="en-US" dirty="0"/>
+              <a:t>From Baseline to connectors? (is the baseline aware of all the things plugged to it ) ?</a:t>
+            </a:r>
+          </a:p>
+          <a:p>
+            <a:pPr lvl="1" fontAlgn="base"/>
+            <a:r>
+              <a:rPr lang="en-US" dirty="0"/>
+              <a:t>Open segmentation</a:t>
+            </a:r>
+          </a:p>
+          <a:p>
+            <a:endParaRPr lang="fr-FR" dirty="0" smtClean="0"/>
+          </a:p>
+          <a:p>
+            <a:pPr marL="0" indent="0">
+              <a:buNone/>
+            </a:pPr>
+            <a:endParaRPr lang="fr-FR" dirty="0"/>
+          </a:p>
+        </p:txBody>
+      </p:sp>
+      <p:sp>
+        <p:nvSpPr>
+          <p:cNvPr id="5" name="ZoneTexte 4"/>
+          <p:cNvSpPr txBox="1"/>
+          <p:nvPr/>
+        </p:nvSpPr>
+        <p:spPr>
+          <a:xfrm>
+            <a:off x="4269719" y="0"/>
+            <a:ext cx="1658467" cy="369332"/>
+          </a:xfrm>
+          <a:prstGeom prst="rect">
+            <a:avLst/>
+          </a:prstGeom>
+          <a:noFill/>
+        </p:spPr>
+        <p:txBody>
+          <a:bodyPr wrap="none" rtlCol="0">
+            <a:spAutoFit/>
+          </a:bodyPr>
+          <a:lstStyle/>
+          <a:p>
+            <a:r>
+              <a:rPr lang="fr-FR" dirty="0" smtClean="0"/>
+              <a:t>Open questions</a:t>
+            </a:r>
+          </a:p>
+        </p:txBody>
+      </p:sp>
+      <p:sp>
+        <p:nvSpPr>
+          <p:cNvPr id="4" name="ZoneTexte 3"/>
+          <p:cNvSpPr txBox="1"/>
+          <p:nvPr/>
+        </p:nvSpPr>
+        <p:spPr>
+          <a:xfrm rot="19493980">
+            <a:off x="-152192" y="255926"/>
+            <a:ext cx="1314271" cy="369332"/>
+          </a:xfrm>
+          <a:prstGeom prst="rect">
+            <a:avLst/>
+          </a:prstGeom>
+          <a:noFill/>
+        </p:spPr>
+        <p:txBody>
+          <a:bodyPr wrap="none" rtlCol="0">
+            <a:spAutoFit/>
+          </a:bodyPr>
+          <a:lstStyle/>
+          <a:p>
+            <a:r>
+              <a:rPr lang="fr-FR" dirty="0" err="1" smtClean="0"/>
+              <a:t>Webconf</a:t>
+            </a:r>
+            <a:r>
+              <a:rPr lang="fr-FR" dirty="0" smtClean="0"/>
+              <a:t> 17</a:t>
+            </a:r>
+            <a:endParaRPr lang="fr-FR" dirty="0"/>
+          </a:p>
+        </p:txBody>
+      </p:sp>
+    </p:spTree>
+    <p:extLst>
+      <p:ext uri="{BB962C8B-B14F-4D97-AF65-F5344CB8AC3E}">
+        <p14:creationId xmlns:p14="http://schemas.microsoft.com/office/powerpoint/2010/main" val="2916280697"/>
       </p:ext>
     </p:extLst>
   </p:cSld>
@@ -4810,7 +8793,7 @@
         </p:nvSpPr>
         <p:spPr>
           <a:xfrm>
-            <a:off x="4027623" y="732744"/>
+            <a:off x="4052253" y="728329"/>
             <a:ext cx="1201783" cy="515982"/>
           </a:xfrm>
           <a:prstGeom prst="roundRect">
@@ -4970,30 +8953,6 @@
           </a:p>
         </p:txBody>
       </p:sp>
-      <p:pic>
-        <p:nvPicPr>
-          <p:cNvPr id="47" name="Image 46"/>
-          <p:cNvPicPr>
-            <a:picLocks noChangeAspect="1"/>
-          </p:cNvPicPr>
-          <p:nvPr/>
-        </p:nvPicPr>
-        <p:blipFill>
-          <a:blip r:embed="rId4"/>
-          <a:stretch>
-            <a:fillRect/>
-          </a:stretch>
-        </p:blipFill>
-        <p:spPr>
-          <a:xfrm>
-            <a:off x="9249591" y="2251938"/>
-            <a:ext cx="1359795" cy="2944857"/>
-          </a:xfrm>
-          <a:prstGeom prst="rect">
-            <a:avLst/>
-          </a:prstGeom>
-        </p:spPr>
-      </p:pic>
       <p:cxnSp>
         <p:nvCxnSpPr>
           <p:cNvPr id="48" name="Straight Connector 48"/>
@@ -5051,7 +9010,7 @@
         <p:spPr>
           <a:xfrm>
             <a:off x="7017471" y="3180670"/>
-            <a:ext cx="1089978" cy="369332"/>
+            <a:ext cx="1495409" cy="369332"/>
           </a:xfrm>
           <a:prstGeom prst="rect">
             <a:avLst/>
@@ -5066,68 +9025,40 @@
           <a:p>
             <a:r>
               <a:rPr lang="fr-FR" dirty="0" err="1" smtClean="0"/>
-              <a:t>geometry</a:t>
+              <a:t>linearElement</a:t>
             </a:r>
             <a:endParaRPr lang="fr-FR" dirty="0" smtClean="0"/>
           </a:p>
         </p:txBody>
       </p:sp>
-      <p:sp>
-        <p:nvSpPr>
-          <p:cNvPr id="36" name="ZoneTexte 35"/>
-          <p:cNvSpPr txBox="1"/>
-          <p:nvPr/>
-        </p:nvSpPr>
-        <p:spPr>
-          <a:xfrm>
-            <a:off x="9249591" y="1703639"/>
-            <a:ext cx="3252630" cy="646331"/>
+      <p:pic>
+        <p:nvPicPr>
+          <p:cNvPr id="3" name="Image 2"/>
+          <p:cNvPicPr>
+            <a:picLocks noChangeAspect="1"/>
+          </p:cNvPicPr>
+          <p:nvPr/>
+        </p:nvPicPr>
+        <p:blipFill>
+          <a:blip r:embed="rId4"/>
+          <a:stretch>
+            <a:fillRect/>
+          </a:stretch>
+        </p:blipFill>
+        <p:spPr>
+          <a:xfrm>
+            <a:off x="8979193" y="2295924"/>
+            <a:ext cx="1734240" cy="2095692"/>
           </a:xfrm>
           <a:prstGeom prst="rect">
             <a:avLst/>
           </a:prstGeom>
-          <a:noFill/>
-        </p:spPr>
-        <p:txBody>
-          <a:bodyPr wrap="square" rtlCol="0">
-            <a:spAutoFit/>
-          </a:bodyPr>
-          <a:lstStyle/>
-          <a:p>
-            <a:r>
-              <a:rPr lang="fr-FR" dirty="0" smtClean="0"/>
-              <a:t>« Baseline » </a:t>
-            </a:r>
-            <a:r>
-              <a:rPr lang="fr-FR" dirty="0" err="1" smtClean="0"/>
-              <a:t>is</a:t>
-            </a:r>
-            <a:r>
-              <a:rPr lang="fr-FR" dirty="0" smtClean="0"/>
-              <a:t> a </a:t>
-            </a:r>
-          </a:p>
-          <a:p>
-            <a:r>
-              <a:rPr lang="fr-FR" dirty="0" err="1" smtClean="0"/>
-              <a:t>temporary</a:t>
-            </a:r>
-            <a:r>
-              <a:rPr lang="fr-FR" dirty="0" smtClean="0"/>
-              <a:t> </a:t>
-            </a:r>
-            <a:r>
-              <a:rPr lang="fr-FR" dirty="0" err="1" smtClean="0"/>
-              <a:t>word</a:t>
-            </a:r>
-            <a:endParaRPr lang="fr-FR" dirty="0"/>
-          </a:p>
-        </p:txBody>
-      </p:sp>
+        </p:spPr>
+      </p:pic>
     </p:spTree>
     <p:extLst>
       <p:ext uri="{BB962C8B-B14F-4D97-AF65-F5344CB8AC3E}">
-        <p14:creationId xmlns:p14="http://schemas.microsoft.com/office/powerpoint/2010/main" val="206074419"/>
+        <p14:creationId xmlns:p14="http://schemas.microsoft.com/office/powerpoint/2010/main" val="1672966594"/>
       </p:ext>
     </p:extLst>
   </p:cSld>
@@ -5548,6 +9479,3627 @@
           <a:chExt cx="0" cy="0"/>
         </a:xfrm>
       </p:grpSpPr>
+      <p:grpSp>
+        <p:nvGrpSpPr>
+          <p:cNvPr id="52" name="Groupe 72"/>
+          <p:cNvGrpSpPr>
+            <a:grpSpLocks/>
+          </p:cNvGrpSpPr>
+          <p:nvPr/>
+        </p:nvGrpSpPr>
+        <p:grpSpPr bwMode="auto">
+          <a:xfrm>
+            <a:off x="1464028" y="2541843"/>
+            <a:ext cx="234950" cy="2744788"/>
+            <a:chOff x="3727866" y="2133600"/>
+            <a:chExt cx="234534" cy="2744372"/>
+          </a:xfrm>
+        </p:grpSpPr>
+        <p:sp>
+          <p:nvSpPr>
+            <p:cNvPr id="53" name="Oval 3"/>
+            <p:cNvSpPr/>
+            <p:nvPr/>
+          </p:nvSpPr>
+          <p:spPr>
+            <a:xfrm>
+              <a:off x="3732628" y="2133600"/>
+              <a:ext cx="229772" cy="229772"/>
+            </a:xfrm>
+            <a:prstGeom prst="ellipse">
+              <a:avLst/>
+            </a:prstGeom>
+            <a:solidFill>
+              <a:srgbClr val="FF0000"/>
+            </a:solidFill>
+            <a:ln>
+              <a:noFill/>
+            </a:ln>
+            <a:effectLst>
+              <a:innerShdw blurRad="114300">
+                <a:prstClr val="black"/>
+              </a:innerShdw>
+            </a:effectLst>
+          </p:spPr>
+          <p:style>
+            <a:lnRef idx="2">
+              <a:schemeClr val="accent1">
+                <a:shade val="50000"/>
+              </a:schemeClr>
+            </a:lnRef>
+            <a:fillRef idx="1">
+              <a:schemeClr val="accent1"/>
+            </a:fillRef>
+            <a:effectRef idx="0">
+              <a:schemeClr val="accent1"/>
+            </a:effectRef>
+            <a:fontRef idx="minor">
+              <a:schemeClr val="lt1"/>
+            </a:fontRef>
+          </p:style>
+          <p:txBody>
+            <a:bodyPr anchor="ctr"/>
+            <a:lstStyle/>
+            <a:p>
+              <a:pPr algn="ctr">
+                <a:defRPr/>
+              </a:pPr>
+              <a:endParaRPr lang="fr-FR" b="1">
+                <a:solidFill>
+                  <a:srgbClr val="FFFFFF"/>
+                </a:solidFill>
+                <a:cs typeface="Arial" charset="0"/>
+              </a:endParaRPr>
+            </a:p>
+          </p:txBody>
+        </p:sp>
+        <p:sp>
+          <p:nvSpPr>
+            <p:cNvPr id="54" name="Oval 4"/>
+            <p:cNvSpPr/>
+            <p:nvPr/>
+          </p:nvSpPr>
+          <p:spPr>
+            <a:xfrm>
+              <a:off x="3727866" y="2971800"/>
+              <a:ext cx="233362" cy="229772"/>
+            </a:xfrm>
+            <a:prstGeom prst="ellipse">
+              <a:avLst/>
+            </a:prstGeom>
+            <a:solidFill>
+              <a:srgbClr val="FF0000"/>
+            </a:solidFill>
+            <a:ln>
+              <a:noFill/>
+            </a:ln>
+            <a:effectLst>
+              <a:innerShdw blurRad="114300">
+                <a:prstClr val="black"/>
+              </a:innerShdw>
+            </a:effectLst>
+          </p:spPr>
+          <p:style>
+            <a:lnRef idx="2">
+              <a:schemeClr val="accent1">
+                <a:shade val="50000"/>
+              </a:schemeClr>
+            </a:lnRef>
+            <a:fillRef idx="1">
+              <a:schemeClr val="accent1"/>
+            </a:fillRef>
+            <a:effectRef idx="0">
+              <a:schemeClr val="accent1"/>
+            </a:effectRef>
+            <a:fontRef idx="minor">
+              <a:schemeClr val="lt1"/>
+            </a:fontRef>
+          </p:style>
+          <p:txBody>
+            <a:bodyPr anchor="ctr"/>
+            <a:lstStyle/>
+            <a:p>
+              <a:pPr algn="ctr">
+                <a:defRPr/>
+              </a:pPr>
+              <a:endParaRPr lang="fr-FR" b="1">
+                <a:solidFill>
+                  <a:srgbClr val="FFFFFF"/>
+                </a:solidFill>
+                <a:cs typeface="Arial" charset="0"/>
+              </a:endParaRPr>
+            </a:p>
+          </p:txBody>
+        </p:sp>
+        <p:sp>
+          <p:nvSpPr>
+            <p:cNvPr id="55" name="Oval 5"/>
+            <p:cNvSpPr/>
+            <p:nvPr/>
+          </p:nvSpPr>
+          <p:spPr>
+            <a:xfrm>
+              <a:off x="3727866" y="3733800"/>
+              <a:ext cx="233362" cy="230481"/>
+            </a:xfrm>
+            <a:prstGeom prst="ellipse">
+              <a:avLst/>
+            </a:prstGeom>
+            <a:solidFill>
+              <a:srgbClr val="FF0000"/>
+            </a:solidFill>
+            <a:ln>
+              <a:noFill/>
+            </a:ln>
+            <a:effectLst>
+              <a:innerShdw blurRad="114300">
+                <a:prstClr val="black"/>
+              </a:innerShdw>
+            </a:effectLst>
+          </p:spPr>
+          <p:style>
+            <a:lnRef idx="2">
+              <a:schemeClr val="accent1">
+                <a:shade val="50000"/>
+              </a:schemeClr>
+            </a:lnRef>
+            <a:fillRef idx="1">
+              <a:schemeClr val="accent1"/>
+            </a:fillRef>
+            <a:effectRef idx="0">
+              <a:schemeClr val="accent1"/>
+            </a:effectRef>
+            <a:fontRef idx="minor">
+              <a:schemeClr val="lt1"/>
+            </a:fontRef>
+          </p:style>
+          <p:txBody>
+            <a:bodyPr anchor="ctr"/>
+            <a:lstStyle/>
+            <a:p>
+              <a:pPr algn="ctr">
+                <a:defRPr/>
+              </a:pPr>
+              <a:endParaRPr lang="fr-FR" b="1">
+                <a:solidFill>
+                  <a:srgbClr val="FFFFFF"/>
+                </a:solidFill>
+                <a:cs typeface="Arial" charset="0"/>
+              </a:endParaRPr>
+            </a:p>
+          </p:txBody>
+        </p:sp>
+        <p:sp>
+          <p:nvSpPr>
+            <p:cNvPr id="56" name="Oval 6"/>
+            <p:cNvSpPr/>
+            <p:nvPr/>
+          </p:nvSpPr>
+          <p:spPr>
+            <a:xfrm>
+              <a:off x="3727866" y="4648200"/>
+              <a:ext cx="233362" cy="229772"/>
+            </a:xfrm>
+            <a:prstGeom prst="ellipse">
+              <a:avLst/>
+            </a:prstGeom>
+            <a:solidFill>
+              <a:srgbClr val="FF0000"/>
+            </a:solidFill>
+            <a:ln>
+              <a:noFill/>
+            </a:ln>
+            <a:effectLst>
+              <a:innerShdw blurRad="114300">
+                <a:prstClr val="black"/>
+              </a:innerShdw>
+            </a:effectLst>
+          </p:spPr>
+          <p:style>
+            <a:lnRef idx="2">
+              <a:schemeClr val="accent1">
+                <a:shade val="50000"/>
+              </a:schemeClr>
+            </a:lnRef>
+            <a:fillRef idx="1">
+              <a:schemeClr val="accent1"/>
+            </a:fillRef>
+            <a:effectRef idx="0">
+              <a:schemeClr val="accent1"/>
+            </a:effectRef>
+            <a:fontRef idx="minor">
+              <a:schemeClr val="lt1"/>
+            </a:fontRef>
+          </p:style>
+          <p:txBody>
+            <a:bodyPr anchor="ctr"/>
+            <a:lstStyle/>
+            <a:p>
+              <a:pPr algn="ctr">
+                <a:defRPr/>
+              </a:pPr>
+              <a:endParaRPr lang="fr-FR" b="1" dirty="0">
+                <a:solidFill>
+                  <a:schemeClr val="accent6">
+                    <a:lumMod val="75000"/>
+                  </a:schemeClr>
+                </a:solidFill>
+                <a:cs typeface="Arial" charset="0"/>
+              </a:endParaRPr>
+            </a:p>
+          </p:txBody>
+        </p:sp>
+      </p:grpSp>
+      <p:sp>
+        <p:nvSpPr>
+          <p:cNvPr id="59" name="Rectangle à coins arrondis 58"/>
+          <p:cNvSpPr/>
+          <p:nvPr/>
+        </p:nvSpPr>
+        <p:spPr>
+          <a:xfrm>
+            <a:off x="491560" y="1628523"/>
+            <a:ext cx="2026024" cy="515982"/>
+          </a:xfrm>
+          <a:prstGeom prst="roundRect">
+            <a:avLst/>
+          </a:prstGeom>
+          <a:solidFill>
+            <a:schemeClr val="tx1">
+              <a:lumMod val="75000"/>
+              <a:lumOff val="25000"/>
+            </a:schemeClr>
+          </a:solidFill>
+        </p:spPr>
+        <p:style>
+          <a:lnRef idx="2">
+            <a:schemeClr val="accent1">
+              <a:shade val="50000"/>
+            </a:schemeClr>
+          </a:lnRef>
+          <a:fillRef idx="1">
+            <a:schemeClr val="accent1"/>
+          </a:fillRef>
+          <a:effectRef idx="0">
+            <a:schemeClr val="accent1"/>
+          </a:effectRef>
+          <a:fontRef idx="minor">
+            <a:schemeClr val="lt1"/>
+          </a:fontRef>
+        </p:style>
+        <p:txBody>
+          <a:bodyPr rtlCol="0" anchor="ctr"/>
+          <a:lstStyle/>
+          <a:p>
+            <a:pPr algn="ctr"/>
+            <a:r>
+              <a:rPr lang="fr-FR" sz="1400" dirty="0" err="1" smtClean="0"/>
+              <a:t>BoreholeEventCollection</a:t>
+            </a:r>
+            <a:endParaRPr lang="fr-FR" sz="1400" dirty="0"/>
+          </a:p>
+        </p:txBody>
+      </p:sp>
+      <p:sp>
+        <p:nvSpPr>
+          <p:cNvPr id="61" name="TextBox 9"/>
+          <p:cNvSpPr txBox="1">
+            <a:spLocks noChangeArrowheads="1"/>
+          </p:cNvSpPr>
+          <p:nvPr/>
+        </p:nvSpPr>
+        <p:spPr bwMode="auto">
+          <a:xfrm>
+            <a:off x="1713261" y="2520199"/>
+            <a:ext cx="350673" cy="307777"/>
+          </a:xfrm>
+          <a:prstGeom prst="rect">
+            <a:avLst/>
+          </a:prstGeom>
+          <a:noFill/>
+          <a:ln w="9525">
+            <a:noFill/>
+            <a:miter lim="800000"/>
+            <a:headEnd/>
+            <a:tailEnd/>
+          </a:ln>
+        </p:spPr>
+        <p:txBody>
+          <a:bodyPr wrap="none">
+            <a:spAutoFit/>
+          </a:bodyPr>
+          <a:lstStyle/>
+          <a:p>
+            <a:r>
+              <a:rPr lang="en-US" sz="1400" b="1" dirty="0" smtClean="0">
+                <a:solidFill>
+                  <a:srgbClr val="C00000"/>
+                </a:solidFill>
+              </a:rPr>
+              <a:t>At</a:t>
+            </a:r>
+            <a:endParaRPr lang="en-US" sz="1400" b="1" dirty="0">
+              <a:solidFill>
+                <a:srgbClr val="C00000"/>
+              </a:solidFill>
+            </a:endParaRPr>
+          </a:p>
+        </p:txBody>
+      </p:sp>
+      <p:sp>
+        <p:nvSpPr>
+          <p:cNvPr id="63" name="Right Brace 8"/>
+          <p:cNvSpPr/>
+          <p:nvPr/>
+        </p:nvSpPr>
+        <p:spPr>
+          <a:xfrm>
+            <a:off x="5345637" y="3511448"/>
+            <a:ext cx="195262" cy="762000"/>
+          </a:xfrm>
+          <a:prstGeom prst="rightBrace">
+            <a:avLst/>
+          </a:prstGeom>
+          <a:ln w="19050">
+            <a:solidFill>
+              <a:srgbClr val="FF0000"/>
+            </a:solidFill>
+          </a:ln>
+        </p:spPr>
+        <p:style>
+          <a:lnRef idx="1">
+            <a:schemeClr val="accent1"/>
+          </a:lnRef>
+          <a:fillRef idx="0">
+            <a:schemeClr val="accent1"/>
+          </a:fillRef>
+          <a:effectRef idx="0">
+            <a:schemeClr val="accent1"/>
+          </a:effectRef>
+          <a:fontRef idx="minor">
+            <a:schemeClr val="tx1"/>
+          </a:fontRef>
+        </p:style>
+        <p:txBody>
+          <a:bodyPr anchor="ctr"/>
+          <a:lstStyle/>
+          <a:p>
+            <a:pPr algn="ctr">
+              <a:defRPr/>
+            </a:pPr>
+            <a:endParaRPr lang="fr-FR">
+              <a:cs typeface="Arial" charset="0"/>
+            </a:endParaRPr>
+          </a:p>
+        </p:txBody>
+      </p:sp>
+      <p:sp>
+        <p:nvSpPr>
+          <p:cNvPr id="66" name="Rectangle à coins arrondis 65"/>
+          <p:cNvSpPr/>
+          <p:nvPr/>
+        </p:nvSpPr>
+        <p:spPr>
+          <a:xfrm>
+            <a:off x="4430256" y="1589383"/>
+            <a:ext cx="2026024" cy="515982"/>
+          </a:xfrm>
+          <a:prstGeom prst="roundRect">
+            <a:avLst/>
+          </a:prstGeom>
+          <a:solidFill>
+            <a:schemeClr val="tx1">
+              <a:lumMod val="75000"/>
+              <a:lumOff val="25000"/>
+            </a:schemeClr>
+          </a:solidFill>
+        </p:spPr>
+        <p:style>
+          <a:lnRef idx="2">
+            <a:schemeClr val="accent1">
+              <a:shade val="50000"/>
+            </a:schemeClr>
+          </a:lnRef>
+          <a:fillRef idx="1">
+            <a:schemeClr val="accent1"/>
+          </a:fillRef>
+          <a:effectRef idx="0">
+            <a:schemeClr val="accent1"/>
+          </a:effectRef>
+          <a:fontRef idx="minor">
+            <a:schemeClr val="lt1"/>
+          </a:fontRef>
+        </p:style>
+        <p:txBody>
+          <a:bodyPr rtlCol="0" anchor="ctr"/>
+          <a:lstStyle/>
+          <a:p>
+            <a:pPr algn="ctr"/>
+            <a:r>
+              <a:rPr lang="fr-FR" sz="1400" dirty="0" err="1" smtClean="0"/>
+              <a:t>BoreholeEventCollection</a:t>
+            </a:r>
+            <a:endParaRPr lang="fr-FR" sz="1400" dirty="0"/>
+          </a:p>
+        </p:txBody>
+      </p:sp>
+      <p:sp>
+        <p:nvSpPr>
+          <p:cNvPr id="67" name="Right Brace 8"/>
+          <p:cNvSpPr/>
+          <p:nvPr/>
+        </p:nvSpPr>
+        <p:spPr>
+          <a:xfrm>
+            <a:off x="5363597" y="2725530"/>
+            <a:ext cx="195262" cy="762000"/>
+          </a:xfrm>
+          <a:prstGeom prst="rightBrace">
+            <a:avLst/>
+          </a:prstGeom>
+          <a:ln w="19050">
+            <a:solidFill>
+              <a:srgbClr val="FF0000"/>
+            </a:solidFill>
+          </a:ln>
+        </p:spPr>
+        <p:style>
+          <a:lnRef idx="1">
+            <a:schemeClr val="accent1"/>
+          </a:lnRef>
+          <a:fillRef idx="0">
+            <a:schemeClr val="accent1"/>
+          </a:fillRef>
+          <a:effectRef idx="0">
+            <a:schemeClr val="accent1"/>
+          </a:effectRef>
+          <a:fontRef idx="minor">
+            <a:schemeClr val="tx1"/>
+          </a:fontRef>
+        </p:style>
+        <p:txBody>
+          <a:bodyPr anchor="ctr"/>
+          <a:lstStyle/>
+          <a:p>
+            <a:pPr algn="ctr">
+              <a:defRPr/>
+            </a:pPr>
+            <a:endParaRPr lang="fr-FR">
+              <a:cs typeface="Arial" charset="0"/>
+            </a:endParaRPr>
+          </a:p>
+        </p:txBody>
+      </p:sp>
+      <p:sp>
+        <p:nvSpPr>
+          <p:cNvPr id="68" name="TextBox 9"/>
+          <p:cNvSpPr txBox="1">
+            <a:spLocks noChangeArrowheads="1"/>
+          </p:cNvSpPr>
+          <p:nvPr/>
+        </p:nvSpPr>
+        <p:spPr bwMode="auto">
+          <a:xfrm>
+            <a:off x="5556530" y="2952641"/>
+            <a:ext cx="804323" cy="307777"/>
+          </a:xfrm>
+          <a:prstGeom prst="rect">
+            <a:avLst/>
+          </a:prstGeom>
+          <a:noFill/>
+          <a:ln w="9525">
+            <a:noFill/>
+            <a:miter lim="800000"/>
+            <a:headEnd/>
+            <a:tailEnd/>
+          </a:ln>
+        </p:spPr>
+        <p:txBody>
+          <a:bodyPr wrap="none">
+            <a:spAutoFit/>
+          </a:bodyPr>
+          <a:lstStyle/>
+          <a:p>
+            <a:r>
+              <a:rPr lang="en-US" sz="1400" b="1" dirty="0" smtClean="0">
+                <a:solidFill>
+                  <a:srgbClr val="C00000"/>
+                </a:solidFill>
+              </a:rPr>
+              <a:t>From/to</a:t>
+            </a:r>
+            <a:endParaRPr lang="en-US" sz="1400" b="1" dirty="0">
+              <a:solidFill>
+                <a:srgbClr val="C00000"/>
+              </a:solidFill>
+            </a:endParaRPr>
+          </a:p>
+        </p:txBody>
+      </p:sp>
+      <p:sp>
+        <p:nvSpPr>
+          <p:cNvPr id="69" name="Right Brace 8"/>
+          <p:cNvSpPr/>
+          <p:nvPr/>
+        </p:nvSpPr>
+        <p:spPr>
+          <a:xfrm>
+            <a:off x="5363597" y="4294824"/>
+            <a:ext cx="195262" cy="762000"/>
+          </a:xfrm>
+          <a:prstGeom prst="rightBrace">
+            <a:avLst/>
+          </a:prstGeom>
+          <a:ln w="19050">
+            <a:solidFill>
+              <a:srgbClr val="FF0000"/>
+            </a:solidFill>
+          </a:ln>
+        </p:spPr>
+        <p:style>
+          <a:lnRef idx="1">
+            <a:schemeClr val="accent1"/>
+          </a:lnRef>
+          <a:fillRef idx="0">
+            <a:schemeClr val="accent1"/>
+          </a:fillRef>
+          <a:effectRef idx="0">
+            <a:schemeClr val="accent1"/>
+          </a:effectRef>
+          <a:fontRef idx="minor">
+            <a:schemeClr val="tx1"/>
+          </a:fontRef>
+        </p:style>
+        <p:txBody>
+          <a:bodyPr anchor="ctr"/>
+          <a:lstStyle/>
+          <a:p>
+            <a:pPr algn="ctr">
+              <a:defRPr/>
+            </a:pPr>
+            <a:endParaRPr lang="fr-FR">
+              <a:cs typeface="Arial" charset="0"/>
+            </a:endParaRPr>
+          </a:p>
+        </p:txBody>
+      </p:sp>
+      <p:sp>
+        <p:nvSpPr>
+          <p:cNvPr id="70" name="TextBox 9"/>
+          <p:cNvSpPr txBox="1">
+            <a:spLocks noChangeArrowheads="1"/>
+          </p:cNvSpPr>
+          <p:nvPr/>
+        </p:nvSpPr>
+        <p:spPr bwMode="auto">
+          <a:xfrm>
+            <a:off x="5559680" y="4500749"/>
+            <a:ext cx="804323" cy="307777"/>
+          </a:xfrm>
+          <a:prstGeom prst="rect">
+            <a:avLst/>
+          </a:prstGeom>
+          <a:noFill/>
+          <a:ln w="9525">
+            <a:noFill/>
+            <a:miter lim="800000"/>
+            <a:headEnd/>
+            <a:tailEnd/>
+          </a:ln>
+        </p:spPr>
+        <p:txBody>
+          <a:bodyPr wrap="none">
+            <a:spAutoFit/>
+          </a:bodyPr>
+          <a:lstStyle/>
+          <a:p>
+            <a:r>
+              <a:rPr lang="en-US" sz="1400" b="1" dirty="0" smtClean="0">
+                <a:solidFill>
+                  <a:srgbClr val="C00000"/>
+                </a:solidFill>
+              </a:rPr>
+              <a:t>From/to</a:t>
+            </a:r>
+            <a:endParaRPr lang="en-US" sz="1400" b="1" dirty="0">
+              <a:solidFill>
+                <a:srgbClr val="C00000"/>
+              </a:solidFill>
+            </a:endParaRPr>
+          </a:p>
+        </p:txBody>
+      </p:sp>
+      <p:sp>
+        <p:nvSpPr>
+          <p:cNvPr id="71" name="TextBox 9"/>
+          <p:cNvSpPr txBox="1">
+            <a:spLocks noChangeArrowheads="1"/>
+          </p:cNvSpPr>
+          <p:nvPr/>
+        </p:nvSpPr>
+        <p:spPr bwMode="auto">
+          <a:xfrm>
+            <a:off x="5553115" y="3726695"/>
+            <a:ext cx="804323" cy="307777"/>
+          </a:xfrm>
+          <a:prstGeom prst="rect">
+            <a:avLst/>
+          </a:prstGeom>
+          <a:noFill/>
+          <a:ln w="9525">
+            <a:noFill/>
+            <a:miter lim="800000"/>
+            <a:headEnd/>
+            <a:tailEnd/>
+          </a:ln>
+        </p:spPr>
+        <p:txBody>
+          <a:bodyPr wrap="none">
+            <a:spAutoFit/>
+          </a:bodyPr>
+          <a:lstStyle/>
+          <a:p>
+            <a:r>
+              <a:rPr lang="en-US" sz="1400" b="1" dirty="0" smtClean="0">
+                <a:solidFill>
+                  <a:srgbClr val="C00000"/>
+                </a:solidFill>
+              </a:rPr>
+              <a:t>From/to</a:t>
+            </a:r>
+            <a:endParaRPr lang="en-US" sz="1400" b="1" dirty="0">
+              <a:solidFill>
+                <a:srgbClr val="C00000"/>
+              </a:solidFill>
+            </a:endParaRPr>
+          </a:p>
+        </p:txBody>
+      </p:sp>
+      <p:sp>
+        <p:nvSpPr>
+          <p:cNvPr id="72" name="TextBox 9"/>
+          <p:cNvSpPr txBox="1">
+            <a:spLocks noChangeArrowheads="1"/>
+          </p:cNvSpPr>
+          <p:nvPr/>
+        </p:nvSpPr>
+        <p:spPr bwMode="auto">
+          <a:xfrm>
+            <a:off x="1727152" y="4978854"/>
+            <a:ext cx="350673" cy="307777"/>
+          </a:xfrm>
+          <a:prstGeom prst="rect">
+            <a:avLst/>
+          </a:prstGeom>
+          <a:noFill/>
+          <a:ln w="9525">
+            <a:noFill/>
+            <a:miter lim="800000"/>
+            <a:headEnd/>
+            <a:tailEnd/>
+          </a:ln>
+        </p:spPr>
+        <p:txBody>
+          <a:bodyPr wrap="none">
+            <a:spAutoFit/>
+          </a:bodyPr>
+          <a:lstStyle/>
+          <a:p>
+            <a:r>
+              <a:rPr lang="en-US" sz="1400" b="1" dirty="0" smtClean="0">
+                <a:solidFill>
+                  <a:srgbClr val="C00000"/>
+                </a:solidFill>
+              </a:rPr>
+              <a:t>At</a:t>
+            </a:r>
+            <a:endParaRPr lang="en-US" sz="1400" b="1" dirty="0">
+              <a:solidFill>
+                <a:srgbClr val="C00000"/>
+              </a:solidFill>
+            </a:endParaRPr>
+          </a:p>
+        </p:txBody>
+      </p:sp>
+      <p:sp>
+        <p:nvSpPr>
+          <p:cNvPr id="73" name="TextBox 9"/>
+          <p:cNvSpPr txBox="1">
+            <a:spLocks noChangeArrowheads="1"/>
+          </p:cNvSpPr>
+          <p:nvPr/>
+        </p:nvSpPr>
+        <p:spPr bwMode="auto">
+          <a:xfrm>
+            <a:off x="1730746" y="4103655"/>
+            <a:ext cx="350673" cy="307777"/>
+          </a:xfrm>
+          <a:prstGeom prst="rect">
+            <a:avLst/>
+          </a:prstGeom>
+          <a:noFill/>
+          <a:ln w="9525">
+            <a:noFill/>
+            <a:miter lim="800000"/>
+            <a:headEnd/>
+            <a:tailEnd/>
+          </a:ln>
+        </p:spPr>
+        <p:txBody>
+          <a:bodyPr wrap="none">
+            <a:spAutoFit/>
+          </a:bodyPr>
+          <a:lstStyle/>
+          <a:p>
+            <a:r>
+              <a:rPr lang="en-US" sz="1400" b="1" dirty="0" smtClean="0">
+                <a:solidFill>
+                  <a:srgbClr val="C00000"/>
+                </a:solidFill>
+              </a:rPr>
+              <a:t>At</a:t>
+            </a:r>
+            <a:endParaRPr lang="en-US" sz="1400" b="1" dirty="0">
+              <a:solidFill>
+                <a:srgbClr val="C00000"/>
+              </a:solidFill>
+            </a:endParaRPr>
+          </a:p>
+        </p:txBody>
+      </p:sp>
+      <p:sp>
+        <p:nvSpPr>
+          <p:cNvPr id="74" name="TextBox 9"/>
+          <p:cNvSpPr txBox="1">
+            <a:spLocks noChangeArrowheads="1"/>
+          </p:cNvSpPr>
+          <p:nvPr/>
+        </p:nvSpPr>
+        <p:spPr bwMode="auto">
+          <a:xfrm>
+            <a:off x="1727152" y="3333641"/>
+            <a:ext cx="350673" cy="307777"/>
+          </a:xfrm>
+          <a:prstGeom prst="rect">
+            <a:avLst/>
+          </a:prstGeom>
+          <a:noFill/>
+          <a:ln w="9525">
+            <a:noFill/>
+            <a:miter lim="800000"/>
+            <a:headEnd/>
+            <a:tailEnd/>
+          </a:ln>
+        </p:spPr>
+        <p:txBody>
+          <a:bodyPr wrap="none">
+            <a:spAutoFit/>
+          </a:bodyPr>
+          <a:lstStyle/>
+          <a:p>
+            <a:r>
+              <a:rPr lang="en-US" sz="1400" b="1" dirty="0" smtClean="0">
+                <a:solidFill>
+                  <a:srgbClr val="C00000"/>
+                </a:solidFill>
+              </a:rPr>
+              <a:t>At</a:t>
+            </a:r>
+            <a:endParaRPr lang="en-US" sz="1400" b="1" dirty="0">
+              <a:solidFill>
+                <a:srgbClr val="C00000"/>
+              </a:solidFill>
+            </a:endParaRPr>
+          </a:p>
+        </p:txBody>
+      </p:sp>
+      <p:sp>
+        <p:nvSpPr>
+          <p:cNvPr id="75" name="Right Brace 8"/>
+          <p:cNvSpPr/>
+          <p:nvPr/>
+        </p:nvSpPr>
+        <p:spPr>
+          <a:xfrm>
+            <a:off x="8645300" y="3511448"/>
+            <a:ext cx="195262" cy="762000"/>
+          </a:xfrm>
+          <a:prstGeom prst="rightBrace">
+            <a:avLst/>
+          </a:prstGeom>
+          <a:ln w="19050">
+            <a:solidFill>
+              <a:srgbClr val="FF0000"/>
+            </a:solidFill>
+          </a:ln>
+        </p:spPr>
+        <p:style>
+          <a:lnRef idx="1">
+            <a:schemeClr val="accent1"/>
+          </a:lnRef>
+          <a:fillRef idx="0">
+            <a:schemeClr val="accent1"/>
+          </a:fillRef>
+          <a:effectRef idx="0">
+            <a:schemeClr val="accent1"/>
+          </a:effectRef>
+          <a:fontRef idx="minor">
+            <a:schemeClr val="tx1"/>
+          </a:fontRef>
+        </p:style>
+        <p:txBody>
+          <a:bodyPr anchor="ctr"/>
+          <a:lstStyle/>
+          <a:p>
+            <a:pPr algn="ctr">
+              <a:defRPr/>
+            </a:pPr>
+            <a:endParaRPr lang="fr-FR">
+              <a:cs typeface="Arial" charset="0"/>
+            </a:endParaRPr>
+          </a:p>
+        </p:txBody>
+      </p:sp>
+      <p:sp>
+        <p:nvSpPr>
+          <p:cNvPr id="76" name="Rectangle à coins arrondis 75"/>
+          <p:cNvSpPr/>
+          <p:nvPr/>
+        </p:nvSpPr>
+        <p:spPr>
+          <a:xfrm>
+            <a:off x="7729919" y="1589383"/>
+            <a:ext cx="2026024" cy="515982"/>
+          </a:xfrm>
+          <a:prstGeom prst="roundRect">
+            <a:avLst/>
+          </a:prstGeom>
+          <a:solidFill>
+            <a:schemeClr val="tx1">
+              <a:lumMod val="75000"/>
+              <a:lumOff val="25000"/>
+            </a:schemeClr>
+          </a:solidFill>
+        </p:spPr>
+        <p:style>
+          <a:lnRef idx="2">
+            <a:schemeClr val="accent1">
+              <a:shade val="50000"/>
+            </a:schemeClr>
+          </a:lnRef>
+          <a:fillRef idx="1">
+            <a:schemeClr val="accent1"/>
+          </a:fillRef>
+          <a:effectRef idx="0">
+            <a:schemeClr val="accent1"/>
+          </a:effectRef>
+          <a:fontRef idx="minor">
+            <a:schemeClr val="lt1"/>
+          </a:fontRef>
+        </p:style>
+        <p:txBody>
+          <a:bodyPr rtlCol="0" anchor="ctr"/>
+          <a:lstStyle/>
+          <a:p>
+            <a:pPr algn="ctr"/>
+            <a:r>
+              <a:rPr lang="fr-FR" sz="1400" dirty="0" err="1" smtClean="0"/>
+              <a:t>BoreholeEventCollection</a:t>
+            </a:r>
+            <a:endParaRPr lang="fr-FR" sz="1400" dirty="0"/>
+          </a:p>
+        </p:txBody>
+      </p:sp>
+      <p:sp>
+        <p:nvSpPr>
+          <p:cNvPr id="77" name="Right Brace 8"/>
+          <p:cNvSpPr/>
+          <p:nvPr/>
+        </p:nvSpPr>
+        <p:spPr>
+          <a:xfrm>
+            <a:off x="8663260" y="2725530"/>
+            <a:ext cx="195262" cy="762000"/>
+          </a:xfrm>
+          <a:prstGeom prst="rightBrace">
+            <a:avLst/>
+          </a:prstGeom>
+          <a:ln w="19050">
+            <a:solidFill>
+              <a:srgbClr val="FF0000"/>
+            </a:solidFill>
+          </a:ln>
+        </p:spPr>
+        <p:style>
+          <a:lnRef idx="1">
+            <a:schemeClr val="accent1"/>
+          </a:lnRef>
+          <a:fillRef idx="0">
+            <a:schemeClr val="accent1"/>
+          </a:fillRef>
+          <a:effectRef idx="0">
+            <a:schemeClr val="accent1"/>
+          </a:effectRef>
+          <a:fontRef idx="minor">
+            <a:schemeClr val="tx1"/>
+          </a:fontRef>
+        </p:style>
+        <p:txBody>
+          <a:bodyPr anchor="ctr"/>
+          <a:lstStyle/>
+          <a:p>
+            <a:pPr algn="ctr">
+              <a:defRPr/>
+            </a:pPr>
+            <a:endParaRPr lang="fr-FR">
+              <a:cs typeface="Arial" charset="0"/>
+            </a:endParaRPr>
+          </a:p>
+        </p:txBody>
+      </p:sp>
+      <p:sp>
+        <p:nvSpPr>
+          <p:cNvPr id="78" name="TextBox 9"/>
+          <p:cNvSpPr txBox="1">
+            <a:spLocks noChangeArrowheads="1"/>
+          </p:cNvSpPr>
+          <p:nvPr/>
+        </p:nvSpPr>
+        <p:spPr bwMode="auto">
+          <a:xfrm>
+            <a:off x="8856193" y="2952641"/>
+            <a:ext cx="804323" cy="307777"/>
+          </a:xfrm>
+          <a:prstGeom prst="rect">
+            <a:avLst/>
+          </a:prstGeom>
+          <a:noFill/>
+          <a:ln w="9525">
+            <a:noFill/>
+            <a:miter lim="800000"/>
+            <a:headEnd/>
+            <a:tailEnd/>
+          </a:ln>
+        </p:spPr>
+        <p:txBody>
+          <a:bodyPr wrap="none">
+            <a:spAutoFit/>
+          </a:bodyPr>
+          <a:lstStyle/>
+          <a:p>
+            <a:r>
+              <a:rPr lang="en-US" sz="1400" b="1" dirty="0" smtClean="0">
+                <a:solidFill>
+                  <a:srgbClr val="C00000"/>
+                </a:solidFill>
+              </a:rPr>
+              <a:t>From/to</a:t>
+            </a:r>
+            <a:endParaRPr lang="en-US" sz="1400" b="1" dirty="0">
+              <a:solidFill>
+                <a:srgbClr val="C00000"/>
+              </a:solidFill>
+            </a:endParaRPr>
+          </a:p>
+        </p:txBody>
+      </p:sp>
+      <p:sp>
+        <p:nvSpPr>
+          <p:cNvPr id="79" name="Right Brace 8"/>
+          <p:cNvSpPr/>
+          <p:nvPr/>
+        </p:nvSpPr>
+        <p:spPr>
+          <a:xfrm>
+            <a:off x="8663260" y="4294824"/>
+            <a:ext cx="195262" cy="762000"/>
+          </a:xfrm>
+          <a:prstGeom prst="rightBrace">
+            <a:avLst/>
+          </a:prstGeom>
+          <a:ln w="19050">
+            <a:solidFill>
+              <a:srgbClr val="FF0000"/>
+            </a:solidFill>
+          </a:ln>
+        </p:spPr>
+        <p:style>
+          <a:lnRef idx="1">
+            <a:schemeClr val="accent1"/>
+          </a:lnRef>
+          <a:fillRef idx="0">
+            <a:schemeClr val="accent1"/>
+          </a:fillRef>
+          <a:effectRef idx="0">
+            <a:schemeClr val="accent1"/>
+          </a:effectRef>
+          <a:fontRef idx="minor">
+            <a:schemeClr val="tx1"/>
+          </a:fontRef>
+        </p:style>
+        <p:txBody>
+          <a:bodyPr anchor="ctr"/>
+          <a:lstStyle/>
+          <a:p>
+            <a:pPr algn="ctr">
+              <a:defRPr/>
+            </a:pPr>
+            <a:endParaRPr lang="fr-FR">
+              <a:cs typeface="Arial" charset="0"/>
+            </a:endParaRPr>
+          </a:p>
+        </p:txBody>
+      </p:sp>
+      <p:sp>
+        <p:nvSpPr>
+          <p:cNvPr id="80" name="TextBox 9"/>
+          <p:cNvSpPr txBox="1">
+            <a:spLocks noChangeArrowheads="1"/>
+          </p:cNvSpPr>
+          <p:nvPr/>
+        </p:nvSpPr>
+        <p:spPr bwMode="auto">
+          <a:xfrm>
+            <a:off x="8859343" y="4500749"/>
+            <a:ext cx="804323" cy="307777"/>
+          </a:xfrm>
+          <a:prstGeom prst="rect">
+            <a:avLst/>
+          </a:prstGeom>
+          <a:noFill/>
+          <a:ln w="9525">
+            <a:noFill/>
+            <a:miter lim="800000"/>
+            <a:headEnd/>
+            <a:tailEnd/>
+          </a:ln>
+        </p:spPr>
+        <p:txBody>
+          <a:bodyPr wrap="none">
+            <a:spAutoFit/>
+          </a:bodyPr>
+          <a:lstStyle/>
+          <a:p>
+            <a:r>
+              <a:rPr lang="en-US" sz="1400" b="1" dirty="0" smtClean="0">
+                <a:solidFill>
+                  <a:srgbClr val="C00000"/>
+                </a:solidFill>
+              </a:rPr>
+              <a:t>From/to</a:t>
+            </a:r>
+            <a:endParaRPr lang="en-US" sz="1400" b="1" dirty="0">
+              <a:solidFill>
+                <a:srgbClr val="C00000"/>
+              </a:solidFill>
+            </a:endParaRPr>
+          </a:p>
+        </p:txBody>
+      </p:sp>
+      <p:sp>
+        <p:nvSpPr>
+          <p:cNvPr id="81" name="TextBox 9"/>
+          <p:cNvSpPr txBox="1">
+            <a:spLocks noChangeArrowheads="1"/>
+          </p:cNvSpPr>
+          <p:nvPr/>
+        </p:nvSpPr>
+        <p:spPr bwMode="auto">
+          <a:xfrm>
+            <a:off x="8852778" y="3726695"/>
+            <a:ext cx="804323" cy="307777"/>
+          </a:xfrm>
+          <a:prstGeom prst="rect">
+            <a:avLst/>
+          </a:prstGeom>
+          <a:noFill/>
+          <a:ln w="9525">
+            <a:noFill/>
+            <a:miter lim="800000"/>
+            <a:headEnd/>
+            <a:tailEnd/>
+          </a:ln>
+        </p:spPr>
+        <p:txBody>
+          <a:bodyPr wrap="none">
+            <a:spAutoFit/>
+          </a:bodyPr>
+          <a:lstStyle/>
+          <a:p>
+            <a:r>
+              <a:rPr lang="en-US" sz="1400" b="1" dirty="0" smtClean="0">
+                <a:solidFill>
+                  <a:srgbClr val="C00000"/>
+                </a:solidFill>
+              </a:rPr>
+              <a:t>From/to</a:t>
+            </a:r>
+            <a:endParaRPr lang="en-US" sz="1400" b="1" dirty="0">
+              <a:solidFill>
+                <a:srgbClr val="C00000"/>
+              </a:solidFill>
+            </a:endParaRPr>
+          </a:p>
+        </p:txBody>
+      </p:sp>
+      <p:sp>
+        <p:nvSpPr>
+          <p:cNvPr id="82" name="Oval 3"/>
+          <p:cNvSpPr/>
+          <p:nvPr/>
+        </p:nvSpPr>
+        <p:spPr bwMode="auto">
+          <a:xfrm>
+            <a:off x="8433080" y="2598169"/>
+            <a:ext cx="230180" cy="229807"/>
+          </a:xfrm>
+          <a:prstGeom prst="ellipse">
+            <a:avLst/>
+          </a:prstGeom>
+          <a:solidFill>
+            <a:srgbClr val="FF0000"/>
+          </a:solidFill>
+          <a:ln>
+            <a:noFill/>
+          </a:ln>
+          <a:effectLst>
+            <a:innerShdw blurRad="114300">
+              <a:prstClr val="black"/>
+            </a:innerShdw>
+          </a:effectLst>
+        </p:spPr>
+        <p:style>
+          <a:lnRef idx="2">
+            <a:schemeClr val="accent1">
+              <a:shade val="50000"/>
+            </a:schemeClr>
+          </a:lnRef>
+          <a:fillRef idx="1">
+            <a:schemeClr val="accent1"/>
+          </a:fillRef>
+          <a:effectRef idx="0">
+            <a:schemeClr val="accent1"/>
+          </a:effectRef>
+          <a:fontRef idx="minor">
+            <a:schemeClr val="lt1"/>
+          </a:fontRef>
+        </p:style>
+        <p:txBody>
+          <a:bodyPr anchor="ctr"/>
+          <a:lstStyle/>
+          <a:p>
+            <a:pPr algn="ctr">
+              <a:defRPr/>
+            </a:pPr>
+            <a:endParaRPr lang="fr-FR" b="1">
+              <a:solidFill>
+                <a:srgbClr val="FFFFFF"/>
+              </a:solidFill>
+              <a:cs typeface="Arial" charset="0"/>
+            </a:endParaRPr>
+          </a:p>
+        </p:txBody>
+      </p:sp>
+      <p:sp>
+        <p:nvSpPr>
+          <p:cNvPr id="83" name="TextBox 9"/>
+          <p:cNvSpPr txBox="1">
+            <a:spLocks noChangeArrowheads="1"/>
+          </p:cNvSpPr>
+          <p:nvPr/>
+        </p:nvSpPr>
+        <p:spPr bwMode="auto">
+          <a:xfrm>
+            <a:off x="8733509" y="2538400"/>
+            <a:ext cx="350673" cy="307777"/>
+          </a:xfrm>
+          <a:prstGeom prst="rect">
+            <a:avLst/>
+          </a:prstGeom>
+          <a:noFill/>
+          <a:ln w="9525">
+            <a:noFill/>
+            <a:miter lim="800000"/>
+            <a:headEnd/>
+            <a:tailEnd/>
+          </a:ln>
+        </p:spPr>
+        <p:txBody>
+          <a:bodyPr wrap="none">
+            <a:spAutoFit/>
+          </a:bodyPr>
+          <a:lstStyle/>
+          <a:p>
+            <a:r>
+              <a:rPr lang="en-US" sz="1400" b="1" dirty="0" smtClean="0">
+                <a:solidFill>
+                  <a:srgbClr val="C00000"/>
+                </a:solidFill>
+              </a:rPr>
+              <a:t>At</a:t>
+            </a:r>
+            <a:endParaRPr lang="en-US" sz="1400" b="1" dirty="0">
+              <a:solidFill>
+                <a:srgbClr val="C00000"/>
+              </a:solidFill>
+            </a:endParaRPr>
+          </a:p>
+        </p:txBody>
+      </p:sp>
+      <p:sp>
+        <p:nvSpPr>
+          <p:cNvPr id="84" name="Rectangle à coins arrondis 83"/>
+          <p:cNvSpPr/>
+          <p:nvPr/>
+        </p:nvSpPr>
+        <p:spPr>
+          <a:xfrm>
+            <a:off x="6286145" y="2846177"/>
+            <a:ext cx="951410" cy="515982"/>
+          </a:xfrm>
+          <a:prstGeom prst="roundRect">
+            <a:avLst/>
+          </a:prstGeom>
+          <a:solidFill>
+            <a:schemeClr val="accent6">
+              <a:lumMod val="60000"/>
+              <a:lumOff val="40000"/>
+            </a:schemeClr>
+          </a:solidFill>
+        </p:spPr>
+        <p:style>
+          <a:lnRef idx="2">
+            <a:schemeClr val="accent1">
+              <a:shade val="50000"/>
+            </a:schemeClr>
+          </a:lnRef>
+          <a:fillRef idx="1">
+            <a:schemeClr val="accent1"/>
+          </a:fillRef>
+          <a:effectRef idx="0">
+            <a:schemeClr val="accent1"/>
+          </a:effectRef>
+          <a:fontRef idx="minor">
+            <a:schemeClr val="lt1"/>
+          </a:fontRef>
+        </p:style>
+        <p:txBody>
+          <a:bodyPr rtlCol="0" anchor="ctr"/>
+          <a:lstStyle/>
+          <a:p>
+            <a:pPr algn="ctr"/>
+            <a:r>
+              <a:rPr lang="fr-FR" sz="1400" dirty="0" err="1" smtClean="0"/>
+              <a:t>logResultElement</a:t>
+            </a:r>
+            <a:endParaRPr lang="fr-FR" sz="1400" dirty="0"/>
+          </a:p>
+        </p:txBody>
+      </p:sp>
+      <p:sp>
+        <p:nvSpPr>
+          <p:cNvPr id="85" name="Rectangle à coins arrondis 84"/>
+          <p:cNvSpPr/>
+          <p:nvPr/>
+        </p:nvSpPr>
+        <p:spPr>
+          <a:xfrm>
+            <a:off x="6352799" y="3673463"/>
+            <a:ext cx="951410" cy="515982"/>
+          </a:xfrm>
+          <a:prstGeom prst="roundRect">
+            <a:avLst/>
+          </a:prstGeom>
+          <a:solidFill>
+            <a:schemeClr val="accent6">
+              <a:lumMod val="60000"/>
+              <a:lumOff val="40000"/>
+            </a:schemeClr>
+          </a:solidFill>
+        </p:spPr>
+        <p:style>
+          <a:lnRef idx="2">
+            <a:schemeClr val="accent1">
+              <a:shade val="50000"/>
+            </a:schemeClr>
+          </a:lnRef>
+          <a:fillRef idx="1">
+            <a:schemeClr val="accent1"/>
+          </a:fillRef>
+          <a:effectRef idx="0">
+            <a:schemeClr val="accent1"/>
+          </a:effectRef>
+          <a:fontRef idx="minor">
+            <a:schemeClr val="lt1"/>
+          </a:fontRef>
+        </p:style>
+        <p:txBody>
+          <a:bodyPr rtlCol="0" anchor="ctr"/>
+          <a:lstStyle/>
+          <a:p>
+            <a:pPr algn="ctr"/>
+            <a:r>
+              <a:rPr lang="fr-FR" sz="1400" dirty="0" err="1" smtClean="0"/>
+              <a:t>logResultElement</a:t>
+            </a:r>
+            <a:endParaRPr lang="fr-FR" sz="1400" dirty="0"/>
+          </a:p>
+        </p:txBody>
+      </p:sp>
+      <p:sp>
+        <p:nvSpPr>
+          <p:cNvPr id="86" name="Rectangle à coins arrondis 85"/>
+          <p:cNvSpPr/>
+          <p:nvPr/>
+        </p:nvSpPr>
+        <p:spPr>
+          <a:xfrm>
+            <a:off x="6360853" y="4500749"/>
+            <a:ext cx="951410" cy="515982"/>
+          </a:xfrm>
+          <a:prstGeom prst="roundRect">
+            <a:avLst/>
+          </a:prstGeom>
+          <a:solidFill>
+            <a:schemeClr val="accent6">
+              <a:lumMod val="60000"/>
+              <a:lumOff val="40000"/>
+            </a:schemeClr>
+          </a:solidFill>
+        </p:spPr>
+        <p:style>
+          <a:lnRef idx="2">
+            <a:schemeClr val="accent1">
+              <a:shade val="50000"/>
+            </a:schemeClr>
+          </a:lnRef>
+          <a:fillRef idx="1">
+            <a:schemeClr val="accent1"/>
+          </a:fillRef>
+          <a:effectRef idx="0">
+            <a:schemeClr val="accent1"/>
+          </a:effectRef>
+          <a:fontRef idx="minor">
+            <a:schemeClr val="lt1"/>
+          </a:fontRef>
+        </p:style>
+        <p:txBody>
+          <a:bodyPr rtlCol="0" anchor="ctr"/>
+          <a:lstStyle/>
+          <a:p>
+            <a:pPr algn="ctr"/>
+            <a:r>
+              <a:rPr lang="fr-FR" sz="1400" dirty="0" err="1" smtClean="0"/>
+              <a:t>logResultElement</a:t>
+            </a:r>
+            <a:endParaRPr lang="fr-FR" sz="1400" dirty="0"/>
+          </a:p>
+        </p:txBody>
+      </p:sp>
+      <p:sp>
+        <p:nvSpPr>
+          <p:cNvPr id="87" name="Rectangle à coins arrondis 86"/>
+          <p:cNvSpPr/>
+          <p:nvPr/>
+        </p:nvSpPr>
+        <p:spPr>
+          <a:xfrm>
+            <a:off x="2053750" y="2392179"/>
+            <a:ext cx="1197428" cy="515982"/>
+          </a:xfrm>
+          <a:prstGeom prst="roundRect">
+            <a:avLst/>
+          </a:prstGeom>
+          <a:solidFill>
+            <a:schemeClr val="accent6">
+              <a:lumMod val="60000"/>
+              <a:lumOff val="40000"/>
+            </a:schemeClr>
+          </a:solidFill>
+        </p:spPr>
+        <p:style>
+          <a:lnRef idx="2">
+            <a:schemeClr val="accent1">
+              <a:shade val="50000"/>
+            </a:schemeClr>
+          </a:lnRef>
+          <a:fillRef idx="1">
+            <a:schemeClr val="accent1"/>
+          </a:fillRef>
+          <a:effectRef idx="0">
+            <a:schemeClr val="accent1"/>
+          </a:effectRef>
+          <a:fontRef idx="minor">
+            <a:schemeClr val="lt1"/>
+          </a:fontRef>
+        </p:style>
+        <p:txBody>
+          <a:bodyPr rtlCol="0" anchor="ctr"/>
+          <a:lstStyle/>
+          <a:p>
+            <a:pPr algn="ctr"/>
+            <a:r>
+              <a:rPr lang="fr-FR" sz="1400" dirty="0" smtClean="0"/>
+              <a:t>Observations</a:t>
+            </a:r>
+            <a:endParaRPr lang="fr-FR" sz="1400" dirty="0"/>
+          </a:p>
+        </p:txBody>
+      </p:sp>
+      <p:sp>
+        <p:nvSpPr>
+          <p:cNvPr id="88" name="Rectangle à coins arrondis 87"/>
+          <p:cNvSpPr/>
+          <p:nvPr/>
+        </p:nvSpPr>
+        <p:spPr>
+          <a:xfrm>
+            <a:off x="2052576" y="3299135"/>
+            <a:ext cx="1197428" cy="515982"/>
+          </a:xfrm>
+          <a:prstGeom prst="roundRect">
+            <a:avLst/>
+          </a:prstGeom>
+          <a:solidFill>
+            <a:schemeClr val="accent6">
+              <a:lumMod val="60000"/>
+              <a:lumOff val="40000"/>
+            </a:schemeClr>
+          </a:solidFill>
+        </p:spPr>
+        <p:style>
+          <a:lnRef idx="2">
+            <a:schemeClr val="accent1">
+              <a:shade val="50000"/>
+            </a:schemeClr>
+          </a:lnRef>
+          <a:fillRef idx="1">
+            <a:schemeClr val="accent1"/>
+          </a:fillRef>
+          <a:effectRef idx="0">
+            <a:schemeClr val="accent1"/>
+          </a:effectRef>
+          <a:fontRef idx="minor">
+            <a:schemeClr val="lt1"/>
+          </a:fontRef>
+        </p:style>
+        <p:txBody>
+          <a:bodyPr rtlCol="0" anchor="ctr"/>
+          <a:lstStyle/>
+          <a:p>
+            <a:pPr algn="ctr"/>
+            <a:r>
+              <a:rPr lang="fr-FR" sz="1400" dirty="0" smtClean="0"/>
+              <a:t>Observations</a:t>
+            </a:r>
+            <a:endParaRPr lang="fr-FR" sz="1400" dirty="0"/>
+          </a:p>
+        </p:txBody>
+      </p:sp>
+      <p:sp>
+        <p:nvSpPr>
+          <p:cNvPr id="89" name="Rectangle à coins arrondis 88"/>
+          <p:cNvSpPr/>
+          <p:nvPr/>
+        </p:nvSpPr>
+        <p:spPr>
+          <a:xfrm>
+            <a:off x="2055520" y="4052145"/>
+            <a:ext cx="1197428" cy="515982"/>
+          </a:xfrm>
+          <a:prstGeom prst="roundRect">
+            <a:avLst/>
+          </a:prstGeom>
+          <a:solidFill>
+            <a:schemeClr val="accent6">
+              <a:lumMod val="60000"/>
+              <a:lumOff val="40000"/>
+            </a:schemeClr>
+          </a:solidFill>
+        </p:spPr>
+        <p:style>
+          <a:lnRef idx="2">
+            <a:schemeClr val="accent1">
+              <a:shade val="50000"/>
+            </a:schemeClr>
+          </a:lnRef>
+          <a:fillRef idx="1">
+            <a:schemeClr val="accent1"/>
+          </a:fillRef>
+          <a:effectRef idx="0">
+            <a:schemeClr val="accent1"/>
+          </a:effectRef>
+          <a:fontRef idx="minor">
+            <a:schemeClr val="lt1"/>
+          </a:fontRef>
+        </p:style>
+        <p:txBody>
+          <a:bodyPr rtlCol="0" anchor="ctr"/>
+          <a:lstStyle/>
+          <a:p>
+            <a:pPr algn="ctr"/>
+            <a:r>
+              <a:rPr lang="fr-FR" sz="1400" dirty="0" smtClean="0"/>
+              <a:t>Observations</a:t>
+            </a:r>
+            <a:endParaRPr lang="fr-FR" sz="1400" dirty="0"/>
+          </a:p>
+        </p:txBody>
+      </p:sp>
+      <p:sp>
+        <p:nvSpPr>
+          <p:cNvPr id="90" name="Rectangle à coins arrondis 89"/>
+          <p:cNvSpPr/>
+          <p:nvPr/>
+        </p:nvSpPr>
+        <p:spPr>
+          <a:xfrm>
+            <a:off x="2047200" y="4913736"/>
+            <a:ext cx="1197428" cy="515982"/>
+          </a:xfrm>
+          <a:prstGeom prst="roundRect">
+            <a:avLst/>
+          </a:prstGeom>
+          <a:solidFill>
+            <a:schemeClr val="accent6">
+              <a:lumMod val="60000"/>
+              <a:lumOff val="40000"/>
+            </a:schemeClr>
+          </a:solidFill>
+        </p:spPr>
+        <p:style>
+          <a:lnRef idx="2">
+            <a:schemeClr val="accent1">
+              <a:shade val="50000"/>
+            </a:schemeClr>
+          </a:lnRef>
+          <a:fillRef idx="1">
+            <a:schemeClr val="accent1"/>
+          </a:fillRef>
+          <a:effectRef idx="0">
+            <a:schemeClr val="accent1"/>
+          </a:effectRef>
+          <a:fontRef idx="minor">
+            <a:schemeClr val="lt1"/>
+          </a:fontRef>
+        </p:style>
+        <p:txBody>
+          <a:bodyPr rtlCol="0" anchor="ctr"/>
+          <a:lstStyle/>
+          <a:p>
+            <a:pPr algn="ctr"/>
+            <a:r>
+              <a:rPr lang="fr-FR" sz="1400" dirty="0" smtClean="0"/>
+              <a:t>Observations</a:t>
+            </a:r>
+            <a:endParaRPr lang="fr-FR" sz="1400" dirty="0"/>
+          </a:p>
+        </p:txBody>
+      </p:sp>
+      <p:sp>
+        <p:nvSpPr>
+          <p:cNvPr id="91" name="Rectangle à coins arrondis 90"/>
+          <p:cNvSpPr/>
+          <p:nvPr/>
+        </p:nvSpPr>
+        <p:spPr>
+          <a:xfrm>
+            <a:off x="9774301" y="4509036"/>
+            <a:ext cx="951410" cy="515982"/>
+          </a:xfrm>
+          <a:prstGeom prst="roundRect">
+            <a:avLst/>
+          </a:prstGeom>
+          <a:solidFill>
+            <a:schemeClr val="accent6">
+              <a:lumMod val="60000"/>
+              <a:lumOff val="40000"/>
+            </a:schemeClr>
+          </a:solidFill>
+        </p:spPr>
+        <p:style>
+          <a:lnRef idx="2">
+            <a:schemeClr val="accent1">
+              <a:shade val="50000"/>
+            </a:schemeClr>
+          </a:lnRef>
+          <a:fillRef idx="1">
+            <a:schemeClr val="accent1"/>
+          </a:fillRef>
+          <a:effectRef idx="0">
+            <a:schemeClr val="accent1"/>
+          </a:effectRef>
+          <a:fontRef idx="minor">
+            <a:schemeClr val="lt1"/>
+          </a:fontRef>
+        </p:style>
+        <p:txBody>
+          <a:bodyPr rtlCol="0" anchor="ctr"/>
+          <a:lstStyle/>
+          <a:p>
+            <a:pPr algn="ctr"/>
+            <a:r>
+              <a:rPr lang="fr-FR" sz="1400" dirty="0" err="1" smtClean="0"/>
+              <a:t>logResultElement</a:t>
+            </a:r>
+            <a:endParaRPr lang="fr-FR" sz="1400" dirty="0"/>
+          </a:p>
+        </p:txBody>
+      </p:sp>
+      <p:sp>
+        <p:nvSpPr>
+          <p:cNvPr id="92" name="Rectangle à coins arrondis 91"/>
+          <p:cNvSpPr/>
+          <p:nvPr/>
+        </p:nvSpPr>
+        <p:spPr>
+          <a:xfrm>
+            <a:off x="9774301" y="3609977"/>
+            <a:ext cx="951410" cy="515982"/>
+          </a:xfrm>
+          <a:prstGeom prst="roundRect">
+            <a:avLst/>
+          </a:prstGeom>
+          <a:solidFill>
+            <a:schemeClr val="accent6">
+              <a:lumMod val="60000"/>
+              <a:lumOff val="40000"/>
+            </a:schemeClr>
+          </a:solidFill>
+        </p:spPr>
+        <p:style>
+          <a:lnRef idx="2">
+            <a:schemeClr val="accent1">
+              <a:shade val="50000"/>
+            </a:schemeClr>
+          </a:lnRef>
+          <a:fillRef idx="1">
+            <a:schemeClr val="accent1"/>
+          </a:fillRef>
+          <a:effectRef idx="0">
+            <a:schemeClr val="accent1"/>
+          </a:effectRef>
+          <a:fontRef idx="minor">
+            <a:schemeClr val="lt1"/>
+          </a:fontRef>
+        </p:style>
+        <p:txBody>
+          <a:bodyPr rtlCol="0" anchor="ctr"/>
+          <a:lstStyle/>
+          <a:p>
+            <a:pPr algn="ctr"/>
+            <a:r>
+              <a:rPr lang="fr-FR" sz="1400" dirty="0" err="1" smtClean="0"/>
+              <a:t>logResultElement</a:t>
+            </a:r>
+            <a:endParaRPr lang="fr-FR" sz="1400" dirty="0"/>
+          </a:p>
+        </p:txBody>
+      </p:sp>
+      <p:sp>
+        <p:nvSpPr>
+          <p:cNvPr id="93" name="Rectangle à coins arrondis 92"/>
+          <p:cNvSpPr/>
+          <p:nvPr/>
+        </p:nvSpPr>
+        <p:spPr>
+          <a:xfrm>
+            <a:off x="9755943" y="2827976"/>
+            <a:ext cx="951410" cy="515982"/>
+          </a:xfrm>
+          <a:prstGeom prst="roundRect">
+            <a:avLst/>
+          </a:prstGeom>
+          <a:solidFill>
+            <a:schemeClr val="accent6">
+              <a:lumMod val="60000"/>
+              <a:lumOff val="40000"/>
+            </a:schemeClr>
+          </a:solidFill>
+        </p:spPr>
+        <p:style>
+          <a:lnRef idx="2">
+            <a:schemeClr val="accent1">
+              <a:shade val="50000"/>
+            </a:schemeClr>
+          </a:lnRef>
+          <a:fillRef idx="1">
+            <a:schemeClr val="accent1"/>
+          </a:fillRef>
+          <a:effectRef idx="0">
+            <a:schemeClr val="accent1"/>
+          </a:effectRef>
+          <a:fontRef idx="minor">
+            <a:schemeClr val="lt1"/>
+          </a:fontRef>
+        </p:style>
+        <p:txBody>
+          <a:bodyPr rtlCol="0" anchor="ctr"/>
+          <a:lstStyle/>
+          <a:p>
+            <a:pPr algn="ctr"/>
+            <a:r>
+              <a:rPr lang="fr-FR" sz="1400" dirty="0" err="1" smtClean="0"/>
+              <a:t>logResultElement</a:t>
+            </a:r>
+            <a:endParaRPr lang="fr-FR" sz="1400" dirty="0"/>
+          </a:p>
+        </p:txBody>
+      </p:sp>
+      <p:sp>
+        <p:nvSpPr>
+          <p:cNvPr id="94" name="Rectangle à coins arrondis 93"/>
+          <p:cNvSpPr/>
+          <p:nvPr/>
+        </p:nvSpPr>
+        <p:spPr>
+          <a:xfrm>
+            <a:off x="9034220" y="2154294"/>
+            <a:ext cx="1197428" cy="515982"/>
+          </a:xfrm>
+          <a:prstGeom prst="roundRect">
+            <a:avLst/>
+          </a:prstGeom>
+          <a:solidFill>
+            <a:schemeClr val="accent6">
+              <a:lumMod val="60000"/>
+              <a:lumOff val="40000"/>
+            </a:schemeClr>
+          </a:solidFill>
+        </p:spPr>
+        <p:style>
+          <a:lnRef idx="2">
+            <a:schemeClr val="accent1">
+              <a:shade val="50000"/>
+            </a:schemeClr>
+          </a:lnRef>
+          <a:fillRef idx="1">
+            <a:schemeClr val="accent1"/>
+          </a:fillRef>
+          <a:effectRef idx="0">
+            <a:schemeClr val="accent1"/>
+          </a:effectRef>
+          <a:fontRef idx="minor">
+            <a:schemeClr val="lt1"/>
+          </a:fontRef>
+        </p:style>
+        <p:txBody>
+          <a:bodyPr rtlCol="0" anchor="ctr"/>
+          <a:lstStyle/>
+          <a:p>
+            <a:pPr algn="ctr"/>
+            <a:r>
+              <a:rPr lang="fr-FR" sz="1400" dirty="0" smtClean="0"/>
+              <a:t>Observations</a:t>
+            </a:r>
+            <a:endParaRPr lang="fr-FR" sz="1400" dirty="0"/>
+          </a:p>
+        </p:txBody>
+      </p:sp>
+    </p:spTree>
+    <p:extLst>
+      <p:ext uri="{BB962C8B-B14F-4D97-AF65-F5344CB8AC3E}">
+        <p14:creationId xmlns:p14="http://schemas.microsoft.com/office/powerpoint/2010/main" val="4115316773"/>
+      </p:ext>
+    </p:extLst>
+  </p:cSld>
+  <p:clrMapOvr>
+    <a:masterClrMapping/>
+  </p:clrMapOvr>
+  <p:timing>
+    <p:tnLst>
+      <p:par>
+        <p:cTn id="1" dur="indefinite" restart="never" nodeType="tmRoot"/>
+      </p:par>
+    </p:tnLst>
+  </p:timing>
+</p:sld>
+</file>
+
+<file path=ppt/slides/slide4.xml><?xml version="1.0" encoding="utf-8"?>
+<p:sld xmlns:a="http://schemas.openxmlformats.org/drawingml/2006/main" xmlns:r="http://schemas.openxmlformats.org/officeDocument/2006/relationships" xmlns:p="http://schemas.openxmlformats.org/presentationml/2006/main">
+  <p:cSld>
+    <p:spTree>
+      <p:nvGrpSpPr>
+        <p:cNvPr id="1" name=""/>
+        <p:cNvGrpSpPr/>
+        <p:nvPr/>
+      </p:nvGrpSpPr>
+      <p:grpSpPr>
+        <a:xfrm>
+          <a:off x="0" y="0"/>
+          <a:ext cx="0" cy="0"/>
+          <a:chOff x="0" y="0"/>
+          <a:chExt cx="0" cy="0"/>
+        </a:xfrm>
+      </p:grpSpPr>
+      <p:sp>
+        <p:nvSpPr>
+          <p:cNvPr id="3" name="Espace réservé du contenu 2"/>
+          <p:cNvSpPr>
+            <a:spLocks noGrp="1"/>
+          </p:cNvSpPr>
+          <p:nvPr>
+            <p:ph idx="1"/>
+          </p:nvPr>
+        </p:nvSpPr>
+        <p:spPr>
+          <a:xfrm rot="20784186">
+            <a:off x="822786" y="1293224"/>
+            <a:ext cx="10903131" cy="5726294"/>
+          </a:xfrm>
+        </p:spPr>
+        <p:txBody>
+          <a:bodyPr>
+            <a:normAutofit/>
+          </a:bodyPr>
+          <a:lstStyle/>
+          <a:p>
+            <a:endParaRPr lang="en-US" dirty="0"/>
+          </a:p>
+          <a:p>
+            <a:pPr lvl="1" fontAlgn="base"/>
+            <a:r>
+              <a:rPr lang="fr-FR" dirty="0" smtClean="0"/>
+              <a:t>All the </a:t>
+            </a:r>
+            <a:r>
+              <a:rPr lang="fr-FR" dirty="0" err="1" smtClean="0"/>
+              <a:t>following</a:t>
+            </a:r>
+            <a:r>
+              <a:rPr lang="fr-FR" dirty="0" smtClean="0"/>
+              <a:t> slides are </a:t>
+            </a:r>
+            <a:r>
+              <a:rPr lang="fr-FR" dirty="0" err="1" smtClean="0"/>
+              <a:t>kept</a:t>
+            </a:r>
+            <a:r>
+              <a:rPr lang="fr-FR" dirty="0" smtClean="0"/>
+              <a:t> to </a:t>
+            </a:r>
+            <a:r>
+              <a:rPr lang="fr-FR" dirty="0" err="1" smtClean="0"/>
+              <a:t>keep</a:t>
+            </a:r>
+            <a:r>
+              <a:rPr lang="fr-FR" dirty="0" smtClean="0"/>
+              <a:t> memory of </a:t>
+            </a:r>
+            <a:r>
+              <a:rPr lang="fr-FR" dirty="0" err="1" smtClean="0"/>
+              <a:t>our</a:t>
+            </a:r>
+            <a:r>
+              <a:rPr lang="fr-FR" dirty="0" smtClean="0"/>
+              <a:t> discussions</a:t>
+            </a:r>
+          </a:p>
+          <a:p>
+            <a:pPr lvl="1" fontAlgn="base"/>
+            <a:endParaRPr lang="fr-FR" dirty="0" smtClean="0"/>
+          </a:p>
+          <a:p>
+            <a:pPr lvl="1" fontAlgn="base"/>
+            <a:endParaRPr lang="fr-FR" dirty="0" smtClean="0"/>
+          </a:p>
+          <a:p>
+            <a:pPr lvl="1" fontAlgn="base"/>
+            <a:r>
+              <a:rPr lang="fr-FR" dirty="0" err="1" smtClean="0"/>
+              <a:t>Linear</a:t>
+            </a:r>
+            <a:r>
+              <a:rPr lang="fr-FR" dirty="0" smtClean="0"/>
+              <a:t> </a:t>
+            </a:r>
+            <a:r>
+              <a:rPr lang="fr-FR" dirty="0" err="1" smtClean="0"/>
+              <a:t>referencing</a:t>
+            </a:r>
+            <a:r>
+              <a:rPr lang="fr-FR" dirty="0" smtClean="0"/>
+              <a:t> discussion (and solution) has been </a:t>
+            </a:r>
+            <a:r>
+              <a:rPr lang="fr-FR" dirty="0" err="1" smtClean="0"/>
+              <a:t>framed</a:t>
+            </a:r>
+            <a:r>
+              <a:rPr lang="fr-FR" dirty="0" smtClean="0"/>
+              <a:t> </a:t>
+            </a:r>
+            <a:r>
+              <a:rPr lang="fr-FR" dirty="0" err="1" smtClean="0"/>
+              <a:t>using</a:t>
+            </a:r>
+            <a:r>
+              <a:rPr lang="fr-FR" dirty="0" smtClean="0"/>
+              <a:t> </a:t>
+            </a:r>
+            <a:r>
+              <a:rPr lang="fr-FR" dirty="0" err="1" smtClean="0"/>
+              <a:t>BhML</a:t>
+            </a:r>
+            <a:r>
+              <a:rPr lang="fr-FR" dirty="0" smtClean="0"/>
+              <a:t> </a:t>
+            </a:r>
+            <a:r>
+              <a:rPr lang="fr-FR" dirty="0" err="1" smtClean="0"/>
+              <a:t>flavour</a:t>
+            </a:r>
+            <a:r>
+              <a:rPr lang="fr-FR" dirty="0" smtClean="0"/>
+              <a:t> of ISO 19148. LinearReferencing.pptx </a:t>
+            </a:r>
+            <a:r>
+              <a:rPr lang="fr-FR" dirty="0" err="1" smtClean="0"/>
+              <a:t>can</a:t>
+            </a:r>
+            <a:r>
+              <a:rPr lang="fr-FR" dirty="0" smtClean="0"/>
+              <a:t> </a:t>
+            </a:r>
+            <a:r>
+              <a:rPr lang="fr-FR" dirty="0" err="1" smtClean="0"/>
+              <a:t>is</a:t>
+            </a:r>
+            <a:r>
+              <a:rPr lang="fr-FR" dirty="0" smtClean="0"/>
+              <a:t> </a:t>
+            </a:r>
+            <a:r>
+              <a:rPr lang="fr-FR" dirty="0" err="1" smtClean="0"/>
+              <a:t>here</a:t>
+            </a:r>
+            <a:r>
+              <a:rPr lang="fr-FR" dirty="0" smtClean="0"/>
+              <a:t> to help on the topic</a:t>
+            </a:r>
+            <a:endParaRPr lang="fr-FR" dirty="0"/>
+          </a:p>
+        </p:txBody>
+      </p:sp>
+    </p:spTree>
+    <p:extLst>
+      <p:ext uri="{BB962C8B-B14F-4D97-AF65-F5344CB8AC3E}">
+        <p14:creationId xmlns:p14="http://schemas.microsoft.com/office/powerpoint/2010/main" val="1248315259"/>
+      </p:ext>
+    </p:extLst>
+  </p:cSld>
+  <p:clrMapOvr>
+    <a:masterClrMapping/>
+  </p:clrMapOvr>
+</p:sld>
+</file>
+
+<file path=ppt/slides/slide5.xml><?xml version="1.0" encoding="utf-8"?>
+<p:sld xmlns:a="http://schemas.openxmlformats.org/drawingml/2006/main" xmlns:r="http://schemas.openxmlformats.org/officeDocument/2006/relationships" xmlns:p="http://schemas.openxmlformats.org/presentationml/2006/main">
+  <p:cSld>
+    <p:spTree>
+      <p:nvGrpSpPr>
+        <p:cNvPr id="1" name=""/>
+        <p:cNvGrpSpPr/>
+        <p:nvPr/>
+      </p:nvGrpSpPr>
+      <p:grpSpPr>
+        <a:xfrm>
+          <a:off x="0" y="0"/>
+          <a:ext cx="0" cy="0"/>
+          <a:chOff x="0" y="0"/>
+          <a:chExt cx="0" cy="0"/>
+        </a:xfrm>
+      </p:grpSpPr>
+      <p:cxnSp>
+        <p:nvCxnSpPr>
+          <p:cNvPr id="6" name="Connecteur en arc 5"/>
+          <p:cNvCxnSpPr/>
+          <p:nvPr/>
+        </p:nvCxnSpPr>
+        <p:spPr>
+          <a:xfrm rot="16200000" flipH="1">
+            <a:off x="2396490" y="2099583"/>
+            <a:ext cx="4319587" cy="2881312"/>
+          </a:xfrm>
+          <a:prstGeom prst="curvedConnector3">
+            <a:avLst>
+              <a:gd name="adj1" fmla="val 50672"/>
+            </a:avLst>
+          </a:prstGeom>
+          <a:ln>
+            <a:prstDash val="sysDash"/>
+            <a:tailEnd type="none"/>
+          </a:ln>
+        </p:spPr>
+        <p:style>
+          <a:lnRef idx="1">
+            <a:schemeClr val="accent1"/>
+          </a:lnRef>
+          <a:fillRef idx="0">
+            <a:schemeClr val="accent1"/>
+          </a:fillRef>
+          <a:effectRef idx="0">
+            <a:schemeClr val="accent1"/>
+          </a:effectRef>
+          <a:fontRef idx="minor">
+            <a:schemeClr val="tx1"/>
+          </a:fontRef>
+        </p:style>
+      </p:cxnSp>
+      <p:pic>
+        <p:nvPicPr>
+          <p:cNvPr id="7" name="Picture 3" descr="C:\Users\J0024289\AppData\Local\Microsoft\Windows\Temporary Internet Files\Content.IE5\9CB43T9Y\MC900287267[1].wmf"/>
+          <p:cNvPicPr>
+            <a:picLocks noChangeAspect="1" noChangeArrowheads="1"/>
+          </p:cNvPicPr>
+          <p:nvPr/>
+        </p:nvPicPr>
+        <p:blipFill>
+          <a:blip r:embed="rId2"/>
+          <a:srcRect/>
+          <a:stretch>
+            <a:fillRect/>
+          </a:stretch>
+        </p:blipFill>
+        <p:spPr bwMode="auto">
+          <a:xfrm>
+            <a:off x="2683828" y="659720"/>
+            <a:ext cx="765175" cy="928687"/>
+          </a:xfrm>
+          <a:prstGeom prst="rect">
+            <a:avLst/>
+          </a:prstGeom>
+          <a:noFill/>
+          <a:ln w="9525">
+            <a:noFill/>
+            <a:miter lim="800000"/>
+            <a:headEnd/>
+            <a:tailEnd/>
+          </a:ln>
+        </p:spPr>
+      </p:pic>
+      <p:pic>
+        <p:nvPicPr>
+          <p:cNvPr id="8" name="Picture 4" descr="C:\Users\J0024289\AppData\Local\Microsoft\Windows\Temporary Internet Files\Content.IE5\SR7I29VP\MC900280797[1].wmf"/>
+          <p:cNvPicPr>
+            <a:picLocks noChangeAspect="1" noChangeArrowheads="1"/>
+          </p:cNvPicPr>
+          <p:nvPr/>
+        </p:nvPicPr>
+        <p:blipFill>
+          <a:blip r:embed="rId3"/>
+          <a:srcRect/>
+          <a:stretch>
+            <a:fillRect/>
+          </a:stretch>
+        </p:blipFill>
+        <p:spPr bwMode="auto">
+          <a:xfrm>
+            <a:off x="2323465" y="227920"/>
+            <a:ext cx="1312863" cy="1425575"/>
+          </a:xfrm>
+          <a:prstGeom prst="rect">
+            <a:avLst/>
+          </a:prstGeom>
+          <a:noFill/>
+          <a:ln w="9525">
+            <a:noFill/>
+            <a:miter lim="800000"/>
+            <a:headEnd/>
+            <a:tailEnd/>
+          </a:ln>
+        </p:spPr>
+      </p:pic>
+      <p:cxnSp>
+        <p:nvCxnSpPr>
+          <p:cNvPr id="9" name="Connecteur droit 8"/>
+          <p:cNvCxnSpPr/>
+          <p:nvPr/>
+        </p:nvCxnSpPr>
+        <p:spPr>
+          <a:xfrm flipV="1">
+            <a:off x="3260090" y="2531382"/>
+            <a:ext cx="288925" cy="144463"/>
+          </a:xfrm>
+          <a:prstGeom prst="line">
+            <a:avLst/>
+          </a:prstGeom>
+        </p:spPr>
+        <p:style>
+          <a:lnRef idx="1">
+            <a:schemeClr val="accent1"/>
+          </a:lnRef>
+          <a:fillRef idx="0">
+            <a:schemeClr val="accent1"/>
+          </a:fillRef>
+          <a:effectRef idx="0">
+            <a:schemeClr val="accent1"/>
+          </a:effectRef>
+          <a:fontRef idx="minor">
+            <a:schemeClr val="tx1"/>
+          </a:fontRef>
+        </p:style>
+      </p:cxnSp>
+      <p:cxnSp>
+        <p:nvCxnSpPr>
+          <p:cNvPr id="10" name="Connecteur droit 9"/>
+          <p:cNvCxnSpPr/>
+          <p:nvPr/>
+        </p:nvCxnSpPr>
+        <p:spPr>
+          <a:xfrm flipV="1">
+            <a:off x="3404553" y="2675845"/>
+            <a:ext cx="215900" cy="144462"/>
+          </a:xfrm>
+          <a:prstGeom prst="line">
+            <a:avLst/>
+          </a:prstGeom>
+        </p:spPr>
+        <p:style>
+          <a:lnRef idx="1">
+            <a:schemeClr val="accent1"/>
+          </a:lnRef>
+          <a:fillRef idx="0">
+            <a:schemeClr val="accent1"/>
+          </a:fillRef>
+          <a:effectRef idx="0">
+            <a:schemeClr val="accent1"/>
+          </a:effectRef>
+          <a:fontRef idx="minor">
+            <a:schemeClr val="tx1"/>
+          </a:fontRef>
+        </p:style>
+      </p:cxnSp>
+      <p:cxnSp>
+        <p:nvCxnSpPr>
+          <p:cNvPr id="11" name="Connecteur droit 10"/>
+          <p:cNvCxnSpPr/>
+          <p:nvPr/>
+        </p:nvCxnSpPr>
+        <p:spPr>
+          <a:xfrm flipV="1">
+            <a:off x="3475990" y="2820307"/>
+            <a:ext cx="288925" cy="160338"/>
+          </a:xfrm>
+          <a:prstGeom prst="line">
+            <a:avLst/>
+          </a:prstGeom>
+        </p:spPr>
+        <p:style>
+          <a:lnRef idx="1">
+            <a:schemeClr val="accent1"/>
+          </a:lnRef>
+          <a:fillRef idx="0">
+            <a:schemeClr val="accent1"/>
+          </a:fillRef>
+          <a:effectRef idx="0">
+            <a:schemeClr val="accent1"/>
+          </a:effectRef>
+          <a:fontRef idx="minor">
+            <a:schemeClr val="tx1"/>
+          </a:fontRef>
+        </p:style>
+      </p:cxnSp>
+      <p:cxnSp>
+        <p:nvCxnSpPr>
+          <p:cNvPr id="12" name="Connecteur droit 11"/>
+          <p:cNvCxnSpPr/>
+          <p:nvPr/>
+        </p:nvCxnSpPr>
+        <p:spPr>
+          <a:xfrm flipV="1">
+            <a:off x="3620453" y="2964770"/>
+            <a:ext cx="287337" cy="168275"/>
+          </a:xfrm>
+          <a:prstGeom prst="line">
+            <a:avLst/>
+          </a:prstGeom>
+        </p:spPr>
+        <p:style>
+          <a:lnRef idx="1">
+            <a:schemeClr val="accent1"/>
+          </a:lnRef>
+          <a:fillRef idx="0">
+            <a:schemeClr val="accent1"/>
+          </a:fillRef>
+          <a:effectRef idx="0">
+            <a:schemeClr val="accent1"/>
+          </a:effectRef>
+          <a:fontRef idx="minor">
+            <a:schemeClr val="tx1"/>
+          </a:fontRef>
+        </p:style>
+      </p:cxnSp>
+      <p:cxnSp>
+        <p:nvCxnSpPr>
+          <p:cNvPr id="13" name="Connecteur droit 12"/>
+          <p:cNvCxnSpPr/>
+          <p:nvPr/>
+        </p:nvCxnSpPr>
+        <p:spPr>
+          <a:xfrm flipV="1">
+            <a:off x="3764915" y="3180670"/>
+            <a:ext cx="287338" cy="142875"/>
+          </a:xfrm>
+          <a:prstGeom prst="line">
+            <a:avLst/>
+          </a:prstGeom>
+        </p:spPr>
+        <p:style>
+          <a:lnRef idx="1">
+            <a:schemeClr val="accent1"/>
+          </a:lnRef>
+          <a:fillRef idx="0">
+            <a:schemeClr val="accent1"/>
+          </a:fillRef>
+          <a:effectRef idx="0">
+            <a:schemeClr val="accent1"/>
+          </a:effectRef>
+          <a:fontRef idx="minor">
+            <a:schemeClr val="tx1"/>
+          </a:fontRef>
+        </p:style>
+      </p:cxnSp>
+      <p:cxnSp>
+        <p:nvCxnSpPr>
+          <p:cNvPr id="14" name="Connecteur droit 13"/>
+          <p:cNvCxnSpPr/>
+          <p:nvPr/>
+        </p:nvCxnSpPr>
+        <p:spPr>
+          <a:xfrm flipV="1">
+            <a:off x="3980815" y="3252107"/>
+            <a:ext cx="215900" cy="215900"/>
+          </a:xfrm>
+          <a:prstGeom prst="line">
+            <a:avLst/>
+          </a:prstGeom>
+        </p:spPr>
+        <p:style>
+          <a:lnRef idx="1">
+            <a:schemeClr val="accent1"/>
+          </a:lnRef>
+          <a:fillRef idx="0">
+            <a:schemeClr val="accent1"/>
+          </a:fillRef>
+          <a:effectRef idx="0">
+            <a:schemeClr val="accent1"/>
+          </a:effectRef>
+          <a:fontRef idx="minor">
+            <a:schemeClr val="tx1"/>
+          </a:fontRef>
+        </p:style>
+      </p:cxnSp>
+      <p:cxnSp>
+        <p:nvCxnSpPr>
+          <p:cNvPr id="15" name="Connecteur droit 14"/>
+          <p:cNvCxnSpPr/>
+          <p:nvPr/>
+        </p:nvCxnSpPr>
+        <p:spPr>
+          <a:xfrm flipV="1">
+            <a:off x="4268153" y="3396570"/>
+            <a:ext cx="144462" cy="215900"/>
+          </a:xfrm>
+          <a:prstGeom prst="line">
+            <a:avLst/>
+          </a:prstGeom>
+        </p:spPr>
+        <p:style>
+          <a:lnRef idx="1">
+            <a:schemeClr val="accent1"/>
+          </a:lnRef>
+          <a:fillRef idx="0">
+            <a:schemeClr val="accent1"/>
+          </a:fillRef>
+          <a:effectRef idx="0">
+            <a:schemeClr val="accent1"/>
+          </a:effectRef>
+          <a:fontRef idx="minor">
+            <a:schemeClr val="tx1"/>
+          </a:fontRef>
+        </p:style>
+      </p:cxnSp>
+      <p:cxnSp>
+        <p:nvCxnSpPr>
+          <p:cNvPr id="16" name="Connecteur droit 15"/>
+          <p:cNvCxnSpPr/>
+          <p:nvPr/>
+        </p:nvCxnSpPr>
+        <p:spPr>
+          <a:xfrm flipV="1">
+            <a:off x="4628515" y="3480707"/>
+            <a:ext cx="144463" cy="274638"/>
+          </a:xfrm>
+          <a:prstGeom prst="line">
+            <a:avLst/>
+          </a:prstGeom>
+        </p:spPr>
+        <p:style>
+          <a:lnRef idx="1">
+            <a:schemeClr val="accent1"/>
+          </a:lnRef>
+          <a:fillRef idx="0">
+            <a:schemeClr val="accent1"/>
+          </a:fillRef>
+          <a:effectRef idx="0">
+            <a:schemeClr val="accent1"/>
+          </a:effectRef>
+          <a:fontRef idx="minor">
+            <a:schemeClr val="tx1"/>
+          </a:fontRef>
+        </p:style>
+      </p:cxnSp>
+      <p:cxnSp>
+        <p:nvCxnSpPr>
+          <p:cNvPr id="17" name="Connecteur droit 16"/>
+          <p:cNvCxnSpPr/>
+          <p:nvPr/>
+        </p:nvCxnSpPr>
+        <p:spPr>
+          <a:xfrm flipV="1">
+            <a:off x="4844415" y="3539445"/>
+            <a:ext cx="144463" cy="215900"/>
+          </a:xfrm>
+          <a:prstGeom prst="line">
+            <a:avLst/>
+          </a:prstGeom>
+        </p:spPr>
+        <p:style>
+          <a:lnRef idx="1">
+            <a:schemeClr val="accent1"/>
+          </a:lnRef>
+          <a:fillRef idx="0">
+            <a:schemeClr val="accent1"/>
+          </a:fillRef>
+          <a:effectRef idx="0">
+            <a:schemeClr val="accent1"/>
+          </a:effectRef>
+          <a:fontRef idx="minor">
+            <a:schemeClr val="tx1"/>
+          </a:fontRef>
+        </p:style>
+      </p:cxnSp>
+      <p:cxnSp>
+        <p:nvCxnSpPr>
+          <p:cNvPr id="18" name="Connecteur droit 17"/>
+          <p:cNvCxnSpPr/>
+          <p:nvPr/>
+        </p:nvCxnSpPr>
+        <p:spPr>
+          <a:xfrm flipV="1">
+            <a:off x="4988878" y="3683907"/>
+            <a:ext cx="215900" cy="144463"/>
+          </a:xfrm>
+          <a:prstGeom prst="line">
+            <a:avLst/>
+          </a:prstGeom>
+        </p:spPr>
+        <p:style>
+          <a:lnRef idx="1">
+            <a:schemeClr val="accent1"/>
+          </a:lnRef>
+          <a:fillRef idx="0">
+            <a:schemeClr val="accent1"/>
+          </a:fillRef>
+          <a:effectRef idx="0">
+            <a:schemeClr val="accent1"/>
+          </a:effectRef>
+          <a:fontRef idx="minor">
+            <a:schemeClr val="tx1"/>
+          </a:fontRef>
+        </p:style>
+      </p:cxnSp>
+      <p:cxnSp>
+        <p:nvCxnSpPr>
+          <p:cNvPr id="19" name="Connecteur droit 18"/>
+          <p:cNvCxnSpPr/>
+          <p:nvPr/>
+        </p:nvCxnSpPr>
+        <p:spPr>
+          <a:xfrm flipV="1">
+            <a:off x="5131753" y="3755345"/>
+            <a:ext cx="288925" cy="217487"/>
+          </a:xfrm>
+          <a:prstGeom prst="line">
+            <a:avLst/>
+          </a:prstGeom>
+        </p:spPr>
+        <p:style>
+          <a:lnRef idx="1">
+            <a:schemeClr val="accent1"/>
+          </a:lnRef>
+          <a:fillRef idx="0">
+            <a:schemeClr val="accent1"/>
+          </a:fillRef>
+          <a:effectRef idx="0">
+            <a:schemeClr val="accent1"/>
+          </a:effectRef>
+          <a:fontRef idx="minor">
+            <a:schemeClr val="tx1"/>
+          </a:fontRef>
+        </p:style>
+      </p:cxnSp>
+      <p:cxnSp>
+        <p:nvCxnSpPr>
+          <p:cNvPr id="20" name="Connecteur droit 19"/>
+          <p:cNvCxnSpPr/>
+          <p:nvPr/>
+        </p:nvCxnSpPr>
+        <p:spPr>
+          <a:xfrm flipV="1">
+            <a:off x="5276215" y="3972832"/>
+            <a:ext cx="215900" cy="142875"/>
+          </a:xfrm>
+          <a:prstGeom prst="line">
+            <a:avLst/>
+          </a:prstGeom>
+        </p:spPr>
+        <p:style>
+          <a:lnRef idx="1">
+            <a:schemeClr val="accent1"/>
+          </a:lnRef>
+          <a:fillRef idx="0">
+            <a:schemeClr val="accent1"/>
+          </a:fillRef>
+          <a:effectRef idx="0">
+            <a:schemeClr val="accent1"/>
+          </a:effectRef>
+          <a:fontRef idx="minor">
+            <a:schemeClr val="tx1"/>
+          </a:fontRef>
+        </p:style>
+      </p:cxnSp>
+      <p:cxnSp>
+        <p:nvCxnSpPr>
+          <p:cNvPr id="21" name="Connecteur droit 20"/>
+          <p:cNvCxnSpPr/>
+          <p:nvPr/>
+        </p:nvCxnSpPr>
+        <p:spPr>
+          <a:xfrm flipV="1">
+            <a:off x="5420678" y="4115707"/>
+            <a:ext cx="215900" cy="144463"/>
+          </a:xfrm>
+          <a:prstGeom prst="line">
+            <a:avLst/>
+          </a:prstGeom>
+        </p:spPr>
+        <p:style>
+          <a:lnRef idx="1">
+            <a:schemeClr val="accent1"/>
+          </a:lnRef>
+          <a:fillRef idx="0">
+            <a:schemeClr val="accent1"/>
+          </a:fillRef>
+          <a:effectRef idx="0">
+            <a:schemeClr val="accent1"/>
+          </a:effectRef>
+          <a:fontRef idx="minor">
+            <a:schemeClr val="tx1"/>
+          </a:fontRef>
+        </p:style>
+      </p:cxnSp>
+      <p:cxnSp>
+        <p:nvCxnSpPr>
+          <p:cNvPr id="22" name="Connecteur droit 21"/>
+          <p:cNvCxnSpPr/>
+          <p:nvPr/>
+        </p:nvCxnSpPr>
+        <p:spPr>
+          <a:xfrm flipV="1">
+            <a:off x="5492115" y="4331607"/>
+            <a:ext cx="288925" cy="144463"/>
+          </a:xfrm>
+          <a:prstGeom prst="line">
+            <a:avLst/>
+          </a:prstGeom>
+        </p:spPr>
+        <p:style>
+          <a:lnRef idx="1">
+            <a:schemeClr val="accent1"/>
+          </a:lnRef>
+          <a:fillRef idx="0">
+            <a:schemeClr val="accent1"/>
+          </a:fillRef>
+          <a:effectRef idx="0">
+            <a:schemeClr val="accent1"/>
+          </a:effectRef>
+          <a:fontRef idx="minor">
+            <a:schemeClr val="tx1"/>
+          </a:fontRef>
+        </p:style>
+      </p:cxnSp>
+      <p:cxnSp>
+        <p:nvCxnSpPr>
+          <p:cNvPr id="23" name="Connecteur droit 22"/>
+          <p:cNvCxnSpPr/>
+          <p:nvPr/>
+        </p:nvCxnSpPr>
+        <p:spPr>
+          <a:xfrm flipV="1">
+            <a:off x="5636578" y="4547507"/>
+            <a:ext cx="287337" cy="73025"/>
+          </a:xfrm>
+          <a:prstGeom prst="line">
+            <a:avLst/>
+          </a:prstGeom>
+        </p:spPr>
+        <p:style>
+          <a:lnRef idx="1">
+            <a:schemeClr val="accent1"/>
+          </a:lnRef>
+          <a:fillRef idx="0">
+            <a:schemeClr val="accent1"/>
+          </a:fillRef>
+          <a:effectRef idx="0">
+            <a:schemeClr val="accent1"/>
+          </a:effectRef>
+          <a:fontRef idx="minor">
+            <a:schemeClr val="tx1"/>
+          </a:fontRef>
+        </p:style>
+      </p:cxnSp>
+      <p:cxnSp>
+        <p:nvCxnSpPr>
+          <p:cNvPr id="24" name="Connecteur droit 23"/>
+          <p:cNvCxnSpPr/>
+          <p:nvPr/>
+        </p:nvCxnSpPr>
+        <p:spPr>
+          <a:xfrm flipV="1">
+            <a:off x="5708015" y="4764995"/>
+            <a:ext cx="215900" cy="71437"/>
+          </a:xfrm>
+          <a:prstGeom prst="line">
+            <a:avLst/>
+          </a:prstGeom>
+        </p:spPr>
+        <p:style>
+          <a:lnRef idx="1">
+            <a:schemeClr val="accent1"/>
+          </a:lnRef>
+          <a:fillRef idx="0">
+            <a:schemeClr val="accent1"/>
+          </a:fillRef>
+          <a:effectRef idx="0">
+            <a:schemeClr val="accent1"/>
+          </a:effectRef>
+          <a:fontRef idx="minor">
+            <a:schemeClr val="tx1"/>
+          </a:fontRef>
+        </p:style>
+      </p:cxnSp>
+      <p:cxnSp>
+        <p:nvCxnSpPr>
+          <p:cNvPr id="25" name="Connecteur droit 24"/>
+          <p:cNvCxnSpPr/>
+          <p:nvPr/>
+        </p:nvCxnSpPr>
+        <p:spPr>
+          <a:xfrm flipV="1">
+            <a:off x="5781040" y="4980895"/>
+            <a:ext cx="287338" cy="71437"/>
+          </a:xfrm>
+          <a:prstGeom prst="line">
+            <a:avLst/>
+          </a:prstGeom>
+        </p:spPr>
+        <p:style>
+          <a:lnRef idx="1">
+            <a:schemeClr val="accent1"/>
+          </a:lnRef>
+          <a:fillRef idx="0">
+            <a:schemeClr val="accent1"/>
+          </a:fillRef>
+          <a:effectRef idx="0">
+            <a:schemeClr val="accent1"/>
+          </a:effectRef>
+          <a:fontRef idx="minor">
+            <a:schemeClr val="tx1"/>
+          </a:fontRef>
+        </p:style>
+      </p:cxnSp>
+      <p:cxnSp>
+        <p:nvCxnSpPr>
+          <p:cNvPr id="26" name="Connecteur droit 25"/>
+          <p:cNvCxnSpPr/>
+          <p:nvPr/>
+        </p:nvCxnSpPr>
+        <p:spPr>
+          <a:xfrm flipV="1">
+            <a:off x="5852478" y="5123770"/>
+            <a:ext cx="287337" cy="73025"/>
+          </a:xfrm>
+          <a:prstGeom prst="line">
+            <a:avLst/>
+          </a:prstGeom>
+        </p:spPr>
+        <p:style>
+          <a:lnRef idx="1">
+            <a:schemeClr val="accent1"/>
+          </a:lnRef>
+          <a:fillRef idx="0">
+            <a:schemeClr val="accent1"/>
+          </a:fillRef>
+          <a:effectRef idx="0">
+            <a:schemeClr val="accent1"/>
+          </a:effectRef>
+          <a:fontRef idx="minor">
+            <a:schemeClr val="tx1"/>
+          </a:fontRef>
+        </p:style>
+      </p:cxnSp>
+      <p:cxnSp>
+        <p:nvCxnSpPr>
+          <p:cNvPr id="27" name="Connecteur droit 26"/>
+          <p:cNvCxnSpPr/>
+          <p:nvPr/>
+        </p:nvCxnSpPr>
+        <p:spPr>
+          <a:xfrm>
+            <a:off x="5852478" y="5412695"/>
+            <a:ext cx="287337" cy="0"/>
+          </a:xfrm>
+          <a:prstGeom prst="line">
+            <a:avLst/>
+          </a:prstGeom>
+        </p:spPr>
+        <p:style>
+          <a:lnRef idx="1">
+            <a:schemeClr val="accent1"/>
+          </a:lnRef>
+          <a:fillRef idx="0">
+            <a:schemeClr val="accent1"/>
+          </a:fillRef>
+          <a:effectRef idx="0">
+            <a:schemeClr val="accent1"/>
+          </a:effectRef>
+          <a:fontRef idx="minor">
+            <a:schemeClr val="tx1"/>
+          </a:fontRef>
+        </p:style>
+      </p:cxnSp>
+      <p:cxnSp>
+        <p:nvCxnSpPr>
+          <p:cNvPr id="28" name="Connecteur droit 27"/>
+          <p:cNvCxnSpPr/>
+          <p:nvPr/>
+        </p:nvCxnSpPr>
+        <p:spPr>
+          <a:xfrm>
+            <a:off x="5852478" y="5555570"/>
+            <a:ext cx="287337" cy="0"/>
+          </a:xfrm>
+          <a:prstGeom prst="line">
+            <a:avLst/>
+          </a:prstGeom>
+        </p:spPr>
+        <p:style>
+          <a:lnRef idx="1">
+            <a:schemeClr val="accent1"/>
+          </a:lnRef>
+          <a:fillRef idx="0">
+            <a:schemeClr val="accent1"/>
+          </a:fillRef>
+          <a:effectRef idx="0">
+            <a:schemeClr val="accent1"/>
+          </a:effectRef>
+          <a:fontRef idx="minor">
+            <a:schemeClr val="tx1"/>
+          </a:fontRef>
+        </p:style>
+      </p:cxnSp>
+      <p:cxnSp>
+        <p:nvCxnSpPr>
+          <p:cNvPr id="29" name="Connecteur droit 28"/>
+          <p:cNvCxnSpPr/>
+          <p:nvPr/>
+        </p:nvCxnSpPr>
+        <p:spPr>
+          <a:xfrm>
+            <a:off x="5852478" y="5700032"/>
+            <a:ext cx="287337" cy="0"/>
+          </a:xfrm>
+          <a:prstGeom prst="line">
+            <a:avLst/>
+          </a:prstGeom>
+        </p:spPr>
+        <p:style>
+          <a:lnRef idx="1">
+            <a:schemeClr val="accent1"/>
+          </a:lnRef>
+          <a:fillRef idx="0">
+            <a:schemeClr val="accent1"/>
+          </a:fillRef>
+          <a:effectRef idx="0">
+            <a:schemeClr val="accent1"/>
+          </a:effectRef>
+          <a:fontRef idx="minor">
+            <a:schemeClr val="tx1"/>
+          </a:fontRef>
+        </p:style>
+      </p:cxnSp>
+      <p:cxnSp>
+        <p:nvCxnSpPr>
+          <p:cNvPr id="30" name="Connecteur droit 29"/>
+          <p:cNvCxnSpPr/>
+          <p:nvPr/>
+        </p:nvCxnSpPr>
+        <p:spPr>
+          <a:xfrm flipV="1">
+            <a:off x="4412615" y="3468007"/>
+            <a:ext cx="144463" cy="215900"/>
+          </a:xfrm>
+          <a:prstGeom prst="line">
+            <a:avLst/>
+          </a:prstGeom>
+        </p:spPr>
+        <p:style>
+          <a:lnRef idx="1">
+            <a:schemeClr val="accent1"/>
+          </a:lnRef>
+          <a:fillRef idx="0">
+            <a:schemeClr val="accent1"/>
+          </a:fillRef>
+          <a:effectRef idx="0">
+            <a:schemeClr val="accent1"/>
+          </a:effectRef>
+          <a:fontRef idx="minor">
+            <a:schemeClr val="tx1"/>
+          </a:fontRef>
+        </p:style>
+      </p:cxnSp>
+      <p:sp>
+        <p:nvSpPr>
+          <p:cNvPr id="31" name="Rectangle à coins arrondis 30"/>
+          <p:cNvSpPr/>
+          <p:nvPr/>
+        </p:nvSpPr>
+        <p:spPr>
+          <a:xfrm>
+            <a:off x="3799023" y="358276"/>
+            <a:ext cx="1201783" cy="515982"/>
+          </a:xfrm>
+          <a:prstGeom prst="roundRect">
+            <a:avLst/>
+          </a:prstGeom>
+          <a:solidFill>
+            <a:schemeClr val="tx1">
+              <a:lumMod val="75000"/>
+              <a:lumOff val="25000"/>
+            </a:schemeClr>
+          </a:solidFill>
+        </p:spPr>
+        <p:style>
+          <a:lnRef idx="2">
+            <a:schemeClr val="accent1">
+              <a:shade val="50000"/>
+            </a:schemeClr>
+          </a:lnRef>
+          <a:fillRef idx="1">
+            <a:schemeClr val="accent1"/>
+          </a:fillRef>
+          <a:effectRef idx="0">
+            <a:schemeClr val="accent1"/>
+          </a:effectRef>
+          <a:fontRef idx="minor">
+            <a:schemeClr val="lt1"/>
+          </a:fontRef>
+        </p:style>
+        <p:txBody>
+          <a:bodyPr rtlCol="0" anchor="ctr"/>
+          <a:lstStyle/>
+          <a:p>
+            <a:pPr algn="ctr"/>
+            <a:r>
+              <a:rPr lang="fr-FR" sz="1400" dirty="0" err="1" smtClean="0"/>
+              <a:t>Borehole</a:t>
+            </a:r>
+            <a:endParaRPr lang="fr-FR" sz="1400" dirty="0"/>
+          </a:p>
+        </p:txBody>
+      </p:sp>
+      <p:sp>
+        <p:nvSpPr>
+          <p:cNvPr id="32" name="Rectangle à coins arrondis 31"/>
+          <p:cNvSpPr/>
+          <p:nvPr/>
+        </p:nvSpPr>
+        <p:spPr>
+          <a:xfrm>
+            <a:off x="4052253" y="728329"/>
+            <a:ext cx="1201783" cy="515982"/>
+          </a:xfrm>
+          <a:prstGeom prst="roundRect">
+            <a:avLst/>
+          </a:prstGeom>
+          <a:solidFill>
+            <a:schemeClr val="tx1">
+              <a:lumMod val="75000"/>
+              <a:lumOff val="25000"/>
+            </a:schemeClr>
+          </a:solidFill>
+        </p:spPr>
+        <p:style>
+          <a:lnRef idx="2">
+            <a:schemeClr val="accent1">
+              <a:shade val="50000"/>
+            </a:schemeClr>
+          </a:lnRef>
+          <a:fillRef idx="1">
+            <a:schemeClr val="accent1"/>
+          </a:fillRef>
+          <a:effectRef idx="0">
+            <a:schemeClr val="accent1"/>
+          </a:effectRef>
+          <a:fontRef idx="minor">
+            <a:schemeClr val="lt1"/>
+          </a:fontRef>
+        </p:style>
+        <p:txBody>
+          <a:bodyPr rtlCol="0" anchor="ctr"/>
+          <a:lstStyle/>
+          <a:p>
+            <a:pPr algn="ctr"/>
+            <a:r>
+              <a:rPr lang="fr-FR" sz="1400" dirty="0" err="1" smtClean="0"/>
+              <a:t>Well</a:t>
+            </a:r>
+            <a:endParaRPr lang="fr-FR" sz="1400" dirty="0"/>
+          </a:p>
+        </p:txBody>
+      </p:sp>
+      <p:sp>
+        <p:nvSpPr>
+          <p:cNvPr id="33" name="ZoneTexte 32"/>
+          <p:cNvSpPr txBox="1"/>
+          <p:nvPr/>
+        </p:nvSpPr>
+        <p:spPr>
+          <a:xfrm>
+            <a:off x="5000806" y="510267"/>
+            <a:ext cx="3252630" cy="369332"/>
+          </a:xfrm>
+          <a:prstGeom prst="rect">
+            <a:avLst/>
+          </a:prstGeom>
+          <a:noFill/>
+        </p:spPr>
+        <p:txBody>
+          <a:bodyPr wrap="square" rtlCol="0">
+            <a:spAutoFit/>
+          </a:bodyPr>
+          <a:lstStyle/>
+          <a:p>
+            <a:r>
+              <a:rPr lang="fr-FR" dirty="0" err="1" smtClean="0"/>
+              <a:t>Needs</a:t>
+            </a:r>
+            <a:r>
+              <a:rPr lang="fr-FR" dirty="0" smtClean="0"/>
+              <a:t> </a:t>
+            </a:r>
+            <a:r>
+              <a:rPr lang="fr-FR" dirty="0" err="1" smtClean="0"/>
+              <a:t>disambiguation</a:t>
+            </a:r>
+            <a:endParaRPr lang="fr-FR" dirty="0"/>
+          </a:p>
+        </p:txBody>
+      </p:sp>
+      <p:cxnSp>
+        <p:nvCxnSpPr>
+          <p:cNvPr id="35" name="Connecteur droit 34"/>
+          <p:cNvCxnSpPr/>
+          <p:nvPr/>
+        </p:nvCxnSpPr>
+        <p:spPr>
+          <a:xfrm flipV="1">
+            <a:off x="545636" y="1568905"/>
+            <a:ext cx="10756557" cy="93239"/>
+          </a:xfrm>
+          <a:prstGeom prst="line">
+            <a:avLst/>
+          </a:prstGeom>
+        </p:spPr>
+        <p:style>
+          <a:lnRef idx="1">
+            <a:schemeClr val="accent1"/>
+          </a:lnRef>
+          <a:fillRef idx="0">
+            <a:schemeClr val="accent1"/>
+          </a:fillRef>
+          <a:effectRef idx="0">
+            <a:schemeClr val="accent1"/>
+          </a:effectRef>
+          <a:fontRef idx="minor">
+            <a:schemeClr val="tx1"/>
+          </a:fontRef>
+        </p:style>
+      </p:cxnSp>
+      <p:sp>
+        <p:nvSpPr>
+          <p:cNvPr id="37" name="Rectangle à coins arrondis 36"/>
+          <p:cNvSpPr/>
+          <p:nvPr/>
+        </p:nvSpPr>
+        <p:spPr>
+          <a:xfrm>
+            <a:off x="5245010" y="3318130"/>
+            <a:ext cx="1628093" cy="325153"/>
+          </a:xfrm>
+          <a:prstGeom prst="roundRect">
+            <a:avLst/>
+          </a:prstGeom>
+          <a:solidFill>
+            <a:schemeClr val="accent2">
+              <a:lumMod val="60000"/>
+              <a:lumOff val="40000"/>
+            </a:schemeClr>
+          </a:solidFill>
+        </p:spPr>
+        <p:style>
+          <a:lnRef idx="2">
+            <a:schemeClr val="accent1">
+              <a:shade val="50000"/>
+            </a:schemeClr>
+          </a:lnRef>
+          <a:fillRef idx="1">
+            <a:schemeClr val="accent1"/>
+          </a:fillRef>
+          <a:effectRef idx="0">
+            <a:schemeClr val="accent1"/>
+          </a:effectRef>
+          <a:fontRef idx="minor">
+            <a:schemeClr val="lt1"/>
+          </a:fontRef>
+        </p:style>
+        <p:txBody>
+          <a:bodyPr rtlCol="0" anchor="ctr"/>
+          <a:lstStyle/>
+          <a:p>
+            <a:pPr algn="ctr"/>
+            <a:r>
+              <a:rPr lang="fr-FR" sz="1400" dirty="0" err="1" smtClean="0"/>
+              <a:t>BoreholeTrajectory</a:t>
+            </a:r>
+            <a:endParaRPr lang="fr-FR" sz="1400" dirty="0"/>
+          </a:p>
+        </p:txBody>
+      </p:sp>
+      <p:pic>
+        <p:nvPicPr>
+          <p:cNvPr id="47" name="Image 46"/>
+          <p:cNvPicPr>
+            <a:picLocks noChangeAspect="1"/>
+          </p:cNvPicPr>
+          <p:nvPr/>
+        </p:nvPicPr>
+        <p:blipFill>
+          <a:blip r:embed="rId4"/>
+          <a:stretch>
+            <a:fillRect/>
+          </a:stretch>
+        </p:blipFill>
+        <p:spPr>
+          <a:xfrm>
+            <a:off x="9249591" y="2251938"/>
+            <a:ext cx="1359795" cy="2944857"/>
+          </a:xfrm>
+          <a:prstGeom prst="rect">
+            <a:avLst/>
+          </a:prstGeom>
+        </p:spPr>
+      </p:pic>
+      <p:cxnSp>
+        <p:nvCxnSpPr>
+          <p:cNvPr id="48" name="Straight Connector 48"/>
+          <p:cNvCxnSpPr/>
+          <p:nvPr/>
+        </p:nvCxnSpPr>
+        <p:spPr>
+          <a:xfrm flipV="1">
+            <a:off x="6947263" y="3480707"/>
+            <a:ext cx="2177143" cy="19594"/>
+          </a:xfrm>
+          <a:prstGeom prst="line">
+            <a:avLst/>
+          </a:prstGeom>
+          <a:ln w="28575">
+            <a:solidFill>
+              <a:schemeClr val="tx1">
+                <a:lumMod val="95000"/>
+                <a:lumOff val="5000"/>
+              </a:schemeClr>
+            </a:solidFill>
+            <a:prstDash val="sysDash"/>
+            <a:headEnd type="arrow" w="med" len="med"/>
+            <a:tailEnd type="none" w="med" len="med"/>
+          </a:ln>
+          <a:effectLst>
+            <a:outerShdw blurRad="50800" dist="38100" dir="8100000" algn="tr" rotWithShape="0">
+              <a:prstClr val="black">
+                <a:alpha val="40000"/>
+              </a:prstClr>
+            </a:outerShdw>
+          </a:effectLst>
+        </p:spPr>
+        <p:style>
+          <a:lnRef idx="1">
+            <a:schemeClr val="accent1"/>
+          </a:lnRef>
+          <a:fillRef idx="0">
+            <a:schemeClr val="accent1"/>
+          </a:fillRef>
+          <a:effectRef idx="0">
+            <a:schemeClr val="accent1"/>
+          </a:effectRef>
+          <a:fontRef idx="minor">
+            <a:schemeClr val="tx1"/>
+          </a:fontRef>
+        </p:style>
+      </p:cxnSp>
+      <p:sp>
+        <p:nvSpPr>
+          <p:cNvPr id="50" name="ZoneTexte 49"/>
+          <p:cNvSpPr txBox="1"/>
+          <p:nvPr/>
+        </p:nvSpPr>
+        <p:spPr>
+          <a:xfrm>
+            <a:off x="7017471" y="3180670"/>
+            <a:ext cx="1089978" cy="369332"/>
+          </a:xfrm>
+          <a:prstGeom prst="rect">
+            <a:avLst/>
+          </a:prstGeom>
+          <a:noFill/>
+        </p:spPr>
+        <p:txBody>
+          <a:bodyPr wrap="none" rtlCol="0">
+            <a:spAutoFit/>
+          </a:bodyPr>
+          <a:lstStyle/>
+          <a:p>
+            <a:r>
+              <a:rPr lang="fr-FR" dirty="0" err="1" smtClean="0"/>
+              <a:t>geometry</a:t>
+            </a:r>
+            <a:endParaRPr lang="fr-FR" dirty="0" smtClean="0"/>
+          </a:p>
+        </p:txBody>
+      </p:sp>
+      <p:sp>
+        <p:nvSpPr>
+          <p:cNvPr id="36" name="ZoneTexte 35"/>
+          <p:cNvSpPr txBox="1"/>
+          <p:nvPr/>
+        </p:nvSpPr>
+        <p:spPr>
+          <a:xfrm>
+            <a:off x="9249591" y="1703639"/>
+            <a:ext cx="3252630" cy="646331"/>
+          </a:xfrm>
+          <a:prstGeom prst="rect">
+            <a:avLst/>
+          </a:prstGeom>
+          <a:noFill/>
+        </p:spPr>
+        <p:txBody>
+          <a:bodyPr wrap="square" rtlCol="0">
+            <a:spAutoFit/>
+          </a:bodyPr>
+          <a:lstStyle/>
+          <a:p>
+            <a:r>
+              <a:rPr lang="fr-FR" dirty="0" smtClean="0"/>
+              <a:t>« Baseline » </a:t>
+            </a:r>
+            <a:r>
+              <a:rPr lang="fr-FR" dirty="0" err="1" smtClean="0"/>
+              <a:t>is</a:t>
+            </a:r>
+            <a:r>
+              <a:rPr lang="fr-FR" dirty="0" smtClean="0"/>
+              <a:t> a </a:t>
+            </a:r>
+          </a:p>
+          <a:p>
+            <a:r>
+              <a:rPr lang="fr-FR" dirty="0" err="1" smtClean="0"/>
+              <a:t>temporary</a:t>
+            </a:r>
+            <a:r>
+              <a:rPr lang="fr-FR" dirty="0" smtClean="0"/>
+              <a:t> </a:t>
+            </a:r>
+            <a:r>
+              <a:rPr lang="fr-FR" dirty="0" err="1" smtClean="0"/>
+              <a:t>word</a:t>
+            </a:r>
+            <a:endParaRPr lang="fr-FR" dirty="0"/>
+          </a:p>
+        </p:txBody>
+      </p:sp>
+      <p:sp>
+        <p:nvSpPr>
+          <p:cNvPr id="38" name="ZoneTexte 37"/>
+          <p:cNvSpPr txBox="1"/>
+          <p:nvPr/>
+        </p:nvSpPr>
+        <p:spPr>
+          <a:xfrm rot="19493980">
+            <a:off x="-75622" y="199330"/>
+            <a:ext cx="1526893" cy="646331"/>
+          </a:xfrm>
+          <a:prstGeom prst="rect">
+            <a:avLst/>
+          </a:prstGeom>
+          <a:noFill/>
+        </p:spPr>
+        <p:txBody>
+          <a:bodyPr wrap="none" rtlCol="0">
+            <a:spAutoFit/>
+          </a:bodyPr>
+          <a:lstStyle/>
+          <a:p>
+            <a:r>
+              <a:rPr lang="fr-FR" dirty="0" err="1" smtClean="0"/>
+              <a:t>Webconf</a:t>
+            </a:r>
+            <a:r>
+              <a:rPr lang="fr-FR" dirty="0" smtClean="0"/>
+              <a:t> 17:</a:t>
+            </a:r>
+          </a:p>
+          <a:p>
+            <a:r>
+              <a:rPr lang="fr-FR" dirty="0" smtClean="0"/>
+              <a:t>To </a:t>
+            </a:r>
+            <a:r>
+              <a:rPr lang="fr-FR" dirty="0" err="1" smtClean="0"/>
+              <a:t>be</a:t>
+            </a:r>
+            <a:r>
+              <a:rPr lang="fr-FR" dirty="0" smtClean="0"/>
+              <a:t> </a:t>
+            </a:r>
+            <a:r>
+              <a:rPr lang="fr-FR" dirty="0" err="1" smtClean="0"/>
+              <a:t>updated</a:t>
+            </a:r>
+            <a:endParaRPr lang="fr-FR" dirty="0"/>
+          </a:p>
+        </p:txBody>
+      </p:sp>
+    </p:spTree>
+    <p:extLst>
+      <p:ext uri="{BB962C8B-B14F-4D97-AF65-F5344CB8AC3E}">
+        <p14:creationId xmlns:p14="http://schemas.microsoft.com/office/powerpoint/2010/main" val="206074419"/>
+      </p:ext>
+    </p:extLst>
+  </p:cSld>
+  <p:clrMapOvr>
+    <a:masterClrMapping/>
+  </p:clrMapOvr>
+  <p:timing>
+    <p:tnLst>
+      <p:par>
+        <p:cTn id="1" dur="indefinite" restart="never" nodeType="tmRoot">
+          <p:childTnLst>
+            <p:seq concurrent="1" nextAc="seek">
+              <p:cTn id="2" dur="indefinite" nodeType="mainSeq">
+                <p:childTnLst>
+                  <p:par>
+                    <p:cTn id="3" fill="hold">
+                      <p:stCondLst>
+                        <p:cond delay="indefinite"/>
+                      </p:stCondLst>
+                      <p:childTnLst>
+                        <p:par>
+                          <p:cTn id="4" fill="hold">
+                            <p:stCondLst>
+                              <p:cond delay="0"/>
+                            </p:stCondLst>
+                            <p:childTnLst>
+                              <p:par>
+                                <p:cTn id="5" presetID="2" presetClass="entr" presetSubtype="4" fill="hold" nodeType="clickEffect">
+                                  <p:stCondLst>
+                                    <p:cond delay="0"/>
+                                  </p:stCondLst>
+                                  <p:childTnLst>
+                                    <p:set>
+                                      <p:cBhvr>
+                                        <p:cTn id="6" dur="1" fill="hold">
+                                          <p:stCondLst>
+                                            <p:cond delay="0"/>
+                                          </p:stCondLst>
+                                        </p:cTn>
+                                        <p:tgtEl>
+                                          <p:spTgt spid="7"/>
+                                        </p:tgtEl>
+                                        <p:attrNameLst>
+                                          <p:attrName>style.visibility</p:attrName>
+                                        </p:attrNameLst>
+                                      </p:cBhvr>
+                                      <p:to>
+                                        <p:strVal val="visible"/>
+                                      </p:to>
+                                    </p:set>
+                                    <p:anim calcmode="lin" valueType="num">
+                                      <p:cBhvr additive="base">
+                                        <p:cTn id="7" dur="500" fill="hold"/>
+                                        <p:tgtEl>
+                                          <p:spTgt spid="7"/>
+                                        </p:tgtEl>
+                                        <p:attrNameLst>
+                                          <p:attrName>ppt_x</p:attrName>
+                                        </p:attrNameLst>
+                                      </p:cBhvr>
+                                      <p:tavLst>
+                                        <p:tav tm="0">
+                                          <p:val>
+                                            <p:strVal val="#ppt_x"/>
+                                          </p:val>
+                                        </p:tav>
+                                        <p:tav tm="100000">
+                                          <p:val>
+                                            <p:strVal val="#ppt_x"/>
+                                          </p:val>
+                                        </p:tav>
+                                      </p:tavLst>
+                                    </p:anim>
+                                    <p:anim calcmode="lin" valueType="num">
+                                      <p:cBhvr additive="base">
+                                        <p:cTn id="8" dur="500" fill="hold"/>
+                                        <p:tgtEl>
+                                          <p:spTgt spid="7"/>
+                                        </p:tgtEl>
+                                        <p:attrNameLst>
+                                          <p:attrName>ppt_y</p:attrName>
+                                        </p:attrNameLst>
+                                      </p:cBhvr>
+                                      <p:tavLst>
+                                        <p:tav tm="0">
+                                          <p:val>
+                                            <p:strVal val="1+#ppt_h/2"/>
+                                          </p:val>
+                                        </p:tav>
+                                        <p:tav tm="100000">
+                                          <p:val>
+                                            <p:strVal val="#ppt_y"/>
+                                          </p:val>
+                                        </p:tav>
+                                      </p:tavLst>
+                                    </p:anim>
+                                  </p:childTnLst>
+                                </p:cTn>
+                              </p:par>
+                            </p:childTnLst>
+                          </p:cTn>
+                        </p:par>
+                      </p:childTnLst>
+                    </p:cTn>
+                  </p:par>
+                  <p:par>
+                    <p:cTn id="9" fill="hold">
+                      <p:stCondLst>
+                        <p:cond delay="indefinite"/>
+                      </p:stCondLst>
+                      <p:childTnLst>
+                        <p:par>
+                          <p:cTn id="10" fill="hold">
+                            <p:stCondLst>
+                              <p:cond delay="0"/>
+                            </p:stCondLst>
+                            <p:childTnLst>
+                              <p:par>
+                                <p:cTn id="11" presetID="2" presetClass="exit" presetSubtype="4" fill="hold" nodeType="clickEffect">
+                                  <p:stCondLst>
+                                    <p:cond delay="0"/>
+                                  </p:stCondLst>
+                                  <p:childTnLst>
+                                    <p:anim calcmode="lin" valueType="num">
+                                      <p:cBhvr additive="base">
+                                        <p:cTn id="12" dur="500"/>
+                                        <p:tgtEl>
+                                          <p:spTgt spid="7"/>
+                                        </p:tgtEl>
+                                        <p:attrNameLst>
+                                          <p:attrName>ppt_x</p:attrName>
+                                        </p:attrNameLst>
+                                      </p:cBhvr>
+                                      <p:tavLst>
+                                        <p:tav tm="0">
+                                          <p:val>
+                                            <p:strVal val="ppt_x"/>
+                                          </p:val>
+                                        </p:tav>
+                                        <p:tav tm="100000">
+                                          <p:val>
+                                            <p:strVal val="ppt_x"/>
+                                          </p:val>
+                                        </p:tav>
+                                      </p:tavLst>
+                                    </p:anim>
+                                    <p:anim calcmode="lin" valueType="num">
+                                      <p:cBhvr additive="base">
+                                        <p:cTn id="13" dur="500"/>
+                                        <p:tgtEl>
+                                          <p:spTgt spid="7"/>
+                                        </p:tgtEl>
+                                        <p:attrNameLst>
+                                          <p:attrName>ppt_y</p:attrName>
+                                        </p:attrNameLst>
+                                      </p:cBhvr>
+                                      <p:tavLst>
+                                        <p:tav tm="0">
+                                          <p:val>
+                                            <p:strVal val="ppt_y"/>
+                                          </p:val>
+                                        </p:tav>
+                                        <p:tav tm="100000">
+                                          <p:val>
+                                            <p:strVal val="1+ppt_h/2"/>
+                                          </p:val>
+                                        </p:tav>
+                                      </p:tavLst>
+                                    </p:anim>
+                                    <p:set>
+                                      <p:cBhvr>
+                                        <p:cTn id="14" dur="1" fill="hold">
+                                          <p:stCondLst>
+                                            <p:cond delay="499"/>
+                                          </p:stCondLst>
+                                        </p:cTn>
+                                        <p:tgtEl>
+                                          <p:spTgt spid="7"/>
+                                        </p:tgtEl>
+                                        <p:attrNameLst>
+                                          <p:attrName>style.visibility</p:attrName>
+                                        </p:attrNameLst>
+                                      </p:cBhvr>
+                                      <p:to>
+                                        <p:strVal val="hidden"/>
+                                      </p:to>
+                                    </p:set>
+                                  </p:childTnLst>
+                                </p:cTn>
+                              </p:par>
+                            </p:childTnLst>
+                          </p:cTn>
+                        </p:par>
+                      </p:childTnLst>
+                    </p:cTn>
+                  </p:par>
+                  <p:par>
+                    <p:cTn id="15" fill="hold">
+                      <p:stCondLst>
+                        <p:cond delay="indefinite"/>
+                      </p:stCondLst>
+                      <p:childTnLst>
+                        <p:par>
+                          <p:cTn id="16" fill="hold">
+                            <p:stCondLst>
+                              <p:cond delay="0"/>
+                            </p:stCondLst>
+                            <p:childTnLst>
+                              <p:par>
+                                <p:cTn id="17" presetID="2" presetClass="entr" presetSubtype="4" fill="hold" nodeType="clickEffect">
+                                  <p:stCondLst>
+                                    <p:cond delay="0"/>
+                                  </p:stCondLst>
+                                  <p:childTnLst>
+                                    <p:set>
+                                      <p:cBhvr>
+                                        <p:cTn id="18" dur="1" fill="hold">
+                                          <p:stCondLst>
+                                            <p:cond delay="0"/>
+                                          </p:stCondLst>
+                                        </p:cTn>
+                                        <p:tgtEl>
+                                          <p:spTgt spid="8"/>
+                                        </p:tgtEl>
+                                        <p:attrNameLst>
+                                          <p:attrName>style.visibility</p:attrName>
+                                        </p:attrNameLst>
+                                      </p:cBhvr>
+                                      <p:to>
+                                        <p:strVal val="visible"/>
+                                      </p:to>
+                                    </p:set>
+                                    <p:anim calcmode="lin" valueType="num">
+                                      <p:cBhvr additive="base">
+                                        <p:cTn id="19" dur="500" fill="hold"/>
+                                        <p:tgtEl>
+                                          <p:spTgt spid="8"/>
+                                        </p:tgtEl>
+                                        <p:attrNameLst>
+                                          <p:attrName>ppt_x</p:attrName>
+                                        </p:attrNameLst>
+                                      </p:cBhvr>
+                                      <p:tavLst>
+                                        <p:tav tm="0">
+                                          <p:val>
+                                            <p:strVal val="#ppt_x"/>
+                                          </p:val>
+                                        </p:tav>
+                                        <p:tav tm="100000">
+                                          <p:val>
+                                            <p:strVal val="#ppt_x"/>
+                                          </p:val>
+                                        </p:tav>
+                                      </p:tavLst>
+                                    </p:anim>
+                                    <p:anim calcmode="lin" valueType="num">
+                                      <p:cBhvr additive="base">
+                                        <p:cTn id="20" dur="500" fill="hold"/>
+                                        <p:tgtEl>
+                                          <p:spTgt spid="8"/>
+                                        </p:tgtEl>
+                                        <p:attrNameLst>
+                                          <p:attrName>ppt_y</p:attrName>
+                                        </p:attrNameLst>
+                                      </p:cBhvr>
+                                      <p:tavLst>
+                                        <p:tav tm="0">
+                                          <p:val>
+                                            <p:strVal val="1+#ppt_h/2"/>
+                                          </p:val>
+                                        </p:tav>
+                                        <p:tav tm="100000">
+                                          <p:val>
+                                            <p:strVal val="#ppt_y"/>
+                                          </p:val>
+                                        </p:tav>
+                                      </p:tavLst>
+                                    </p:anim>
+                                  </p:childTnLst>
+                                </p:cTn>
+                              </p:par>
+                            </p:childTnLst>
+                          </p:cTn>
+                        </p:par>
+                      </p:childTnLst>
+                    </p:cTn>
+                  </p:par>
+                  <p:par>
+                    <p:cTn id="21" fill="hold">
+                      <p:stCondLst>
+                        <p:cond delay="indefinite"/>
+                      </p:stCondLst>
+                      <p:childTnLst>
+                        <p:par>
+                          <p:cTn id="22" fill="hold">
+                            <p:stCondLst>
+                              <p:cond delay="0"/>
+                            </p:stCondLst>
+                            <p:childTnLst>
+                              <p:par>
+                                <p:cTn id="23" presetID="2" presetClass="exit" presetSubtype="4" fill="hold" nodeType="clickEffect">
+                                  <p:stCondLst>
+                                    <p:cond delay="0"/>
+                                  </p:stCondLst>
+                                  <p:childTnLst>
+                                    <p:anim calcmode="lin" valueType="num">
+                                      <p:cBhvr additive="base">
+                                        <p:cTn id="24" dur="500"/>
+                                        <p:tgtEl>
+                                          <p:spTgt spid="8"/>
+                                        </p:tgtEl>
+                                        <p:attrNameLst>
+                                          <p:attrName>ppt_x</p:attrName>
+                                        </p:attrNameLst>
+                                      </p:cBhvr>
+                                      <p:tavLst>
+                                        <p:tav tm="0">
+                                          <p:val>
+                                            <p:strVal val="ppt_x"/>
+                                          </p:val>
+                                        </p:tav>
+                                        <p:tav tm="100000">
+                                          <p:val>
+                                            <p:strVal val="ppt_x"/>
+                                          </p:val>
+                                        </p:tav>
+                                      </p:tavLst>
+                                    </p:anim>
+                                    <p:anim calcmode="lin" valueType="num">
+                                      <p:cBhvr additive="base">
+                                        <p:cTn id="25" dur="500"/>
+                                        <p:tgtEl>
+                                          <p:spTgt spid="8"/>
+                                        </p:tgtEl>
+                                        <p:attrNameLst>
+                                          <p:attrName>ppt_y</p:attrName>
+                                        </p:attrNameLst>
+                                      </p:cBhvr>
+                                      <p:tavLst>
+                                        <p:tav tm="0">
+                                          <p:val>
+                                            <p:strVal val="ppt_y"/>
+                                          </p:val>
+                                        </p:tav>
+                                        <p:tav tm="100000">
+                                          <p:val>
+                                            <p:strVal val="1+ppt_h/2"/>
+                                          </p:val>
+                                        </p:tav>
+                                      </p:tavLst>
+                                    </p:anim>
+                                    <p:set>
+                                      <p:cBhvr>
+                                        <p:cTn id="26" dur="1" fill="hold">
+                                          <p:stCondLst>
+                                            <p:cond delay="499"/>
+                                          </p:stCondLst>
+                                        </p:cTn>
+                                        <p:tgtEl>
+                                          <p:spTgt spid="8"/>
+                                        </p:tgtEl>
+                                        <p:attrNameLst>
+                                          <p:attrName>style.visibility</p:attrName>
+                                        </p:attrNameLst>
+                                      </p:cBhvr>
+                                      <p:to>
+                                        <p:strVal val="hidden"/>
+                                      </p:to>
+                                    </p:set>
+                                  </p:childTnLst>
+                                </p:cTn>
+                              </p:par>
+                            </p:childTnLst>
+                          </p:cTn>
+                        </p:par>
+                      </p:childTnLst>
+                    </p:cTn>
+                  </p:par>
+                </p:childTnLst>
+              </p:cTn>
+              <p:prevCondLst>
+                <p:cond evt="onPrev" delay="0">
+                  <p:tgtEl>
+                    <p:sldTgt/>
+                  </p:tgtEl>
+                </p:cond>
+              </p:prevCondLst>
+              <p:nextCondLst>
+                <p:cond evt="onNext" delay="0">
+                  <p:tgtEl>
+                    <p:sldTgt/>
+                  </p:tgtEl>
+                </p:cond>
+              </p:nextCondLst>
+            </p:seq>
+          </p:childTnLst>
+        </p:cTn>
+      </p:par>
+    </p:tnLst>
+  </p:timing>
+</p:sld>
+</file>
+
+<file path=ppt/slides/slide6.xml><?xml version="1.0" encoding="utf-8"?>
+<p:sld xmlns:a="http://schemas.openxmlformats.org/drawingml/2006/main" xmlns:r="http://schemas.openxmlformats.org/officeDocument/2006/relationships" xmlns:p="http://schemas.openxmlformats.org/presentationml/2006/main">
+  <p:cSld>
+    <p:spTree>
+      <p:nvGrpSpPr>
+        <p:cNvPr id="1" name=""/>
+        <p:cNvGrpSpPr/>
+        <p:nvPr/>
+      </p:nvGrpSpPr>
+      <p:grpSpPr>
+        <a:xfrm>
+          <a:off x="0" y="0"/>
+          <a:ext cx="0" cy="0"/>
+          <a:chOff x="0" y="0"/>
+          <a:chExt cx="0" cy="0"/>
+        </a:xfrm>
+      </p:grpSpPr>
       <p:cxnSp>
         <p:nvCxnSpPr>
           <p:cNvPr id="6" name="Straight Connector 2"/>
@@ -6029,11 +13581,7 @@
             </a:r>
             <a:r>
               <a:rPr lang="fr-FR" sz="1400" dirty="0" smtClean="0"/>
-              <a:t>&gt;&gt; </a:t>
-            </a:r>
-            <a:r>
-              <a:rPr lang="fr-FR" sz="1400" dirty="0" smtClean="0"/>
-              <a:t> ? Baseline</a:t>
+              <a:t>&gt;&gt;  ? Baseline</a:t>
             </a:r>
             <a:endParaRPr lang="fr-FR" sz="1400" dirty="0"/>
           </a:p>
@@ -6576,6 +14124,58 @@
           </a:fontRef>
         </p:style>
       </p:cxnSp>
+      <p:sp>
+        <p:nvSpPr>
+          <p:cNvPr id="23" name="ZoneTexte 22"/>
+          <p:cNvSpPr txBox="1"/>
+          <p:nvPr/>
+        </p:nvSpPr>
+        <p:spPr>
+          <a:xfrm rot="19493980">
+            <a:off x="-75622" y="199330"/>
+            <a:ext cx="1526893" cy="646331"/>
+          </a:xfrm>
+          <a:prstGeom prst="rect">
+            <a:avLst/>
+          </a:prstGeom>
+          <a:noFill/>
+        </p:spPr>
+        <p:txBody>
+          <a:bodyPr wrap="none" rtlCol="0">
+            <a:spAutoFit/>
+          </a:bodyPr>
+          <a:lstStyle/>
+          <a:p>
+            <a:r>
+              <a:rPr lang="fr-FR" dirty="0" err="1" smtClean="0"/>
+              <a:t>Webconf</a:t>
+            </a:r>
+            <a:r>
+              <a:rPr lang="fr-FR" dirty="0" smtClean="0"/>
+              <a:t> 17:</a:t>
+            </a:r>
+          </a:p>
+          <a:p>
+            <a:r>
+              <a:rPr lang="fr-FR" dirty="0" smtClean="0"/>
+              <a:t>To </a:t>
+            </a:r>
+            <a:r>
+              <a:rPr lang="fr-FR" dirty="0" err="1" smtClean="0"/>
+              <a:t>be</a:t>
+            </a:r>
+            <a:r>
+              <a:rPr lang="fr-FR" dirty="0" smtClean="0"/>
+              <a:t> </a:t>
+            </a:r>
+            <a:r>
+              <a:rPr lang="fr-FR" dirty="0" err="1" smtClean="0"/>
+              <a:t>updated</a:t>
+            </a:r>
+            <a:endParaRPr lang="fr-FR" dirty="0"/>
+          </a:p>
+        </p:txBody>
+      </p:sp>
     </p:spTree>
     <p:extLst>
       <p:ext uri="{BB962C8B-B14F-4D97-AF65-F5344CB8AC3E}">
@@ -6589,7 +14189,7 @@
 </p:sld>
 </file>
 
-<file path=ppt/slides/slide4.xml><?xml version="1.0" encoding="utf-8"?>
+<file path=ppt/slides/slide7.xml><?xml version="1.0" encoding="utf-8"?>
 <p:sld xmlns:a="http://schemas.openxmlformats.org/drawingml/2006/main" xmlns:r="http://schemas.openxmlformats.org/officeDocument/2006/relationships" xmlns:p="http://schemas.openxmlformats.org/presentationml/2006/main">
   <p:cSld>
     <p:spTree>
@@ -7925,11 +15525,7 @@
             </a:r>
             <a:r>
               <a:rPr lang="fr-FR" sz="1400" dirty="0" smtClean="0"/>
-              <a:t>&gt;&gt; </a:t>
-            </a:r>
-            <a:r>
-              <a:rPr lang="fr-FR" sz="1400" dirty="0" smtClean="0"/>
-              <a:t> ? Baseline</a:t>
+              <a:t>&gt;&gt;  ? Baseline</a:t>
             </a:r>
             <a:endParaRPr lang="fr-FR" sz="1400" dirty="0"/>
           </a:p>
@@ -7977,6 +15573,58 @@
             </a:r>
           </a:p>
           <a:p>
+            <a:endParaRPr lang="fr-FR" dirty="0"/>
+          </a:p>
+        </p:txBody>
+      </p:sp>
+      <p:sp>
+        <p:nvSpPr>
+          <p:cNvPr id="41" name="ZoneTexte 40"/>
+          <p:cNvSpPr txBox="1"/>
+          <p:nvPr/>
+        </p:nvSpPr>
+        <p:spPr>
+          <a:xfrm rot="19493980">
+            <a:off x="-75622" y="199330"/>
+            <a:ext cx="1526893" cy="646331"/>
+          </a:xfrm>
+          <a:prstGeom prst="rect">
+            <a:avLst/>
+          </a:prstGeom>
+          <a:noFill/>
+        </p:spPr>
+        <p:txBody>
+          <a:bodyPr wrap="none" rtlCol="0">
+            <a:spAutoFit/>
+          </a:bodyPr>
+          <a:lstStyle/>
+          <a:p>
+            <a:r>
+              <a:rPr lang="fr-FR" dirty="0" err="1" smtClean="0"/>
+              <a:t>Webconf</a:t>
+            </a:r>
+            <a:r>
+              <a:rPr lang="fr-FR" dirty="0" smtClean="0"/>
+              <a:t> 17:</a:t>
+            </a:r>
+          </a:p>
+          <a:p>
+            <a:r>
+              <a:rPr lang="fr-FR" dirty="0" smtClean="0"/>
+              <a:t>To </a:t>
+            </a:r>
+            <a:r>
+              <a:rPr lang="fr-FR" dirty="0" err="1" smtClean="0"/>
+              <a:t>be</a:t>
+            </a:r>
+            <a:r>
+              <a:rPr lang="fr-FR" dirty="0" smtClean="0"/>
+              <a:t> </a:t>
+            </a:r>
+            <a:r>
+              <a:rPr lang="fr-FR" dirty="0" err="1" smtClean="0"/>
+              <a:t>updated</a:t>
+            </a:r>
             <a:endParaRPr lang="fr-FR" dirty="0"/>
           </a:p>
         </p:txBody>
@@ -7994,7 +15642,7 @@
 </p:sld>
 </file>
 
-<file path=ppt/slides/slide5.xml><?xml version="1.0" encoding="utf-8"?>
+<file path=ppt/slides/slide8.xml><?xml version="1.0" encoding="utf-8"?>
 <p:sld xmlns:a="http://schemas.openxmlformats.org/drawingml/2006/main" xmlns:r="http://schemas.openxmlformats.org/officeDocument/2006/relationships" xmlns:p="http://schemas.openxmlformats.org/presentationml/2006/main">
   <p:cSld>
     <p:spTree>
@@ -9522,13 +17170,61 @@
             </a:r>
             <a:r>
               <a:rPr lang="fr-FR" sz="1400" dirty="0" smtClean="0"/>
-              <a:t>&gt;&gt; </a:t>
-            </a:r>
-            <a:r>
-              <a:rPr lang="fr-FR" sz="1400" dirty="0" smtClean="0"/>
-              <a:t> ? Baseline</a:t>
+              <a:t>&gt;&gt;  ? Baseline</a:t>
             </a:r>
             <a:endParaRPr lang="fr-FR" sz="1400" dirty="0"/>
+          </a:p>
+        </p:txBody>
+      </p:sp>
+      <p:sp>
+        <p:nvSpPr>
+          <p:cNvPr id="41" name="ZoneTexte 40"/>
+          <p:cNvSpPr txBox="1"/>
+          <p:nvPr/>
+        </p:nvSpPr>
+        <p:spPr>
+          <a:xfrm rot="19493980">
+            <a:off x="-75622" y="199330"/>
+            <a:ext cx="1526893" cy="646331"/>
+          </a:xfrm>
+          <a:prstGeom prst="rect">
+            <a:avLst/>
+          </a:prstGeom>
+          <a:noFill/>
+        </p:spPr>
+        <p:txBody>
+          <a:bodyPr wrap="none" rtlCol="0">
+            <a:spAutoFit/>
+          </a:bodyPr>
+          <a:lstStyle/>
+          <a:p>
+            <a:r>
+              <a:rPr lang="fr-FR" dirty="0" err="1" smtClean="0"/>
+              <a:t>Webconf</a:t>
+            </a:r>
+            <a:r>
+              <a:rPr lang="fr-FR" dirty="0" smtClean="0"/>
+              <a:t> 17:</a:t>
+            </a:r>
+          </a:p>
+          <a:p>
+            <a:r>
+              <a:rPr lang="fr-FR" dirty="0" smtClean="0"/>
+              <a:t>To </a:t>
+            </a:r>
+            <a:r>
+              <a:rPr lang="fr-FR" dirty="0" err="1" smtClean="0"/>
+              <a:t>be</a:t>
+            </a:r>
+            <a:r>
+              <a:rPr lang="fr-FR" dirty="0" smtClean="0"/>
+              <a:t> </a:t>
+            </a:r>
+            <a:r>
+              <a:rPr lang="fr-FR" dirty="0" err="1" smtClean="0"/>
+              <a:t>updated</a:t>
+            </a:r>
+            <a:endParaRPr lang="fr-FR" dirty="0"/>
           </a:p>
         </p:txBody>
       </p:sp>
@@ -9545,7 +17241,7 @@
 </p:sld>
 </file>
 
-<file path=ppt/slides/slide6.xml><?xml version="1.0" encoding="utf-8"?>
+<file path=ppt/slides/slide9.xml><?xml version="1.0" encoding="utf-8"?>
 <p:sld xmlns:a="http://schemas.openxmlformats.org/drawingml/2006/main" xmlns:r="http://schemas.openxmlformats.org/officeDocument/2006/relationships" xmlns:p="http://schemas.openxmlformats.org/presentationml/2006/main">
   <p:cSld>
     <p:spTree>
@@ -9644,7 +17340,7 @@
         </p:blipFill>
         <p:spPr>
           <a:xfrm>
-            <a:off x="2009844" y="3206063"/>
+            <a:off x="2022200" y="3206063"/>
             <a:ext cx="6810193" cy="2998984"/>
           </a:xfrm>
           <a:prstGeom prst="rect">
@@ -9652,1484 +17348,43 @@
           </a:prstGeom>
         </p:spPr>
       </p:pic>
+      <p:sp>
+        <p:nvSpPr>
+          <p:cNvPr id="5" name="ZoneTexte 4"/>
+          <p:cNvSpPr txBox="1"/>
+          <p:nvPr/>
+        </p:nvSpPr>
+        <p:spPr>
+          <a:xfrm rot="19493980">
+            <a:off x="-148024" y="314750"/>
+            <a:ext cx="1376787" cy="369332"/>
+          </a:xfrm>
+          <a:prstGeom prst="rect">
+            <a:avLst/>
+          </a:prstGeom>
+          <a:noFill/>
+        </p:spPr>
+        <p:txBody>
+          <a:bodyPr wrap="none" rtlCol="0">
+            <a:spAutoFit/>
+          </a:bodyPr>
+          <a:lstStyle/>
+          <a:p>
+            <a:r>
+              <a:rPr lang="fr-FR" dirty="0" err="1" smtClean="0"/>
+              <a:t>Webconf</a:t>
+            </a:r>
+            <a:r>
+              <a:rPr lang="fr-FR" dirty="0" smtClean="0"/>
+              <a:t> 17:</a:t>
+            </a:r>
+          </a:p>
+        </p:txBody>
+      </p:sp>
     </p:spTree>
     <p:extLst>
       <p:ext uri="{BB962C8B-B14F-4D97-AF65-F5344CB8AC3E}">
         <p14:creationId xmlns:p14="http://schemas.microsoft.com/office/powerpoint/2010/main" val="4013322392"/>
-      </p:ext>
-    </p:extLst>
-  </p:cSld>
-  <p:clrMapOvr>
-    <a:masterClrMapping/>
-  </p:clrMapOvr>
-</p:sld>
-</file>
-
-<file path=ppt/slides/slide7.xml><?xml version="1.0" encoding="utf-8"?>
-<p:sld xmlns:a="http://schemas.openxmlformats.org/drawingml/2006/main" xmlns:r="http://schemas.openxmlformats.org/officeDocument/2006/relationships" xmlns:p="http://schemas.openxmlformats.org/presentationml/2006/main">
-  <p:cSld>
-    <p:spTree>
-      <p:nvGrpSpPr>
-        <p:cNvPr id="1" name=""/>
-        <p:cNvGrpSpPr/>
-        <p:nvPr/>
-      </p:nvGrpSpPr>
-      <p:grpSpPr>
-        <a:xfrm>
-          <a:off x="0" y="0"/>
-          <a:ext cx="0" cy="0"/>
-          <a:chOff x="0" y="0"/>
-          <a:chExt cx="0" cy="0"/>
-        </a:xfrm>
-      </p:grpSpPr>
-      <p:grpSp>
-        <p:nvGrpSpPr>
-          <p:cNvPr id="5" name="Groupe 72"/>
-          <p:cNvGrpSpPr>
-            <a:grpSpLocks/>
-          </p:cNvGrpSpPr>
-          <p:nvPr/>
-        </p:nvGrpSpPr>
-        <p:grpSpPr bwMode="auto">
-          <a:xfrm>
-            <a:off x="5313439" y="3740684"/>
-            <a:ext cx="234950" cy="2744788"/>
-            <a:chOff x="3727866" y="2133600"/>
-            <a:chExt cx="234534" cy="2744372"/>
-          </a:xfrm>
-        </p:grpSpPr>
-        <p:sp>
-          <p:nvSpPr>
-            <p:cNvPr id="6" name="Oval 3"/>
-            <p:cNvSpPr/>
-            <p:nvPr/>
-          </p:nvSpPr>
-          <p:spPr>
-            <a:xfrm>
-              <a:off x="3732628" y="2133600"/>
-              <a:ext cx="229772" cy="229772"/>
-            </a:xfrm>
-            <a:prstGeom prst="ellipse">
-              <a:avLst/>
-            </a:prstGeom>
-            <a:solidFill>
-              <a:srgbClr val="FF0000"/>
-            </a:solidFill>
-            <a:ln>
-              <a:noFill/>
-            </a:ln>
-            <a:effectLst>
-              <a:innerShdw blurRad="114300">
-                <a:prstClr val="black"/>
-              </a:innerShdw>
-            </a:effectLst>
-          </p:spPr>
-          <p:style>
-            <a:lnRef idx="2">
-              <a:schemeClr val="accent1">
-                <a:shade val="50000"/>
-              </a:schemeClr>
-            </a:lnRef>
-            <a:fillRef idx="1">
-              <a:schemeClr val="accent1"/>
-            </a:fillRef>
-            <a:effectRef idx="0">
-              <a:schemeClr val="accent1"/>
-            </a:effectRef>
-            <a:fontRef idx="minor">
-              <a:schemeClr val="lt1"/>
-            </a:fontRef>
-          </p:style>
-          <p:txBody>
-            <a:bodyPr anchor="ctr"/>
-            <a:lstStyle/>
-            <a:p>
-              <a:pPr algn="ctr">
-                <a:defRPr/>
-              </a:pPr>
-              <a:endParaRPr lang="fr-FR" b="1">
-                <a:solidFill>
-                  <a:srgbClr val="FFFFFF"/>
-                </a:solidFill>
-                <a:cs typeface="Arial" charset="0"/>
-              </a:endParaRPr>
-            </a:p>
-          </p:txBody>
-        </p:sp>
-        <p:sp>
-          <p:nvSpPr>
-            <p:cNvPr id="7" name="Oval 4"/>
-            <p:cNvSpPr/>
-            <p:nvPr/>
-          </p:nvSpPr>
-          <p:spPr>
-            <a:xfrm>
-              <a:off x="3727866" y="2971800"/>
-              <a:ext cx="233362" cy="229772"/>
-            </a:xfrm>
-            <a:prstGeom prst="ellipse">
-              <a:avLst/>
-            </a:prstGeom>
-            <a:solidFill>
-              <a:srgbClr val="FF0000"/>
-            </a:solidFill>
-            <a:ln>
-              <a:noFill/>
-            </a:ln>
-            <a:effectLst>
-              <a:innerShdw blurRad="114300">
-                <a:prstClr val="black"/>
-              </a:innerShdw>
-            </a:effectLst>
-          </p:spPr>
-          <p:style>
-            <a:lnRef idx="2">
-              <a:schemeClr val="accent1">
-                <a:shade val="50000"/>
-              </a:schemeClr>
-            </a:lnRef>
-            <a:fillRef idx="1">
-              <a:schemeClr val="accent1"/>
-            </a:fillRef>
-            <a:effectRef idx="0">
-              <a:schemeClr val="accent1"/>
-            </a:effectRef>
-            <a:fontRef idx="minor">
-              <a:schemeClr val="lt1"/>
-            </a:fontRef>
-          </p:style>
-          <p:txBody>
-            <a:bodyPr anchor="ctr"/>
-            <a:lstStyle/>
-            <a:p>
-              <a:pPr algn="ctr">
-                <a:defRPr/>
-              </a:pPr>
-              <a:endParaRPr lang="fr-FR" b="1">
-                <a:solidFill>
-                  <a:srgbClr val="FFFFFF"/>
-                </a:solidFill>
-                <a:cs typeface="Arial" charset="0"/>
-              </a:endParaRPr>
-            </a:p>
-          </p:txBody>
-        </p:sp>
-        <p:sp>
-          <p:nvSpPr>
-            <p:cNvPr id="8" name="Oval 5"/>
-            <p:cNvSpPr/>
-            <p:nvPr/>
-          </p:nvSpPr>
-          <p:spPr>
-            <a:xfrm>
-              <a:off x="3727866" y="3733800"/>
-              <a:ext cx="233362" cy="230481"/>
-            </a:xfrm>
-            <a:prstGeom prst="ellipse">
-              <a:avLst/>
-            </a:prstGeom>
-            <a:solidFill>
-              <a:srgbClr val="FF0000"/>
-            </a:solidFill>
-            <a:ln>
-              <a:noFill/>
-            </a:ln>
-            <a:effectLst>
-              <a:innerShdw blurRad="114300">
-                <a:prstClr val="black"/>
-              </a:innerShdw>
-            </a:effectLst>
-          </p:spPr>
-          <p:style>
-            <a:lnRef idx="2">
-              <a:schemeClr val="accent1">
-                <a:shade val="50000"/>
-              </a:schemeClr>
-            </a:lnRef>
-            <a:fillRef idx="1">
-              <a:schemeClr val="accent1"/>
-            </a:fillRef>
-            <a:effectRef idx="0">
-              <a:schemeClr val="accent1"/>
-            </a:effectRef>
-            <a:fontRef idx="minor">
-              <a:schemeClr val="lt1"/>
-            </a:fontRef>
-          </p:style>
-          <p:txBody>
-            <a:bodyPr anchor="ctr"/>
-            <a:lstStyle/>
-            <a:p>
-              <a:pPr algn="ctr">
-                <a:defRPr/>
-              </a:pPr>
-              <a:endParaRPr lang="fr-FR" b="1">
-                <a:solidFill>
-                  <a:srgbClr val="FFFFFF"/>
-                </a:solidFill>
-                <a:cs typeface="Arial" charset="0"/>
-              </a:endParaRPr>
-            </a:p>
-          </p:txBody>
-        </p:sp>
-        <p:sp>
-          <p:nvSpPr>
-            <p:cNvPr id="9" name="Oval 6"/>
-            <p:cNvSpPr/>
-            <p:nvPr/>
-          </p:nvSpPr>
-          <p:spPr>
-            <a:xfrm>
-              <a:off x="3727866" y="4648200"/>
-              <a:ext cx="233362" cy="229772"/>
-            </a:xfrm>
-            <a:prstGeom prst="ellipse">
-              <a:avLst/>
-            </a:prstGeom>
-            <a:solidFill>
-              <a:srgbClr val="FF0000"/>
-            </a:solidFill>
-            <a:ln>
-              <a:noFill/>
-            </a:ln>
-            <a:effectLst>
-              <a:innerShdw blurRad="114300">
-                <a:prstClr val="black"/>
-              </a:innerShdw>
-            </a:effectLst>
-          </p:spPr>
-          <p:style>
-            <a:lnRef idx="2">
-              <a:schemeClr val="accent1">
-                <a:shade val="50000"/>
-              </a:schemeClr>
-            </a:lnRef>
-            <a:fillRef idx="1">
-              <a:schemeClr val="accent1"/>
-            </a:fillRef>
-            <a:effectRef idx="0">
-              <a:schemeClr val="accent1"/>
-            </a:effectRef>
-            <a:fontRef idx="minor">
-              <a:schemeClr val="lt1"/>
-            </a:fontRef>
-          </p:style>
-          <p:txBody>
-            <a:bodyPr anchor="ctr"/>
-            <a:lstStyle/>
-            <a:p>
-              <a:pPr algn="ctr">
-                <a:defRPr/>
-              </a:pPr>
-              <a:endParaRPr lang="fr-FR" b="1" dirty="0">
-                <a:solidFill>
-                  <a:schemeClr val="accent6">
-                    <a:lumMod val="75000"/>
-                  </a:schemeClr>
-                </a:solidFill>
-                <a:cs typeface="Arial" charset="0"/>
-              </a:endParaRPr>
-            </a:p>
-          </p:txBody>
-        </p:sp>
-      </p:grpSp>
-      <p:sp>
-        <p:nvSpPr>
-          <p:cNvPr id="10" name="Right Brace 8"/>
-          <p:cNvSpPr/>
-          <p:nvPr/>
-        </p:nvSpPr>
-        <p:spPr>
-          <a:xfrm>
-            <a:off x="6209892" y="3914910"/>
-            <a:ext cx="195262" cy="762000"/>
-          </a:xfrm>
-          <a:prstGeom prst="rightBrace">
-            <a:avLst/>
-          </a:prstGeom>
-          <a:ln w="19050">
-            <a:solidFill>
-              <a:srgbClr val="FF0000"/>
-            </a:solidFill>
-          </a:ln>
-        </p:spPr>
-        <p:style>
-          <a:lnRef idx="1">
-            <a:schemeClr val="accent1"/>
-          </a:lnRef>
-          <a:fillRef idx="0">
-            <a:schemeClr val="accent1"/>
-          </a:fillRef>
-          <a:effectRef idx="0">
-            <a:schemeClr val="accent1"/>
-          </a:effectRef>
-          <a:fontRef idx="minor">
-            <a:schemeClr val="tx1"/>
-          </a:fontRef>
-        </p:style>
-        <p:txBody>
-          <a:bodyPr anchor="ctr"/>
-          <a:lstStyle/>
-          <a:p>
-            <a:pPr algn="ctr">
-              <a:defRPr/>
-            </a:pPr>
-            <a:endParaRPr lang="fr-FR">
-              <a:cs typeface="Arial" charset="0"/>
-            </a:endParaRPr>
-          </a:p>
-        </p:txBody>
-      </p:sp>
-      <p:sp>
-        <p:nvSpPr>
-          <p:cNvPr id="11" name="TextBox 9"/>
-          <p:cNvSpPr txBox="1">
-            <a:spLocks noChangeArrowheads="1"/>
-          </p:cNvSpPr>
-          <p:nvPr/>
-        </p:nvSpPr>
-        <p:spPr bwMode="auto">
-          <a:xfrm>
-            <a:off x="6410536" y="4156614"/>
-            <a:ext cx="1065213" cy="307975"/>
-          </a:xfrm>
-          <a:prstGeom prst="rect">
-            <a:avLst/>
-          </a:prstGeom>
-          <a:noFill/>
-          <a:ln w="9525">
-            <a:noFill/>
-            <a:miter lim="800000"/>
-            <a:headEnd/>
-            <a:tailEnd/>
-          </a:ln>
-        </p:spPr>
-        <p:txBody>
-          <a:bodyPr wrap="none">
-            <a:spAutoFit/>
-          </a:bodyPr>
-          <a:lstStyle/>
-          <a:p>
-            <a:r>
-              <a:rPr lang="en-US" sz="1400" b="1" dirty="0">
-                <a:solidFill>
-                  <a:srgbClr val="C00000"/>
-                </a:solidFill>
-              </a:rPr>
-              <a:t>INTERVAL</a:t>
-            </a:r>
-          </a:p>
-        </p:txBody>
-      </p:sp>
-      <p:sp>
-        <p:nvSpPr>
-          <p:cNvPr id="13" name="Rectangle à coins arrondis 12"/>
-          <p:cNvSpPr/>
-          <p:nvPr/>
-        </p:nvSpPr>
-        <p:spPr>
-          <a:xfrm>
-            <a:off x="2288058" y="2643550"/>
-            <a:ext cx="1201783" cy="515982"/>
-          </a:xfrm>
-          <a:prstGeom prst="roundRect">
-            <a:avLst/>
-          </a:prstGeom>
-          <a:solidFill>
-            <a:schemeClr val="tx1">
-              <a:lumMod val="75000"/>
-              <a:lumOff val="25000"/>
-            </a:schemeClr>
-          </a:solidFill>
-        </p:spPr>
-        <p:style>
-          <a:lnRef idx="2">
-            <a:schemeClr val="accent1">
-              <a:shade val="50000"/>
-            </a:schemeClr>
-          </a:lnRef>
-          <a:fillRef idx="1">
-            <a:schemeClr val="accent1"/>
-          </a:fillRef>
-          <a:effectRef idx="0">
-            <a:schemeClr val="accent1"/>
-          </a:effectRef>
-          <a:fontRef idx="minor">
-            <a:schemeClr val="lt1"/>
-          </a:fontRef>
-        </p:style>
-        <p:txBody>
-          <a:bodyPr rtlCol="0" anchor="ctr"/>
-          <a:lstStyle/>
-          <a:p>
-            <a:pPr algn="ctr"/>
-            <a:r>
-              <a:rPr lang="fr-FR" sz="1400" dirty="0" smtClean="0"/>
-              <a:t>Baseline</a:t>
-            </a:r>
-            <a:endParaRPr lang="fr-FR" sz="1400" dirty="0"/>
-          </a:p>
-        </p:txBody>
-      </p:sp>
-      <p:cxnSp>
-        <p:nvCxnSpPr>
-          <p:cNvPr id="14" name="Straight Connector 49"/>
-          <p:cNvCxnSpPr/>
-          <p:nvPr/>
-        </p:nvCxnSpPr>
-        <p:spPr>
-          <a:xfrm>
-            <a:off x="3519381" y="2901541"/>
-            <a:ext cx="1600200" cy="0"/>
-          </a:xfrm>
-          <a:prstGeom prst="line">
-            <a:avLst/>
-          </a:prstGeom>
-          <a:ln w="28575">
-            <a:solidFill>
-              <a:schemeClr val="tx1">
-                <a:lumMod val="95000"/>
-                <a:lumOff val="5000"/>
-              </a:schemeClr>
-            </a:solidFill>
-            <a:prstDash val="sysDash"/>
-            <a:headEnd type="arrow" w="med" len="med"/>
-            <a:tailEnd type="none" w="med" len="med"/>
-          </a:ln>
-          <a:effectLst>
-            <a:outerShdw blurRad="50800" dist="38100" dir="8100000" algn="tr" rotWithShape="0">
-              <a:prstClr val="black">
-                <a:alpha val="40000"/>
-              </a:prstClr>
-            </a:outerShdw>
-          </a:effectLst>
-        </p:spPr>
-        <p:style>
-          <a:lnRef idx="1">
-            <a:schemeClr val="accent1"/>
-          </a:lnRef>
-          <a:fillRef idx="0">
-            <a:schemeClr val="accent1"/>
-          </a:fillRef>
-          <a:effectRef idx="0">
-            <a:schemeClr val="accent1"/>
-          </a:effectRef>
-          <a:fontRef idx="minor">
-            <a:schemeClr val="tx1"/>
-          </a:fontRef>
-        </p:style>
-      </p:cxnSp>
-      <p:sp>
-        <p:nvSpPr>
-          <p:cNvPr id="15" name="Rectangle à coins arrondis 14"/>
-          <p:cNvSpPr/>
-          <p:nvPr/>
-        </p:nvSpPr>
-        <p:spPr>
-          <a:xfrm>
-            <a:off x="5203371" y="2612699"/>
-            <a:ext cx="1201783" cy="515982"/>
-          </a:xfrm>
-          <a:prstGeom prst="roundRect">
-            <a:avLst/>
-          </a:prstGeom>
-          <a:solidFill>
-            <a:schemeClr val="bg1">
-              <a:lumMod val="75000"/>
-            </a:schemeClr>
-          </a:solidFill>
-        </p:spPr>
-        <p:style>
-          <a:lnRef idx="2">
-            <a:schemeClr val="accent1">
-              <a:shade val="50000"/>
-            </a:schemeClr>
-          </a:lnRef>
-          <a:fillRef idx="1">
-            <a:schemeClr val="accent1"/>
-          </a:fillRef>
-          <a:effectRef idx="0">
-            <a:schemeClr val="accent1"/>
-          </a:effectRef>
-          <a:fontRef idx="minor">
-            <a:schemeClr val="lt1"/>
-          </a:fontRef>
-        </p:style>
-        <p:txBody>
-          <a:bodyPr rtlCol="0" anchor="ctr"/>
-          <a:lstStyle/>
-          <a:p>
-            <a:pPr algn="ctr"/>
-            <a:r>
-              <a:rPr lang="fr-FR" sz="1400" dirty="0" err="1" smtClean="0"/>
-              <a:t>connectionFeature</a:t>
-            </a:r>
-            <a:endParaRPr lang="fr-FR" sz="1400" dirty="0"/>
-          </a:p>
-        </p:txBody>
-      </p:sp>
-      <p:sp>
-        <p:nvSpPr>
-          <p:cNvPr id="16" name="Rectangle à coins arrondis 15"/>
-          <p:cNvSpPr/>
-          <p:nvPr/>
-        </p:nvSpPr>
-        <p:spPr>
-          <a:xfrm>
-            <a:off x="8225361" y="3477704"/>
-            <a:ext cx="2211862" cy="515982"/>
-          </a:xfrm>
-          <a:prstGeom prst="roundRect">
-            <a:avLst/>
-          </a:prstGeom>
-          <a:solidFill>
-            <a:schemeClr val="tx1">
-              <a:lumMod val="75000"/>
-              <a:lumOff val="25000"/>
-            </a:schemeClr>
-          </a:solidFill>
-        </p:spPr>
-        <p:style>
-          <a:lnRef idx="2">
-            <a:schemeClr val="accent1">
-              <a:shade val="50000"/>
-            </a:schemeClr>
-          </a:lnRef>
-          <a:fillRef idx="1">
-            <a:schemeClr val="accent1"/>
-          </a:fillRef>
-          <a:effectRef idx="0">
-            <a:schemeClr val="accent1"/>
-          </a:effectRef>
-          <a:fontRef idx="minor">
-            <a:schemeClr val="lt1"/>
-          </a:fontRef>
-        </p:style>
-        <p:txBody>
-          <a:bodyPr rtlCol="0" anchor="ctr"/>
-          <a:lstStyle/>
-          <a:p>
-            <a:pPr algn="ctr"/>
-            <a:r>
-              <a:rPr lang="fr-FR" sz="1400" dirty="0" err="1" smtClean="0"/>
-              <a:t>Borehole-Segment:samplingFeature</a:t>
-            </a:r>
-            <a:endParaRPr lang="fr-FR" sz="1400" dirty="0"/>
-          </a:p>
-        </p:txBody>
-      </p:sp>
-      <p:sp>
-        <p:nvSpPr>
-          <p:cNvPr id="17" name="Rectangle à coins arrondis 16"/>
-          <p:cNvSpPr/>
-          <p:nvPr/>
-        </p:nvSpPr>
-        <p:spPr>
-          <a:xfrm>
-            <a:off x="8118684" y="1422536"/>
-            <a:ext cx="2695189" cy="615442"/>
-          </a:xfrm>
-          <a:prstGeom prst="roundRect">
-            <a:avLst/>
-          </a:prstGeom>
-          <a:solidFill>
-            <a:schemeClr val="bg1">
-              <a:lumMod val="50000"/>
-            </a:schemeClr>
-          </a:solidFill>
-        </p:spPr>
-        <p:style>
-          <a:lnRef idx="2">
-            <a:schemeClr val="accent1">
-              <a:shade val="50000"/>
-            </a:schemeClr>
-          </a:lnRef>
-          <a:fillRef idx="1">
-            <a:schemeClr val="accent1"/>
-          </a:fillRef>
-          <a:effectRef idx="0">
-            <a:schemeClr val="accent1"/>
-          </a:effectRef>
-          <a:fontRef idx="minor">
-            <a:schemeClr val="lt1"/>
-          </a:fontRef>
-        </p:style>
-        <p:txBody>
-          <a:bodyPr rtlCol="0" anchor="ctr"/>
-          <a:lstStyle/>
-          <a:p>
-            <a:pPr algn="ctr"/>
-            <a:r>
-              <a:rPr lang="fr-FR" sz="1400" dirty="0" err="1" smtClean="0"/>
-              <a:t>constructionElement</a:t>
-            </a:r>
-            <a:r>
-              <a:rPr lang="fr-FR" sz="1400" dirty="0" smtClean="0"/>
-              <a:t>: ?</a:t>
-            </a:r>
-            <a:r>
-              <a:rPr lang="fr-FR" sz="1400" dirty="0" err="1" smtClean="0"/>
-              <a:t>bhConstruction</a:t>
-            </a:r>
-            <a:r>
-              <a:rPr lang="fr-FR" sz="1400" dirty="0" smtClean="0"/>
-              <a:t>?</a:t>
-            </a:r>
-            <a:endParaRPr lang="fr-FR" sz="1400" dirty="0"/>
-          </a:p>
-        </p:txBody>
-      </p:sp>
-      <p:sp>
-        <p:nvSpPr>
-          <p:cNvPr id="18" name="Rectangle à coins arrondis 17"/>
-          <p:cNvSpPr/>
-          <p:nvPr/>
-        </p:nvSpPr>
-        <p:spPr>
-          <a:xfrm>
-            <a:off x="8118684" y="2647609"/>
-            <a:ext cx="2508734" cy="515982"/>
-          </a:xfrm>
-          <a:prstGeom prst="roundRect">
-            <a:avLst/>
-          </a:prstGeom>
-          <a:solidFill>
-            <a:schemeClr val="accent6">
-              <a:lumMod val="60000"/>
-              <a:lumOff val="40000"/>
-            </a:schemeClr>
-          </a:solidFill>
-        </p:spPr>
-        <p:style>
-          <a:lnRef idx="2">
-            <a:schemeClr val="accent1">
-              <a:shade val="50000"/>
-            </a:schemeClr>
-          </a:lnRef>
-          <a:fillRef idx="1">
-            <a:schemeClr val="accent1"/>
-          </a:fillRef>
-          <a:effectRef idx="0">
-            <a:schemeClr val="accent1"/>
-          </a:effectRef>
-          <a:fontRef idx="minor">
-            <a:schemeClr val="lt1"/>
-          </a:fontRef>
-        </p:style>
-        <p:txBody>
-          <a:bodyPr rtlCol="0" anchor="ctr"/>
-          <a:lstStyle/>
-          <a:p>
-            <a:pPr algn="ctr"/>
-            <a:r>
-              <a:rPr lang="fr-FR" sz="1400" dirty="0" err="1" smtClean="0"/>
-              <a:t>logResultElement:Observation</a:t>
-            </a:r>
-            <a:endParaRPr lang="fr-FR" sz="1400" dirty="0"/>
-          </a:p>
-        </p:txBody>
-      </p:sp>
-      <p:sp>
-        <p:nvSpPr>
-          <p:cNvPr id="19" name="ZoneTexte 18"/>
-          <p:cNvSpPr txBox="1"/>
-          <p:nvPr/>
-        </p:nvSpPr>
-        <p:spPr>
-          <a:xfrm>
-            <a:off x="5203371" y="3089364"/>
-            <a:ext cx="1632883" cy="923330"/>
-          </a:xfrm>
-          <a:prstGeom prst="rect">
-            <a:avLst/>
-          </a:prstGeom>
-          <a:noFill/>
-        </p:spPr>
-        <p:txBody>
-          <a:bodyPr wrap="none" rtlCol="0">
-            <a:spAutoFit/>
-          </a:bodyPr>
-          <a:lstStyle/>
-          <a:p>
-            <a:r>
-              <a:rPr lang="fr-FR" dirty="0" smtClean="0"/>
-              <a:t>Pos° </a:t>
-            </a:r>
-          </a:p>
-          <a:p>
-            <a:r>
-              <a:rPr lang="fr-FR" dirty="0" smtClean="0"/>
-              <a:t>(pk VS </a:t>
-            </a:r>
-            <a:r>
-              <a:rPr lang="fr-FR" dirty="0" err="1" smtClean="0"/>
-              <a:t>from</a:t>
-            </a:r>
-            <a:r>
-              <a:rPr lang="fr-FR" dirty="0" smtClean="0"/>
-              <a:t>/to)</a:t>
-            </a:r>
-          </a:p>
-          <a:p>
-            <a:endParaRPr lang="fr-FR" dirty="0"/>
-          </a:p>
-        </p:txBody>
-      </p:sp>
-      <p:cxnSp>
-        <p:nvCxnSpPr>
-          <p:cNvPr id="20" name="Straight Connector 48"/>
-          <p:cNvCxnSpPr>
-            <a:endCxn id="15" idx="3"/>
-          </p:cNvCxnSpPr>
-          <p:nvPr/>
-        </p:nvCxnSpPr>
-        <p:spPr>
-          <a:xfrm flipH="1">
-            <a:off x="6405154" y="2101263"/>
-            <a:ext cx="2141190" cy="769427"/>
-          </a:xfrm>
-          <a:prstGeom prst="line">
-            <a:avLst/>
-          </a:prstGeom>
-          <a:ln w="28575">
-            <a:solidFill>
-              <a:schemeClr val="tx1">
-                <a:lumMod val="95000"/>
-                <a:lumOff val="5000"/>
-              </a:schemeClr>
-            </a:solidFill>
-            <a:prstDash val="sysDash"/>
-            <a:headEnd type="arrow" w="med" len="med"/>
-            <a:tailEnd type="arrow" w="med" len="med"/>
-          </a:ln>
-          <a:effectLst>
-            <a:outerShdw blurRad="50800" dist="38100" dir="8100000" algn="tr" rotWithShape="0">
-              <a:prstClr val="black">
-                <a:alpha val="40000"/>
-              </a:prstClr>
-            </a:outerShdw>
-          </a:effectLst>
-        </p:spPr>
-        <p:style>
-          <a:lnRef idx="1">
-            <a:schemeClr val="accent1"/>
-          </a:lnRef>
-          <a:fillRef idx="0">
-            <a:schemeClr val="accent1"/>
-          </a:fillRef>
-          <a:effectRef idx="0">
-            <a:schemeClr val="accent1"/>
-          </a:effectRef>
-          <a:fontRef idx="minor">
-            <a:schemeClr val="tx1"/>
-          </a:fontRef>
-        </p:style>
-      </p:cxnSp>
-      <p:sp>
-        <p:nvSpPr>
-          <p:cNvPr id="21" name="ZoneTexte 20"/>
-          <p:cNvSpPr txBox="1"/>
-          <p:nvPr/>
-        </p:nvSpPr>
-        <p:spPr>
-          <a:xfrm>
-            <a:off x="4087594" y="2612699"/>
-            <a:ext cx="1043876" cy="369332"/>
-          </a:xfrm>
-          <a:prstGeom prst="rect">
-            <a:avLst/>
-          </a:prstGeom>
-          <a:noFill/>
-        </p:spPr>
-        <p:txBody>
-          <a:bodyPr wrap="none" rtlCol="0">
-            <a:spAutoFit/>
-          </a:bodyPr>
-          <a:lstStyle/>
-          <a:p>
-            <a:r>
-              <a:rPr lang="fr-FR" dirty="0" smtClean="0"/>
-              <a:t>URI, type</a:t>
-            </a:r>
-          </a:p>
-        </p:txBody>
-      </p:sp>
-      <p:sp>
-        <p:nvSpPr>
-          <p:cNvPr id="22" name="ZoneTexte 21"/>
-          <p:cNvSpPr txBox="1"/>
-          <p:nvPr/>
-        </p:nvSpPr>
-        <p:spPr>
-          <a:xfrm rot="20394431">
-            <a:off x="6621267" y="2258088"/>
-            <a:ext cx="1043876" cy="369332"/>
-          </a:xfrm>
-          <a:prstGeom prst="rect">
-            <a:avLst/>
-          </a:prstGeom>
-          <a:noFill/>
-        </p:spPr>
-        <p:txBody>
-          <a:bodyPr wrap="none" rtlCol="0">
-            <a:spAutoFit/>
-          </a:bodyPr>
-          <a:lstStyle/>
-          <a:p>
-            <a:r>
-              <a:rPr lang="fr-FR" dirty="0" smtClean="0"/>
-              <a:t>URI, type</a:t>
-            </a:r>
-          </a:p>
-        </p:txBody>
-      </p:sp>
-      <p:cxnSp>
-        <p:nvCxnSpPr>
-          <p:cNvPr id="23" name="Straight Connector 48"/>
-          <p:cNvCxnSpPr>
-            <a:stCxn id="18" idx="1"/>
-            <a:endCxn id="15" idx="3"/>
-          </p:cNvCxnSpPr>
-          <p:nvPr/>
-        </p:nvCxnSpPr>
-        <p:spPr>
-          <a:xfrm flipH="1" flipV="1">
-            <a:off x="6405154" y="2870690"/>
-            <a:ext cx="1713530" cy="34910"/>
-          </a:xfrm>
-          <a:prstGeom prst="line">
-            <a:avLst/>
-          </a:prstGeom>
-          <a:ln w="28575">
-            <a:solidFill>
-              <a:schemeClr val="tx1">
-                <a:lumMod val="95000"/>
-                <a:lumOff val="5000"/>
-              </a:schemeClr>
-            </a:solidFill>
-            <a:prstDash val="sysDash"/>
-            <a:headEnd type="arrow" w="med" len="med"/>
-            <a:tailEnd type="arrow" w="med" len="med"/>
-          </a:ln>
-          <a:effectLst>
-            <a:outerShdw blurRad="50800" dist="38100" dir="8100000" algn="tr" rotWithShape="0">
-              <a:prstClr val="black">
-                <a:alpha val="40000"/>
-              </a:prstClr>
-            </a:outerShdw>
-          </a:effectLst>
-        </p:spPr>
-        <p:style>
-          <a:lnRef idx="1">
-            <a:schemeClr val="accent1"/>
-          </a:lnRef>
-          <a:fillRef idx="0">
-            <a:schemeClr val="accent1"/>
-          </a:fillRef>
-          <a:effectRef idx="0">
-            <a:schemeClr val="accent1"/>
-          </a:effectRef>
-          <a:fontRef idx="minor">
-            <a:schemeClr val="tx1"/>
-          </a:fontRef>
-        </p:style>
-      </p:cxnSp>
-      <p:cxnSp>
-        <p:nvCxnSpPr>
-          <p:cNvPr id="24" name="Straight Connector 48"/>
-          <p:cNvCxnSpPr>
-            <a:stCxn id="16" idx="1"/>
-            <a:endCxn id="15" idx="3"/>
-          </p:cNvCxnSpPr>
-          <p:nvPr/>
-        </p:nvCxnSpPr>
-        <p:spPr>
-          <a:xfrm flipH="1" flipV="1">
-            <a:off x="6405154" y="2870690"/>
-            <a:ext cx="1820207" cy="865005"/>
-          </a:xfrm>
-          <a:prstGeom prst="line">
-            <a:avLst/>
-          </a:prstGeom>
-          <a:ln w="28575">
-            <a:solidFill>
-              <a:schemeClr val="tx1">
-                <a:lumMod val="95000"/>
-                <a:lumOff val="5000"/>
-              </a:schemeClr>
-            </a:solidFill>
-            <a:prstDash val="sysDash"/>
-            <a:headEnd type="arrow" w="med" len="med"/>
-            <a:tailEnd type="arrow" w="med" len="med"/>
-          </a:ln>
-          <a:effectLst>
-            <a:outerShdw blurRad="50800" dist="38100" dir="8100000" algn="tr" rotWithShape="0">
-              <a:prstClr val="black">
-                <a:alpha val="40000"/>
-              </a:prstClr>
-            </a:outerShdw>
-          </a:effectLst>
-        </p:spPr>
-        <p:style>
-          <a:lnRef idx="1">
-            <a:schemeClr val="accent1"/>
-          </a:lnRef>
-          <a:fillRef idx="0">
-            <a:schemeClr val="accent1"/>
-          </a:fillRef>
-          <a:effectRef idx="0">
-            <a:schemeClr val="accent1"/>
-          </a:effectRef>
-          <a:fontRef idx="minor">
-            <a:schemeClr val="tx1"/>
-          </a:fontRef>
-        </p:style>
-      </p:cxnSp>
-      <p:sp>
-        <p:nvSpPr>
-          <p:cNvPr id="25" name="Rectangle à coins arrondis 24"/>
-          <p:cNvSpPr/>
-          <p:nvPr/>
-        </p:nvSpPr>
-        <p:spPr>
-          <a:xfrm>
-            <a:off x="185657" y="1753246"/>
-            <a:ext cx="1216613" cy="383497"/>
-          </a:xfrm>
-          <a:prstGeom prst="roundRect">
-            <a:avLst/>
-          </a:prstGeom>
-          <a:solidFill>
-            <a:schemeClr val="accent2">
-              <a:lumMod val="60000"/>
-              <a:lumOff val="40000"/>
-            </a:schemeClr>
-          </a:solidFill>
-        </p:spPr>
-        <p:style>
-          <a:lnRef idx="2">
-            <a:schemeClr val="accent1">
-              <a:shade val="50000"/>
-            </a:schemeClr>
-          </a:lnRef>
-          <a:fillRef idx="1">
-            <a:schemeClr val="accent1"/>
-          </a:fillRef>
-          <a:effectRef idx="0">
-            <a:schemeClr val="accent1"/>
-          </a:effectRef>
-          <a:fontRef idx="minor">
-            <a:schemeClr val="lt1"/>
-          </a:fontRef>
-        </p:style>
-        <p:txBody>
-          <a:bodyPr rtlCol="0" anchor="ctr"/>
-          <a:lstStyle/>
-          <a:p>
-            <a:pPr algn="ctr"/>
-            <a:r>
-              <a:rPr lang="fr-FR" sz="1400" dirty="0" err="1" smtClean="0"/>
-              <a:t>Borehole</a:t>
-            </a:r>
-            <a:endParaRPr lang="fr-FR" sz="1400" dirty="0" smtClean="0"/>
-          </a:p>
-          <a:p>
-            <a:pPr algn="ctr"/>
-            <a:r>
-              <a:rPr lang="fr-FR" sz="1400" dirty="0" err="1" smtClean="0"/>
-              <a:t>Trajectory</a:t>
-            </a:r>
-            <a:endParaRPr lang="fr-FR" sz="1400" dirty="0"/>
-          </a:p>
-        </p:txBody>
-      </p:sp>
-      <p:cxnSp>
-        <p:nvCxnSpPr>
-          <p:cNvPr id="28" name="Straight Connector 48"/>
-          <p:cNvCxnSpPr>
-            <a:endCxn id="13" idx="1"/>
-          </p:cNvCxnSpPr>
-          <p:nvPr/>
-        </p:nvCxnSpPr>
-        <p:spPr>
-          <a:xfrm>
-            <a:off x="677683" y="2202986"/>
-            <a:ext cx="1610375" cy="698555"/>
-          </a:xfrm>
-          <a:prstGeom prst="line">
-            <a:avLst/>
-          </a:prstGeom>
-          <a:ln w="28575">
-            <a:solidFill>
-              <a:schemeClr val="tx1">
-                <a:lumMod val="95000"/>
-                <a:lumOff val="5000"/>
-              </a:schemeClr>
-            </a:solidFill>
-            <a:prstDash val="sysDash"/>
-            <a:headEnd type="arrow" w="med" len="med"/>
-            <a:tailEnd type="none" w="med" len="med"/>
-          </a:ln>
-          <a:effectLst>
-            <a:outerShdw blurRad="50800" dist="38100" dir="8100000" algn="tr" rotWithShape="0">
-              <a:prstClr val="black">
-                <a:alpha val="40000"/>
-              </a:prstClr>
-            </a:outerShdw>
-          </a:effectLst>
-        </p:spPr>
-        <p:style>
-          <a:lnRef idx="1">
-            <a:schemeClr val="accent1"/>
-          </a:lnRef>
-          <a:fillRef idx="0">
-            <a:schemeClr val="accent1"/>
-          </a:fillRef>
-          <a:effectRef idx="0">
-            <a:schemeClr val="accent1"/>
-          </a:effectRef>
-          <a:fontRef idx="minor">
-            <a:schemeClr val="tx1"/>
-          </a:fontRef>
-        </p:style>
-      </p:cxnSp>
-      <p:sp>
-        <p:nvSpPr>
-          <p:cNvPr id="30" name="ZoneTexte 29"/>
-          <p:cNvSpPr txBox="1"/>
-          <p:nvPr/>
-        </p:nvSpPr>
-        <p:spPr>
-          <a:xfrm rot="1576541">
-            <a:off x="1067473" y="2260159"/>
-            <a:ext cx="1089978" cy="369332"/>
-          </a:xfrm>
-          <a:prstGeom prst="rect">
-            <a:avLst/>
-          </a:prstGeom>
-          <a:noFill/>
-        </p:spPr>
-        <p:txBody>
-          <a:bodyPr wrap="none" rtlCol="0">
-            <a:spAutoFit/>
-          </a:bodyPr>
-          <a:lstStyle/>
-          <a:p>
-            <a:r>
-              <a:rPr lang="fr-FR" dirty="0" err="1" smtClean="0"/>
-              <a:t>geometry</a:t>
-            </a:r>
-            <a:endParaRPr lang="fr-FR" dirty="0" smtClean="0"/>
-          </a:p>
-        </p:txBody>
-      </p:sp>
-      <p:sp>
-        <p:nvSpPr>
-          <p:cNvPr id="31" name="ZoneTexte 30"/>
-          <p:cNvSpPr txBox="1"/>
-          <p:nvPr/>
-        </p:nvSpPr>
-        <p:spPr>
-          <a:xfrm>
-            <a:off x="568685" y="1421221"/>
-            <a:ext cx="444352" cy="369332"/>
-          </a:xfrm>
-          <a:prstGeom prst="rect">
-            <a:avLst/>
-          </a:prstGeom>
-          <a:noFill/>
-        </p:spPr>
-        <p:txBody>
-          <a:bodyPr wrap="none" rtlCol="0">
-            <a:spAutoFit/>
-          </a:bodyPr>
-          <a:lstStyle/>
-          <a:p>
-            <a:r>
-              <a:rPr lang="fr-FR" dirty="0" smtClean="0"/>
-              <a:t>3D</a:t>
-            </a:r>
-          </a:p>
-        </p:txBody>
-      </p:sp>
-      <p:sp>
-        <p:nvSpPr>
-          <p:cNvPr id="32" name="ZoneTexte 31"/>
-          <p:cNvSpPr txBox="1"/>
-          <p:nvPr/>
-        </p:nvSpPr>
-        <p:spPr>
-          <a:xfrm>
-            <a:off x="5073090" y="2186668"/>
-            <a:ext cx="1390445" cy="369332"/>
-          </a:xfrm>
-          <a:prstGeom prst="rect">
-            <a:avLst/>
-          </a:prstGeom>
-          <a:noFill/>
-        </p:spPr>
-        <p:txBody>
-          <a:bodyPr wrap="none" rtlCol="0">
-            <a:spAutoFit/>
-          </a:bodyPr>
-          <a:lstStyle/>
-          <a:p>
-            <a:r>
-              <a:rPr lang="fr-FR" dirty="0" smtClean="0"/>
-              <a:t>1D:LinearRef</a:t>
-            </a:r>
-          </a:p>
-        </p:txBody>
-      </p:sp>
-      <p:sp>
-        <p:nvSpPr>
-          <p:cNvPr id="34" name="ZoneTexte 33"/>
-          <p:cNvSpPr txBox="1"/>
-          <p:nvPr/>
-        </p:nvSpPr>
-        <p:spPr>
-          <a:xfrm>
-            <a:off x="2182890" y="969535"/>
-            <a:ext cx="2428299" cy="1077218"/>
-          </a:xfrm>
-          <a:prstGeom prst="rect">
-            <a:avLst/>
-          </a:prstGeom>
-          <a:noFill/>
-        </p:spPr>
-        <p:txBody>
-          <a:bodyPr wrap="square" rtlCol="0">
-            <a:spAutoFit/>
-          </a:bodyPr>
-          <a:lstStyle/>
-          <a:p>
-            <a:r>
-              <a:rPr lang="fr-FR" sz="1600" dirty="0" smtClean="0"/>
-              <a:t>1D local </a:t>
-            </a:r>
-            <a:r>
-              <a:rPr lang="fr-FR" sz="1600" dirty="0" smtClean="0"/>
-              <a:t>? engineering</a:t>
-            </a:r>
-            <a:r>
-              <a:rPr lang="fr-FR" sz="1600" dirty="0" smtClean="0"/>
-              <a:t>? </a:t>
-            </a:r>
-            <a:endParaRPr lang="fr-FR" sz="1600" dirty="0"/>
-          </a:p>
-          <a:p>
-            <a:r>
-              <a:rPr lang="fr-FR" sz="1600" dirty="0" err="1" smtClean="0"/>
-              <a:t>Coord</a:t>
-            </a:r>
-            <a:r>
-              <a:rPr lang="fr-FR" sz="1600" dirty="0" smtClean="0"/>
-              <a:t> System </a:t>
-            </a:r>
-          </a:p>
-          <a:p>
-            <a:r>
-              <a:rPr lang="fr-FR" sz="1600" dirty="0" smtClean="0"/>
-              <a:t>-&gt; check ISO </a:t>
-            </a:r>
-            <a:r>
-              <a:rPr lang="fr-FR" sz="1600" dirty="0" smtClean="0"/>
-              <a:t>19107</a:t>
-            </a:r>
-          </a:p>
-          <a:p>
-            <a:r>
-              <a:rPr lang="fr-FR" sz="1600" dirty="0" smtClean="0"/>
-              <a:t>-&gt; check ISO 19148</a:t>
-            </a:r>
-            <a:r>
-              <a:rPr lang="fr-FR" sz="1600" dirty="0" smtClean="0"/>
-              <a:t> </a:t>
-            </a:r>
-            <a:endParaRPr lang="fr-FR" sz="1600" dirty="0" smtClean="0"/>
-          </a:p>
-        </p:txBody>
-      </p:sp>
-    </p:spTree>
-    <p:extLst>
-      <p:ext uri="{BB962C8B-B14F-4D97-AF65-F5344CB8AC3E}">
-        <p14:creationId xmlns:p14="http://schemas.microsoft.com/office/powerpoint/2010/main" val="920087473"/>
-      </p:ext>
-    </p:extLst>
-  </p:cSld>
-  <p:clrMapOvr>
-    <a:masterClrMapping/>
-  </p:clrMapOvr>
-</p:sld>
-</file>
-
-<file path=ppt/slides/slide8.xml><?xml version="1.0" encoding="utf-8"?>
-<p:sld xmlns:a="http://schemas.openxmlformats.org/drawingml/2006/main" xmlns:r="http://schemas.openxmlformats.org/officeDocument/2006/relationships" xmlns:p="http://schemas.openxmlformats.org/presentationml/2006/main">
-  <p:cSld>
-    <p:spTree>
-      <p:nvGrpSpPr>
-        <p:cNvPr id="1" name=""/>
-        <p:cNvGrpSpPr/>
-        <p:nvPr/>
-      </p:nvGrpSpPr>
-      <p:grpSpPr>
-        <a:xfrm>
-          <a:off x="0" y="0"/>
-          <a:ext cx="0" cy="0"/>
-          <a:chOff x="0" y="0"/>
-          <a:chExt cx="0" cy="0"/>
-        </a:xfrm>
-      </p:grpSpPr>
-      <p:sp>
-        <p:nvSpPr>
-          <p:cNvPr id="3" name="Espace réservé du contenu 2"/>
-          <p:cNvSpPr>
-            <a:spLocks noGrp="1"/>
-          </p:cNvSpPr>
-          <p:nvPr>
-            <p:ph idx="1"/>
-          </p:nvPr>
-        </p:nvSpPr>
-        <p:spPr>
-          <a:xfrm>
-            <a:off x="476620" y="764178"/>
-            <a:ext cx="10903131" cy="5726294"/>
-          </a:xfrm>
-        </p:spPr>
-        <p:txBody>
-          <a:bodyPr>
-            <a:normAutofit fontScale="85000" lnSpcReduction="20000"/>
-          </a:bodyPr>
-          <a:lstStyle/>
-          <a:p>
-            <a:endParaRPr lang="en-US" dirty="0"/>
-          </a:p>
-          <a:p>
-            <a:pPr lvl="1" fontAlgn="base"/>
-            <a:r>
-              <a:rPr lang="en-US" dirty="0"/>
-              <a:t>Refine </a:t>
-            </a:r>
-            <a:r>
-              <a:rPr lang="en-US" dirty="0" err="1"/>
-              <a:t>BaseLine</a:t>
-            </a:r>
-            <a:r>
-              <a:rPr lang="en-US" dirty="0"/>
-              <a:t> model</a:t>
-            </a:r>
-          </a:p>
-          <a:p>
-            <a:pPr lvl="2" fontAlgn="base"/>
-            <a:r>
-              <a:rPr lang="en-US" dirty="0"/>
-              <a:t>1D local ?engineering?  / </a:t>
-            </a:r>
-            <a:r>
-              <a:rPr lang="en-US" dirty="0" err="1"/>
-              <a:t>Coord</a:t>
-            </a:r>
-            <a:r>
-              <a:rPr lang="en-US" dirty="0"/>
-              <a:t> System / -&gt; check ISO 19107 terms</a:t>
-            </a:r>
-          </a:p>
-          <a:p>
-            <a:pPr lvl="2" fontAlgn="base"/>
-            <a:r>
-              <a:rPr lang="en-US" dirty="0"/>
-              <a:t>+ ISO 19148 terminology</a:t>
-            </a:r>
-          </a:p>
-          <a:p>
-            <a:pPr lvl="2" fontAlgn="base"/>
-            <a:r>
-              <a:rPr lang="en-US" dirty="0"/>
-              <a:t>Is the baseline a </a:t>
-            </a:r>
-            <a:r>
-              <a:rPr lang="en-US" dirty="0" err="1"/>
-              <a:t>FeatureType</a:t>
-            </a:r>
-            <a:r>
-              <a:rPr lang="en-US" dirty="0"/>
-              <a:t> ? a SRS ?</a:t>
-            </a:r>
-          </a:p>
-          <a:p>
-            <a:pPr lvl="2"/>
-            <a:r>
-              <a:rPr lang="en-US" dirty="0"/>
-              <a:t>=&gt; do we really need to create a specific concept or aren’t the Trajectory, ISO 19148 method and the ‘connected’ object sufficient ?</a:t>
-            </a:r>
-            <a:endParaRPr lang="en-US" dirty="0"/>
-          </a:p>
-          <a:p>
-            <a:pPr lvl="1" fontAlgn="base"/>
-            <a:r>
-              <a:rPr lang="en-US" dirty="0" smtClean="0"/>
-              <a:t>Topology </a:t>
-            </a:r>
-            <a:r>
-              <a:rPr lang="en-US" dirty="0"/>
-              <a:t>needed ? </a:t>
-            </a:r>
-          </a:p>
-          <a:p>
-            <a:pPr lvl="2" fontAlgn="base"/>
-            <a:r>
-              <a:rPr lang="en-US" dirty="0"/>
-              <a:t>read “with its own constraints” = if you move a node then it has impacts...</a:t>
-            </a:r>
-          </a:p>
-          <a:p>
-            <a:pPr lvl="2" fontAlgn="base"/>
-            <a:r>
-              <a:rPr lang="en-US" dirty="0"/>
-              <a:t>can node can have properties ?</a:t>
-            </a:r>
-          </a:p>
-          <a:p>
-            <a:pPr lvl="1" fontAlgn="base"/>
-            <a:r>
-              <a:rPr lang="en-US" dirty="0"/>
-              <a:t>Bi-</a:t>
-            </a:r>
-            <a:r>
-              <a:rPr lang="en-US" dirty="0" err="1"/>
-              <a:t>directionnality</a:t>
-            </a:r>
-            <a:r>
-              <a:rPr lang="en-US" dirty="0"/>
-              <a:t> ?</a:t>
-            </a:r>
-          </a:p>
-          <a:p>
-            <a:pPr lvl="2" fontAlgn="base"/>
-            <a:r>
-              <a:rPr lang="en-US" dirty="0"/>
-              <a:t>Elements connected to the baseline know it.</a:t>
-            </a:r>
-          </a:p>
-          <a:p>
-            <a:pPr lvl="2" fontAlgn="base"/>
-            <a:r>
-              <a:rPr lang="en-US" dirty="0"/>
-              <a:t>BUT, should the baseline know all points and intervals that are attached to it ?</a:t>
-            </a:r>
-          </a:p>
-          <a:p>
-            <a:pPr lvl="1" fontAlgn="base"/>
-            <a:r>
-              <a:rPr lang="en-US" dirty="0"/>
-              <a:t>Look at </a:t>
-            </a:r>
-            <a:r>
-              <a:rPr lang="en-US" dirty="0" err="1"/>
-              <a:t>NrCan</a:t>
-            </a:r>
-            <a:r>
-              <a:rPr lang="en-US" dirty="0"/>
-              <a:t> 1998 contribution (</a:t>
-            </a:r>
-            <a:r>
-              <a:rPr lang="en-US" u="sng" dirty="0">
-                <a:hlinkClick r:id="rId2"/>
-              </a:rPr>
-              <a:t>https://geoscan.nrcan.gc.ca/starweb/geoscan/servlet.starweb?path=geoscan/fulle.web&amp;search1=R=209958</a:t>
-            </a:r>
-            <a:r>
-              <a:rPr lang="en-US" dirty="0"/>
-              <a:t>)</a:t>
-            </a:r>
-          </a:p>
-          <a:p>
-            <a:pPr lvl="1" fontAlgn="base"/>
-            <a:r>
-              <a:rPr lang="en-US" dirty="0"/>
-              <a:t>Baseline VS Trajectory</a:t>
-            </a:r>
-          </a:p>
-          <a:p>
-            <a:pPr lvl="1" fontAlgn="base"/>
-            <a:r>
-              <a:rPr lang="en-US" dirty="0"/>
-              <a:t>How when non discrete data  ?</a:t>
-            </a:r>
-          </a:p>
-          <a:p>
-            <a:pPr lvl="1" fontAlgn="base"/>
-            <a:r>
-              <a:rPr lang="en-US" dirty="0"/>
-              <a:t>All relations bi-</a:t>
-            </a:r>
-            <a:r>
-              <a:rPr lang="en-US" dirty="0" err="1"/>
-              <a:t>directionnal</a:t>
-            </a:r>
-            <a:r>
-              <a:rPr lang="en-US" dirty="0"/>
-              <a:t> ?</a:t>
-            </a:r>
-          </a:p>
-          <a:p>
-            <a:pPr lvl="1" fontAlgn="base"/>
-            <a:r>
-              <a:rPr lang="en-US" dirty="0"/>
-              <a:t>From Baseline to connectors? (is the baseline aware of all the things plugged to it ) ?</a:t>
-            </a:r>
-          </a:p>
-          <a:p>
-            <a:pPr lvl="1" fontAlgn="base"/>
-            <a:r>
-              <a:rPr lang="en-US" dirty="0"/>
-              <a:t>Open segmentation</a:t>
-            </a:r>
-          </a:p>
-          <a:p>
-            <a:endParaRPr lang="fr-FR" dirty="0" smtClean="0"/>
-          </a:p>
-          <a:p>
-            <a:pPr marL="0" indent="0">
-              <a:buNone/>
-            </a:pPr>
-            <a:endParaRPr lang="fr-FR" dirty="0"/>
-          </a:p>
-        </p:txBody>
-      </p:sp>
-      <p:sp>
-        <p:nvSpPr>
-          <p:cNvPr id="5" name="ZoneTexte 4"/>
-          <p:cNvSpPr txBox="1"/>
-          <p:nvPr/>
-        </p:nvSpPr>
-        <p:spPr>
-          <a:xfrm>
-            <a:off x="4269719" y="0"/>
-            <a:ext cx="1658467" cy="369332"/>
-          </a:xfrm>
-          <a:prstGeom prst="rect">
-            <a:avLst/>
-          </a:prstGeom>
-          <a:noFill/>
-        </p:spPr>
-        <p:txBody>
-          <a:bodyPr wrap="none" rtlCol="0">
-            <a:spAutoFit/>
-          </a:bodyPr>
-          <a:lstStyle/>
-          <a:p>
-            <a:r>
-              <a:rPr lang="fr-FR" dirty="0" smtClean="0"/>
-              <a:t>Open questions</a:t>
-            </a:r>
-          </a:p>
-        </p:txBody>
-      </p:sp>
-    </p:spTree>
-    <p:extLst>
-      <p:ext uri="{BB962C8B-B14F-4D97-AF65-F5344CB8AC3E}">
-        <p14:creationId xmlns:p14="http://schemas.microsoft.com/office/powerpoint/2010/main" val="1038657087"/>
       </p:ext>
     </p:extLst>
   </p:cSld>
